--- a/images/management/chain.pptx
+++ b/images/management/chain.pptx
@@ -7,6 +7,7 @@
   <p:sldIdLst>
     <p:sldId id="256" r:id="rId2"/>
     <p:sldId id="257" r:id="rId3"/>
+    <p:sldId id="258" r:id="rId4"/>
   </p:sldIdLst>
   <p:sldSz cx="12192000" cy="6858000"/>
   <p:notesSz cx="6858000" cy="9144000"/>
@@ -243,6 +244,168 @@
 </inkml:ink>
 </file>
 
+<file path=ppt/ink/ink14.xml><?xml version="1.0" encoding="utf-8"?>
+<inkml:ink xmlns:inkml="http://www.w3.org/2003/InkML">
+  <inkml:definitions>
+    <inkml:context xml:id="ctx0">
+      <inkml:inkSource xml:id="inkSrc0">
+        <inkml:traceFormat>
+          <inkml:channel name="X" type="integer" min="-2.14748E9" max="2.14748E9" units="cm"/>
+          <inkml:channel name="Y" type="integer" min="-2.14748E9" max="2.14748E9" units="cm"/>
+          <inkml:channel name="F" type="integer" max="32767" units="dev"/>
+        </inkml:traceFormat>
+        <inkml:channelProperties>
+          <inkml:channelProperty channel="X" name="resolution" value="1000" units="1/cm"/>
+          <inkml:channelProperty channel="Y" name="resolution" value="1000" units="1/cm"/>
+          <inkml:channelProperty channel="F" name="resolution" value="0" units="1/dev"/>
+        </inkml:channelProperties>
+      </inkml:inkSource>
+      <inkml:timestamp xml:id="ts0" timeString="2022-09-23T22:26:53.859"/>
+    </inkml:context>
+    <inkml:brush xml:id="br0">
+      <inkml:brushProperty name="width" value="0.1" units="cm"/>
+      <inkml:brushProperty name="height" value="0.1" units="cm"/>
+    </inkml:brush>
+  </inkml:definitions>
+  <inkml:trace contextRef="#ctx0" brushRef="#br0">269 1 24575,'-11'0'0,"0"0"0,0 0 0,3 0 0,-3 0 0,3 0 0,-3 0 0,3 0 0,-3 0 0,3 0 0,1 7 0,-1-5 0,1 8 0,-1-2 0,0 1 0,0 6 0,-3-6 0,5 2 0,-5 6 0,3-4 0,-1 4 0,1 3 0,1-7 0,2 13 0,-3-8 0,3 7 0,-3-3 0,4 1 0,-1 2 0,-2-7 0,6 7 0,-7-7 0,8 3 0,-8 0 0,7-4 0,-3 4 0,4-4 0,0-1 0,0 0 0,0 1 0,0-1 0,0 0 0,0 1 0,0-1 0,0 5 0,0-4 0,0 4 0,0-8 0,0 2 0,0-3 0,3 1 0,2 2 0,2-3 0,1 1 0,0 2 0,0-7 0,4 4 0,0-4 0,4 0 0,0 0 0,1 0 0,-1 0 0,5 1 0,-3-4 0,19 2 0,-6-1 0,9-1 0,-8-1 0,0-4 0,-4 0 0,10 0 0,-10 0 0,4 0 0,-10 0 0,-1 0 0,0 0 0,-3-3 0,3-6 0,-5 0 0,5-7 0,-3 7 0,3-7 0,-5 7 0,0-7 0,0 7 0,-3-2 0,2 0 0,-7 2 0,7-9 0,-6 5 0,2-7 0,-3 4 0,1-5 0,-1 3 0,1-7 0,-5 7 0,4-7 0,-7 7 0,3-7 0,-4 7 0,0-3 0,0 0 0,0-1 0,0 0 0,0-4 0,0 4 0,0-5 0,0 5 0,0 1 0,0 5 0,-3-1 0,-6 5 0,0-4 0,-2 8 0,3-4 0,0 1 0,1 3 0,-1-4 0,1 5 0,-4-4 0,2 2 0,-6-2 0,7 6 0,-4-2 0,1 3 0,3 0 0,-4-3 0,1 6 0,2-2 0,-2 0 0,4 2 0,-1-3 0,1 1 0,0 2 0,-1-5 0,1 2 0,-4 0 0,2-3 0,-2 6 0,4-5 0,-1 5 0,1-2 0,-1 3 0,1-3 0,0 2 0,0-2 0,0 3 0,0 0 0,0 0 0,0 0 0,0 0 0,0 0 0,0 0 0,0 0 0,0 0 0,0 0 0,-1 0 0,2 0 0,-1 0 0,0 0 0,-4 0 0,6 0 0,-2 0 0</inkml:trace>
+</inkml:ink>
+</file>
+
+<file path=ppt/ink/ink15.xml><?xml version="1.0" encoding="utf-8"?>
+<inkml:ink xmlns:inkml="http://www.w3.org/2003/InkML">
+  <inkml:definitions>
+    <inkml:context xml:id="ctx0">
+      <inkml:inkSource xml:id="inkSrc0">
+        <inkml:traceFormat>
+          <inkml:channel name="X" type="integer" min="-2.14748E9" max="2.14748E9" units="cm"/>
+          <inkml:channel name="Y" type="integer" min="-2.14748E9" max="2.14748E9" units="cm"/>
+          <inkml:channel name="F" type="integer" max="32767" units="dev"/>
+        </inkml:traceFormat>
+        <inkml:channelProperties>
+          <inkml:channelProperty channel="X" name="resolution" value="1000" units="1/cm"/>
+          <inkml:channelProperty channel="Y" name="resolution" value="1000" units="1/cm"/>
+          <inkml:channelProperty channel="F" name="resolution" value="0" units="1/dev"/>
+        </inkml:channelProperties>
+      </inkml:inkSource>
+      <inkml:timestamp xml:id="ts0" timeString="2022-09-23T22:27:00.385"/>
+    </inkml:context>
+    <inkml:brush xml:id="br0">
+      <inkml:brushProperty name="width" value="0.1" units="cm"/>
+      <inkml:brushProperty name="height" value="0.1" units="cm"/>
+    </inkml:brush>
+  </inkml:definitions>
+  <inkml:trace contextRef="#ctx0" brushRef="#br0">269 1 24575,'-11'0'0,"0"0"0,0 0 0,3 0 0,-3 0 0,3 0 0,-3 0 0,3 0 0,-3 0 0,3 0 0,1 7 0,-1-5 0,1 8 0,-1-2 0,0 1 0,0 6 0,-3-6 0,5 2 0,-5 6 0,3-4 0,-1 4 0,1 3 0,1-7 0,2 13 0,-3-8 0,3 7 0,-3-3 0,4 1 0,-1 2 0,-2-7 0,6 7 0,-7-7 0,8 3 0,-8 0 0,7-4 0,-3 4 0,4-4 0,0-1 0,0 0 0,0 1 0,0-1 0,0 0 0,0 1 0,0-1 0,0 5 0,0-4 0,0 4 0,0-8 0,0 2 0,0-3 0,3 1 0,2 2 0,2-3 0,1 1 0,0 2 0,0-7 0,4 4 0,0-4 0,4 0 0,0 0 0,1 0 0,-1 0 0,5 1 0,-3-4 0,19 2 0,-6-1 0,9-1 0,-8-1 0,0-4 0,-4 0 0,10 0 0,-10 0 0,4 0 0,-10 0 0,-1 0 0,0 0 0,-3-3 0,3-6 0,-5 0 0,5-7 0,-3 7 0,3-7 0,-5 7 0,0-7 0,0 7 0,-3-2 0,2 0 0,-7 2 0,7-9 0,-6 5 0,2-7 0,-3 4 0,1-5 0,-1 3 0,1-7 0,-5 7 0,4-7 0,-7 7 0,3-7 0,-4 7 0,0-3 0,0 0 0,0-1 0,0 0 0,0-4 0,0 4 0,0-5 0,0 5 0,0 1 0,0 5 0,-3-1 0,-6 5 0,0-4 0,-2 8 0,3-4 0,0 1 0,1 3 0,-1-4 0,1 5 0,-4-4 0,2 2 0,-6-2 0,7 6 0,-4-2 0,1 3 0,3 0 0,-4-3 0,1 6 0,2-2 0,-2 0 0,4 2 0,-1-3 0,1 1 0,0 2 0,-1-5 0,1 2 0,-4 0 0,2-3 0,-2 6 0,4-5 0,-1 5 0,1-2 0,-1 3 0,1-3 0,0 2 0,0-2 0,0 3 0,0 0 0,0 0 0,0 0 0,0 0 0,0 0 0,0 0 0,0 0 0,0 0 0,0 0 0,-1 0 0,2 0 0,-1 0 0,0 0 0,-4 0 0,6 0 0,-2 0 0</inkml:trace>
+</inkml:ink>
+</file>
+
+<file path=ppt/ink/ink16.xml><?xml version="1.0" encoding="utf-8"?>
+<inkml:ink xmlns:inkml="http://www.w3.org/2003/InkML">
+  <inkml:definitions>
+    <inkml:context xml:id="ctx0">
+      <inkml:inkSource xml:id="inkSrc0">
+        <inkml:traceFormat>
+          <inkml:channel name="X" type="integer" min="-2.14748E9" max="2.14748E9" units="cm"/>
+          <inkml:channel name="Y" type="integer" min="-2.14748E9" max="2.14748E9" units="cm"/>
+          <inkml:channel name="F" type="integer" max="32767" units="dev"/>
+        </inkml:traceFormat>
+        <inkml:channelProperties>
+          <inkml:channelProperty channel="X" name="resolution" value="1000" units="1/cm"/>
+          <inkml:channelProperty channel="Y" name="resolution" value="1000" units="1/cm"/>
+          <inkml:channelProperty channel="F" name="resolution" value="0" units="1/dev"/>
+        </inkml:channelProperties>
+      </inkml:inkSource>
+      <inkml:timestamp xml:id="ts0" timeString="2022-09-23T22:27:03.434"/>
+    </inkml:context>
+    <inkml:brush xml:id="br0">
+      <inkml:brushProperty name="width" value="0.1" units="cm"/>
+      <inkml:brushProperty name="height" value="0.1" units="cm"/>
+    </inkml:brush>
+  </inkml:definitions>
+  <inkml:trace contextRef="#ctx0" brushRef="#br0">269 1 24575,'-11'0'0,"0"0"0,0 0 0,3 0 0,-3 0 0,3 0 0,-3 0 0,3 0 0,-3 0 0,3 0 0,1 7 0,-1-5 0,1 8 0,-1-2 0,0 1 0,0 6 0,-3-6 0,5 2 0,-5 6 0,3-4 0,-1 4 0,1 3 0,1-7 0,2 13 0,-3-8 0,3 7 0,-3-3 0,4 1 0,-1 2 0,-2-7 0,6 7 0,-7-7 0,8 3 0,-8 0 0,7-4 0,-3 4 0,4-4 0,0-1 0,0 0 0,0 1 0,0-1 0,0 0 0,0 1 0,0-1 0,0 5 0,0-4 0,0 4 0,0-8 0,0 2 0,0-3 0,3 1 0,2 2 0,2-3 0,1 1 0,0 2 0,0-7 0,4 4 0,0-4 0,4 0 0,0 0 0,1 0 0,-1 0 0,5 1 0,-3-4 0,19 2 0,-6-1 0,9-1 0,-8-1 0,0-4 0,-4 0 0,10 0 0,-10 0 0,4 0 0,-10 0 0,-1 0 0,0 0 0,-3-3 0,3-6 0,-5 0 0,5-7 0,-3 7 0,3-7 0,-5 7 0,0-7 0,0 7 0,-3-2 0,2 0 0,-7 2 0,7-9 0,-6 5 0,2-7 0,-3 4 0,1-5 0,-1 3 0,1-7 0,-5 7 0,4-7 0,-7 7 0,3-7 0,-4 7 0,0-3 0,0 0 0,0-1 0,0 0 0,0-4 0,0 4 0,0-5 0,0 5 0,0 1 0,0 5 0,-3-1 0,-6 5 0,0-4 0,-2 8 0,3-4 0,0 1 0,1 3 0,-1-4 0,1 5 0,-4-4 0,2 2 0,-6-2 0,7 6 0,-4-2 0,1 3 0,3 0 0,-4-3 0,1 6 0,2-2 0,-2 0 0,4 2 0,-1-3 0,1 1 0,0 2 0,-1-5 0,1 2 0,-4 0 0,2-3 0,-2 6 0,4-5 0,-1 5 0,1-2 0,-1 3 0,1-3 0,0 2 0,0-2 0,0 3 0,0 0 0,0 0 0,0 0 0,0 0 0,0 0 0,0 0 0,0 0 0,0 0 0,0 0 0,-1 0 0,2 0 0,-1 0 0,0 0 0,-4 0 0,6 0 0,-2 0 0</inkml:trace>
+</inkml:ink>
+</file>
+
+<file path=ppt/ink/ink17.xml><?xml version="1.0" encoding="utf-8"?>
+<inkml:ink xmlns:inkml="http://www.w3.org/2003/InkML">
+  <inkml:definitions>
+    <inkml:context xml:id="ctx0">
+      <inkml:inkSource xml:id="inkSrc0">
+        <inkml:traceFormat>
+          <inkml:channel name="X" type="integer" min="-2.14748E9" max="2.14748E9" units="cm"/>
+          <inkml:channel name="Y" type="integer" min="-2.14748E9" max="2.14748E9" units="cm"/>
+          <inkml:channel name="F" type="integer" max="32767" units="dev"/>
+        </inkml:traceFormat>
+        <inkml:channelProperties>
+          <inkml:channelProperty channel="X" name="resolution" value="1000" units="1/cm"/>
+          <inkml:channelProperty channel="Y" name="resolution" value="1000" units="1/cm"/>
+          <inkml:channelProperty channel="F" name="resolution" value="0" units="1/dev"/>
+        </inkml:channelProperties>
+      </inkml:inkSource>
+      <inkml:timestamp xml:id="ts0" timeString="2022-09-23T22:27:06.043"/>
+    </inkml:context>
+    <inkml:brush xml:id="br0">
+      <inkml:brushProperty name="width" value="0.1" units="cm"/>
+      <inkml:brushProperty name="height" value="0.1" units="cm"/>
+    </inkml:brush>
+  </inkml:definitions>
+  <inkml:trace contextRef="#ctx0" brushRef="#br0">269 1 24575,'-11'0'0,"0"0"0,0 0 0,3 0 0,-3 0 0,3 0 0,-3 0 0,3 0 0,-3 0 0,3 0 0,1 7 0,-1-5 0,1 8 0,-1-2 0,0 1 0,0 6 0,-3-6 0,5 2 0,-5 6 0,3-4 0,-1 4 0,1 3 0,1-7 0,2 13 0,-3-8 0,3 7 0,-3-3 0,4 1 0,-1 2 0,-2-7 0,6 7 0,-7-7 0,8 3 0,-8 0 0,7-4 0,-3 4 0,4-4 0,0-1 0,0 0 0,0 1 0,0-1 0,0 0 0,0 1 0,0-1 0,0 5 0,0-4 0,0 4 0,0-8 0,0 2 0,0-3 0,3 1 0,2 2 0,2-3 0,1 1 0,0 2 0,0-7 0,4 4 0,0-4 0,4 0 0,0 0 0,1 0 0,-1 0 0,5 1 0,-3-4 0,19 2 0,-6-1 0,9-1 0,-8-1 0,0-4 0,-4 0 0,10 0 0,-10 0 0,4 0 0,-10 0 0,-1 0 0,0 0 0,-3-3 0,3-6 0,-5 0 0,5-7 0,-3 7 0,3-7 0,-5 7 0,0-7 0,0 7 0,-3-2 0,2 0 0,-7 2 0,7-9 0,-6 5 0,2-7 0,-3 4 0,1-5 0,-1 3 0,1-7 0,-5 7 0,4-7 0,-7 7 0,3-7 0,-4 7 0,0-3 0,0 0 0,0-1 0,0 0 0,0-4 0,0 4 0,0-5 0,0 5 0,0 1 0,0 5 0,-3-1 0,-6 5 0,0-4 0,-2 8 0,3-4 0,0 1 0,1 3 0,-1-4 0,1 5 0,-4-4 0,2 2 0,-6-2 0,7 6 0,-4-2 0,1 3 0,3 0 0,-4-3 0,1 6 0,2-2 0,-2 0 0,4 2 0,-1-3 0,1 1 0,0 2 0,-1-5 0,1 2 0,-4 0 0,2-3 0,-2 6 0,4-5 0,-1 5 0,1-2 0,-1 3 0,1-3 0,0 2 0,0-2 0,0 3 0,0 0 0,0 0 0,0 0 0,0 0 0,0 0 0,0 0 0,0 0 0,0 0 0,0 0 0,-1 0 0,2 0 0,-1 0 0,0 0 0,-4 0 0,6 0 0,-2 0 0</inkml:trace>
+</inkml:ink>
+</file>
+
+<file path=ppt/ink/ink18.xml><?xml version="1.0" encoding="utf-8"?>
+<inkml:ink xmlns:inkml="http://www.w3.org/2003/InkML">
+  <inkml:definitions>
+    <inkml:context xml:id="ctx0">
+      <inkml:inkSource xml:id="inkSrc0">
+        <inkml:traceFormat>
+          <inkml:channel name="X" type="integer" min="-2.14748E9" max="2.14748E9" units="cm"/>
+          <inkml:channel name="Y" type="integer" min="-2.14748E9" max="2.14748E9" units="cm"/>
+          <inkml:channel name="F" type="integer" max="32767" units="dev"/>
+        </inkml:traceFormat>
+        <inkml:channelProperties>
+          <inkml:channelProperty channel="X" name="resolution" value="1000" units="1/cm"/>
+          <inkml:channelProperty channel="Y" name="resolution" value="1000" units="1/cm"/>
+          <inkml:channelProperty channel="F" name="resolution" value="0" units="1/dev"/>
+        </inkml:channelProperties>
+      </inkml:inkSource>
+      <inkml:timestamp xml:id="ts0" timeString="2022-09-23T22:27:09.772"/>
+    </inkml:context>
+    <inkml:brush xml:id="br0">
+      <inkml:brushProperty name="width" value="0.1" units="cm"/>
+      <inkml:brushProperty name="height" value="0.1" units="cm"/>
+    </inkml:brush>
+  </inkml:definitions>
+  <inkml:trace contextRef="#ctx0" brushRef="#br0">269 1 24575,'-11'0'0,"0"0"0,0 0 0,3 0 0,-3 0 0,3 0 0,-3 0 0,3 0 0,-3 0 0,3 0 0,1 7 0,-1-5 0,1 8 0,-1-2 0,0 1 0,0 6 0,-3-6 0,5 2 0,-5 6 0,3-4 0,-1 4 0,1 3 0,1-7 0,2 13 0,-3-8 0,3 7 0,-3-3 0,4 1 0,-1 2 0,-2-7 0,6 7 0,-7-7 0,8 3 0,-8 0 0,7-4 0,-3 4 0,4-4 0,0-1 0,0 0 0,0 1 0,0-1 0,0 0 0,0 1 0,0-1 0,0 5 0,0-4 0,0 4 0,0-8 0,0 2 0,0-3 0,3 1 0,2 2 0,2-3 0,1 1 0,0 2 0,0-7 0,4 4 0,0-4 0,4 0 0,0 0 0,1 0 0,-1 0 0,5 1 0,-3-4 0,19 2 0,-6-1 0,9-1 0,-8-1 0,0-4 0,-4 0 0,10 0 0,-10 0 0,4 0 0,-10 0 0,-1 0 0,0 0 0,-3-3 0,3-6 0,-5 0 0,5-7 0,-3 7 0,3-7 0,-5 7 0,0-7 0,0 7 0,-3-2 0,2 0 0,-7 2 0,7-9 0,-6 5 0,2-7 0,-3 4 0,1-5 0,-1 3 0,1-7 0,-5 7 0,4-7 0,-7 7 0,3-7 0,-4 7 0,0-3 0,0 0 0,0-1 0,0 0 0,0-4 0,0 4 0,0-5 0,0 5 0,0 1 0,0 5 0,-3-1 0,-6 5 0,0-4 0,-2 8 0,3-4 0,0 1 0,1 3 0,-1-4 0,1 5 0,-4-4 0,2 2 0,-6-2 0,7 6 0,-4-2 0,1 3 0,3 0 0,-4-3 0,1 6 0,2-2 0,-2 0 0,4 2 0,-1-3 0,1 1 0,0 2 0,-1-5 0,1 2 0,-4 0 0,2-3 0,-2 6 0,4-5 0,-1 5 0,1-2 0,-1 3 0,1-3 0,0 2 0,0-2 0,0 3 0,0 0 0,0 0 0,0 0 0,0 0 0,0 0 0,0 0 0,0 0 0,0 0 0,0 0 0,-1 0 0,2 0 0,-1 0 0,0 0 0,-4 0 0,6 0 0,-2 0 0</inkml:trace>
+</inkml:ink>
+</file>
+
+<file path=ppt/ink/ink19.xml><?xml version="1.0" encoding="utf-8"?>
+<inkml:ink xmlns:inkml="http://www.w3.org/2003/InkML">
+  <inkml:definitions>
+    <inkml:context xml:id="ctx0">
+      <inkml:inkSource xml:id="inkSrc0">
+        <inkml:traceFormat>
+          <inkml:channel name="X" type="integer" min="-2.14748E9" max="2.14748E9" units="cm"/>
+          <inkml:channel name="Y" type="integer" min="-2.14748E9" max="2.14748E9" units="cm"/>
+          <inkml:channel name="F" type="integer" max="32767" units="dev"/>
+        </inkml:traceFormat>
+        <inkml:channelProperties>
+          <inkml:channelProperty channel="X" name="resolution" value="1000" units="1/cm"/>
+          <inkml:channelProperty channel="Y" name="resolution" value="1000" units="1/cm"/>
+          <inkml:channelProperty channel="F" name="resolution" value="0" units="1/dev"/>
+        </inkml:channelProperties>
+      </inkml:inkSource>
+      <inkml:timestamp xml:id="ts0" timeString="2022-09-23T22:27:16.851"/>
+    </inkml:context>
+    <inkml:brush xml:id="br0">
+      <inkml:brushProperty name="width" value="0.1" units="cm"/>
+      <inkml:brushProperty name="height" value="0.1" units="cm"/>
+    </inkml:brush>
+  </inkml:definitions>
+  <inkml:trace contextRef="#ctx0" brushRef="#br0">269 1 24575,'-11'0'0,"0"0"0,0 0 0,3 0 0,-3 0 0,3 0 0,-3 0 0,3 0 0,-3 0 0,3 0 0,1 7 0,-1-5 0,1 8 0,-1-2 0,0 1 0,0 6 0,-3-6 0,5 2 0,-5 6 0,3-4 0,-1 4 0,1 3 0,1-7 0,2 13 0,-3-8 0,3 7 0,-3-3 0,4 1 0,-1 2 0,-2-7 0,6 7 0,-7-7 0,8 3 0,-8 0 0,7-4 0,-3 4 0,4-4 0,0-1 0,0 0 0,0 1 0,0-1 0,0 0 0,0 1 0,0-1 0,0 5 0,0-4 0,0 4 0,0-8 0,0 2 0,0-3 0,3 1 0,2 2 0,2-3 0,1 1 0,0 2 0,0-7 0,4 4 0,0-4 0,4 0 0,0 0 0,1 0 0,-1 0 0,5 1 0,-3-4 0,19 2 0,-6-1 0,9-1 0,-8-1 0,0-4 0,-4 0 0,10 0 0,-10 0 0,4 0 0,-10 0 0,-1 0 0,0 0 0,-3-3 0,3-6 0,-5 0 0,5-7 0,-3 7 0,3-7 0,-5 7 0,0-7 0,0 7 0,-3-2 0,2 0 0,-7 2 0,7-9 0,-6 5 0,2-7 0,-3 4 0,1-5 0,-1 3 0,1-7 0,-5 7 0,4-7 0,-7 7 0,3-7 0,-4 7 0,0-3 0,0 0 0,0-1 0,0 0 0,0-4 0,0 4 0,0-5 0,0 5 0,0 1 0,0 5 0,-3-1 0,-6 5 0,0-4 0,-2 8 0,3-4 0,0 1 0,1 3 0,-1-4 0,1 5 0,-4-4 0,2 2 0,-6-2 0,7 6 0,-4-2 0,1 3 0,3 0 0,-4-3 0,1 6 0,2-2 0,-2 0 0,4 2 0,-1-3 0,1 1 0,0 2 0,-1-5 0,1 2 0,-4 0 0,2-3 0,-2 6 0,4-5 0,-1 5 0,1-2 0,-1 3 0,1-3 0,0 2 0,0-2 0,0 3 0,0 0 0,0 0 0,0 0 0,0 0 0,0 0 0,0 0 0,0 0 0,0 0 0,0 0 0,-1 0 0,2 0 0,-1 0 0,0 0 0,-4 0 0,6 0 0,-2 0 0</inkml:trace>
+</inkml:ink>
+</file>
+
 <file path=ppt/ink/ink2.xml><?xml version="1.0" encoding="utf-8"?>
 <inkml:ink xmlns:inkml="http://www.w3.org/2003/InkML">
   <inkml:definitions>
@@ -267,6 +430,276 @@
     </inkml:brush>
   </inkml:definitions>
   <inkml:trace contextRef="#ctx0" brushRef="#br0">0 288 24575,'0'-16'0,"0"-2"0,0 6 0,0-1 0,0-7 0,0 11 0,0-7 0,0 8 0,0-3 0,0-1 0,0 0 0,0-2 0,4 8 0,0-8 0,4 5 0,0-3 0,-1 0 0,1 5 0,-1 3 0,-3-6 0,2 9 0,-2-6 0,3 0 0,0 5 0,-2-9 0,1 11 0,-2-4 0,0 1 0,3 2 0,-4-5 0,5 5 0,-1-5 0,0 5 0,-3-2 0,-1 3 0</inkml:trace>
+</inkml:ink>
+</file>
+
+<file path=ppt/ink/ink20.xml><?xml version="1.0" encoding="utf-8"?>
+<inkml:ink xmlns:inkml="http://www.w3.org/2003/InkML">
+  <inkml:definitions>
+    <inkml:context xml:id="ctx0">
+      <inkml:inkSource xml:id="inkSrc0">
+        <inkml:traceFormat>
+          <inkml:channel name="X" type="integer" min="-2.14748E9" max="2.14748E9" units="cm"/>
+          <inkml:channel name="Y" type="integer" min="-2.14748E9" max="2.14748E9" units="cm"/>
+          <inkml:channel name="F" type="integer" max="32767" units="dev"/>
+        </inkml:traceFormat>
+        <inkml:channelProperties>
+          <inkml:channelProperty channel="X" name="resolution" value="1000" units="1/cm"/>
+          <inkml:channelProperty channel="Y" name="resolution" value="1000" units="1/cm"/>
+          <inkml:channelProperty channel="F" name="resolution" value="0" units="1/dev"/>
+        </inkml:channelProperties>
+      </inkml:inkSource>
+      <inkml:timestamp xml:id="ts0" timeString="2022-09-23T22:27:25.138"/>
+    </inkml:context>
+    <inkml:brush xml:id="br0">
+      <inkml:brushProperty name="width" value="0.1" units="cm"/>
+      <inkml:brushProperty name="height" value="0.1" units="cm"/>
+    </inkml:brush>
+  </inkml:definitions>
+  <inkml:trace contextRef="#ctx0" brushRef="#br0">269 1 24575,'-11'0'0,"0"0"0,0 0 0,3 0 0,-3 0 0,3 0 0,-3 0 0,3 0 0,-3 0 0,3 0 0,1 7 0,-1-5 0,1 8 0,-1-2 0,0 1 0,0 6 0,-3-6 0,5 2 0,-5 6 0,3-4 0,-1 4 0,1 3 0,1-7 0,2 13 0,-3-8 0,3 7 0,-3-3 0,4 1 0,-1 2 0,-2-7 0,6 7 0,-7-7 0,8 3 0,-8 0 0,7-4 0,-3 4 0,4-4 0,0-1 0,0 0 0,0 1 0,0-1 0,0 0 0,0 1 0,0-1 0,0 5 0,0-4 0,0 4 0,0-8 0,0 2 0,0-3 0,3 1 0,2 2 0,2-3 0,1 1 0,0 2 0,0-7 0,4 4 0,0-4 0,4 0 0,0 0 0,1 0 0,-1 0 0,5 1 0,-3-4 0,19 2 0,-6-1 0,9-1 0,-8-1 0,0-4 0,-4 0 0,10 0 0,-10 0 0,4 0 0,-10 0 0,-1 0 0,0 0 0,-3-3 0,3-6 0,-5 0 0,5-7 0,-3 7 0,3-7 0,-5 7 0,0-7 0,0 7 0,-3-2 0,2 0 0,-7 2 0,7-9 0,-6 5 0,2-7 0,-3 4 0,1-5 0,-1 3 0,1-7 0,-5 7 0,4-7 0,-7 7 0,3-7 0,-4 7 0,0-3 0,0 0 0,0-1 0,0 0 0,0-4 0,0 4 0,0-5 0,0 5 0,0 1 0,0 5 0,-3-1 0,-6 5 0,0-4 0,-2 8 0,3-4 0,0 1 0,1 3 0,-1-4 0,1 5 0,-4-4 0,2 2 0,-6-2 0,7 6 0,-4-2 0,1 3 0,3 0 0,-4-3 0,1 6 0,2-2 0,-2 0 0,4 2 0,-1-3 0,1 1 0,0 2 0,-1-5 0,1 2 0,-4 0 0,2-3 0,-2 6 0,4-5 0,-1 5 0,1-2 0,-1 3 0,1-3 0,0 2 0,0-2 0,0 3 0,0 0 0,0 0 0,0 0 0,0 0 0,0 0 0,0 0 0,0 0 0,0 0 0,0 0 0,-1 0 0,2 0 0,-1 0 0,0 0 0,-4 0 0,6 0 0,-2 0 0</inkml:trace>
+</inkml:ink>
+</file>
+
+<file path=ppt/ink/ink21.xml><?xml version="1.0" encoding="utf-8"?>
+<inkml:ink xmlns:inkml="http://www.w3.org/2003/InkML">
+  <inkml:definitions>
+    <inkml:context xml:id="ctx0">
+      <inkml:inkSource xml:id="inkSrc0">
+        <inkml:traceFormat>
+          <inkml:channel name="X" type="integer" min="-2.14748E9" max="2.14748E9" units="cm"/>
+          <inkml:channel name="Y" type="integer" min="-2.14748E9" max="2.14748E9" units="cm"/>
+          <inkml:channel name="F" type="integer" max="32767" units="dev"/>
+        </inkml:traceFormat>
+        <inkml:channelProperties>
+          <inkml:channelProperty channel="X" name="resolution" value="1000" units="1/cm"/>
+          <inkml:channelProperty channel="Y" name="resolution" value="1000" units="1/cm"/>
+          <inkml:channelProperty channel="F" name="resolution" value="0" units="1/dev"/>
+        </inkml:channelProperties>
+      </inkml:inkSource>
+      <inkml:timestamp xml:id="ts0" timeString="2022-09-23T22:27:25.139"/>
+    </inkml:context>
+    <inkml:brush xml:id="br0">
+      <inkml:brushProperty name="width" value="0.1" units="cm"/>
+      <inkml:brushProperty name="height" value="0.1" units="cm"/>
+    </inkml:brush>
+  </inkml:definitions>
+  <inkml:trace contextRef="#ctx0" brushRef="#br0">269 1 24575,'-11'0'0,"0"0"0,0 0 0,3 0 0,-3 0 0,3 0 0,-3 0 0,3 0 0,-3 0 0,3 0 0,1 7 0,-1-5 0,1 8 0,-1-2 0,0 1 0,0 6 0,-3-6 0,5 2 0,-5 6 0,3-4 0,-1 4 0,1 3 0,1-7 0,2 13 0,-3-8 0,3 7 0,-3-3 0,4 1 0,-1 2 0,-2-7 0,6 7 0,-7-7 0,8 3 0,-8 0 0,7-4 0,-3 4 0,4-4 0,0-1 0,0 0 0,0 1 0,0-1 0,0 0 0,0 1 0,0-1 0,0 5 0,0-4 0,0 4 0,0-8 0,0 2 0,0-3 0,3 1 0,2 2 0,2-3 0,1 1 0,0 2 0,0-7 0,4 4 0,0-4 0,4 0 0,0 0 0,1 0 0,-1 0 0,5 1 0,-3-4 0,19 2 0,-6-1 0,9-1 0,-8-1 0,0-4 0,-4 0 0,10 0 0,-10 0 0,4 0 0,-10 0 0,-1 0 0,0 0 0,-3-3 0,3-6 0,-5 0 0,5-7 0,-3 7 0,3-7 0,-5 7 0,0-7 0,0 7 0,-3-2 0,2 0 0,-7 2 0,7-9 0,-6 5 0,2-7 0,-3 4 0,1-5 0,-1 3 0,1-7 0,-5 7 0,4-7 0,-7 7 0,3-7 0,-4 7 0,0-3 0,0 0 0,0-1 0,0 0 0,0-4 0,0 4 0,0-5 0,0 5 0,0 1 0,0 5 0,-3-1 0,-6 5 0,0-4 0,-2 8 0,3-4 0,0 1 0,1 3 0,-1-4 0,1 5 0,-4-4 0,2 2 0,-6-2 0,7 6 0,-4-2 0,1 3 0,3 0 0,-4-3 0,1 6 0,2-2 0,-2 0 0,4 2 0,-1-3 0,1 1 0,0 2 0,-1-5 0,1 2 0,-4 0 0,2-3 0,-2 6 0,4-5 0,-1 5 0,1-2 0,-1 3 0,1-3 0,0 2 0,0-2 0,0 3 0,0 0 0,0 0 0,0 0 0,0 0 0,0 0 0,0 0 0,0 0 0,0 0 0,0 0 0,-1 0 0,2 0 0,-1 0 0,0 0 0,-4 0 0,6 0 0,-2 0 0</inkml:trace>
+</inkml:ink>
+</file>
+
+<file path=ppt/ink/ink22.xml><?xml version="1.0" encoding="utf-8"?>
+<inkml:ink xmlns:inkml="http://www.w3.org/2003/InkML">
+  <inkml:definitions>
+    <inkml:context xml:id="ctx0">
+      <inkml:inkSource xml:id="inkSrc0">
+        <inkml:traceFormat>
+          <inkml:channel name="X" type="integer" min="-2.14748E9" max="2.14748E9" units="cm"/>
+          <inkml:channel name="Y" type="integer" min="-2.14748E9" max="2.14748E9" units="cm"/>
+          <inkml:channel name="F" type="integer" max="32767" units="dev"/>
+        </inkml:traceFormat>
+        <inkml:channelProperties>
+          <inkml:channelProperty channel="X" name="resolution" value="1000" units="1/cm"/>
+          <inkml:channelProperty channel="Y" name="resolution" value="1000" units="1/cm"/>
+          <inkml:channelProperty channel="F" name="resolution" value="0" units="1/dev"/>
+        </inkml:channelProperties>
+      </inkml:inkSource>
+      <inkml:timestamp xml:id="ts0" timeString="2022-09-23T22:27:33.047"/>
+    </inkml:context>
+    <inkml:brush xml:id="br0">
+      <inkml:brushProperty name="width" value="0.1" units="cm"/>
+      <inkml:brushProperty name="height" value="0.1" units="cm"/>
+    </inkml:brush>
+  </inkml:definitions>
+  <inkml:trace contextRef="#ctx0" brushRef="#br0">269 1 24575,'-11'0'0,"0"0"0,0 0 0,3 0 0,-3 0 0,3 0 0,-3 0 0,3 0 0,-3 0 0,3 0 0,1 7 0,-1-5 0,1 8 0,-1-2 0,0 1 0,0 6 0,-3-6 0,5 2 0,-5 6 0,3-4 0,-1 4 0,1 3 0,1-7 0,2 13 0,-3-8 0,3 7 0,-3-3 0,4 1 0,-1 2 0,-2-7 0,6 7 0,-7-7 0,8 3 0,-8 0 0,7-4 0,-3 4 0,4-4 0,0-1 0,0 0 0,0 1 0,0-1 0,0 0 0,0 1 0,0-1 0,0 5 0,0-4 0,0 4 0,0-8 0,0 2 0,0-3 0,3 1 0,2 2 0,2-3 0,1 1 0,0 2 0,0-7 0,4 4 0,0-4 0,4 0 0,0 0 0,1 0 0,-1 0 0,5 1 0,-3-4 0,19 2 0,-6-1 0,9-1 0,-8-1 0,0-4 0,-4 0 0,10 0 0,-10 0 0,4 0 0,-10 0 0,-1 0 0,0 0 0,-3-3 0,3-6 0,-5 0 0,5-7 0,-3 7 0,3-7 0,-5 7 0,0-7 0,0 7 0,-3-2 0,2 0 0,-7 2 0,7-9 0,-6 5 0,2-7 0,-3 4 0,1-5 0,-1 3 0,1-7 0,-5 7 0,4-7 0,-7 7 0,3-7 0,-4 7 0,0-3 0,0 0 0,0-1 0,0 0 0,0-4 0,0 4 0,0-5 0,0 5 0,0 1 0,0 5 0,-3-1 0,-6 5 0,0-4 0,-2 8 0,3-4 0,0 1 0,1 3 0,-1-4 0,1 5 0,-4-4 0,2 2 0,-6-2 0,7 6 0,-4-2 0,1 3 0,3 0 0,-4-3 0,1 6 0,2-2 0,-2 0 0,4 2 0,-1-3 0,1 1 0,0 2 0,-1-5 0,1 2 0,-4 0 0,2-3 0,-2 6 0,4-5 0,-1 5 0,1-2 0,-1 3 0,1-3 0,0 2 0,0-2 0,0 3 0,0 0 0,0 0 0,0 0 0,0 0 0,0 0 0,0 0 0,0 0 0,0 0 0,0 0 0,-1 0 0,2 0 0,-1 0 0,0 0 0,-4 0 0,6 0 0,-2 0 0</inkml:trace>
+</inkml:ink>
+</file>
+
+<file path=ppt/ink/ink23.xml><?xml version="1.0" encoding="utf-8"?>
+<inkml:ink xmlns:inkml="http://www.w3.org/2003/InkML">
+  <inkml:definitions>
+    <inkml:context xml:id="ctx0">
+      <inkml:inkSource xml:id="inkSrc0">
+        <inkml:traceFormat>
+          <inkml:channel name="X" type="integer" min="-2.14748E9" max="2.14748E9" units="cm"/>
+          <inkml:channel name="Y" type="integer" min="-2.14748E9" max="2.14748E9" units="cm"/>
+          <inkml:channel name="F" type="integer" max="32767" units="dev"/>
+        </inkml:traceFormat>
+        <inkml:channelProperties>
+          <inkml:channelProperty channel="X" name="resolution" value="1000" units="1/cm"/>
+          <inkml:channelProperty channel="Y" name="resolution" value="1000" units="1/cm"/>
+          <inkml:channelProperty channel="F" name="resolution" value="0" units="1/dev"/>
+        </inkml:channelProperties>
+      </inkml:inkSource>
+      <inkml:timestamp xml:id="ts0" timeString="2022-09-23T22:27:51.904"/>
+    </inkml:context>
+    <inkml:brush xml:id="br0">
+      <inkml:brushProperty name="width" value="0.1" units="cm"/>
+      <inkml:brushProperty name="height" value="0.1" units="cm"/>
+    </inkml:brush>
+  </inkml:definitions>
+  <inkml:trace contextRef="#ctx0" brushRef="#br0">1 41 24575,'10'0'0,"7"0"0,-8 0 0,6 0 0,-8 0 0,5 0 0,-4 0 0,7 0 0,-6 0 0,11 0 0,-11 0 0,7 0 0,0 0 0,-2 0 0,6 0 0,-3 0 0,4 0 0,1 0 0,-4 0 0,7 0 0,-7 0 0,4 0 0,3 0 0,-3 0 0,5 0 0,0 0 0,0 0 0,0 0 0,-5-4 0,-1 3 0,0-2 0,-8 3 0,7 0 0,-7 0 0,-1 0 0,3 0 0,-2 0 0,3 0 0,-4 0 0,4 0 0,1 0 0,0 0 0,9 0 0,-4 0 0,10 0 0,-4 0 0,5 0 0,-7 0 0,1 0 0,0 0 0,-5 0 0,4 0 0,-9 0 0,0 0 0,-1 0 0,-4 0 0,0 0 0,4 0 0,-1 0 0,-2 0 0,6 0 0,-7 0 0,5 0 0,-5 0 0,3 0 0,-2-4 0,8 3 0,-4-3 0,9 1 0,-9 2 0,9-3 0,-9 4 0,9 0 0,-8 0 0,3 0 0,-5-4 0,0 3 0,0-3 0,-3 4 0,-2 0 0,0 0 0,-2 0 0,2 0 0,1 0 0,-4-3 0,7 2 0,-6-2 0,6 3 0,-3 0 0,1 0 0,2 0 0,-3 0 0,1 0 0,2 0 0,-7 0 0,4 0 0,-1 0 0,-3 0 0,8 0 0,-4 0 0,0 0 0,-1 0 0,1 0 0,0 0 0,4 0 0,-3 0 0,7 0 0,-7 0 0,8 0 0,-5 0 0,1 0 0,-1 0 0,5 0 0,-3 0 0,3 0 0,-9 0 0,3 0 0,-7 0 0,8 0 0,-4 0 0,4 0 0,1 0 0,-5 0 0,-1 0 0,-3 0 0,-1 0 0,0 0 0,1 0 0,-1 0 0,0 0 0,0 0 0,1 0 0,-1 0 0,0 0 0,1 0 0,-1 0 0,1 0 0,-1 0 0,0 0 0,0 0 0,1 0 0,-1 0 0,0 0 0,1 0 0,-1 0 0,0 0 0,0 0 0,1 0 0,-1 0 0,0 0 0,0 0 0,4 0 0,-3 0 0,4 0 0,-5 0 0,1 0 0,-1 0 0,0 0 0,1 0 0,-1 0 0,0 0 0,4 0 0,-3 0 0,3 0 0,-3 0 0,-1 0 0,-3 0 0,-1 0 0</inkml:trace>
+</inkml:ink>
+</file>
+
+<file path=ppt/ink/ink24.xml><?xml version="1.0" encoding="utf-8"?>
+<inkml:ink xmlns:inkml="http://www.w3.org/2003/InkML">
+  <inkml:definitions>
+    <inkml:context xml:id="ctx0">
+      <inkml:inkSource xml:id="inkSrc0">
+        <inkml:traceFormat>
+          <inkml:channel name="X" type="integer" min="-2.14748E9" max="2.14748E9" units="cm"/>
+          <inkml:channel name="Y" type="integer" min="-2.14748E9" max="2.14748E9" units="cm"/>
+          <inkml:channel name="F" type="integer" max="32767" units="dev"/>
+        </inkml:traceFormat>
+        <inkml:channelProperties>
+          <inkml:channelProperty channel="X" name="resolution" value="1000" units="1/cm"/>
+          <inkml:channelProperty channel="Y" name="resolution" value="1000" units="1/cm"/>
+          <inkml:channelProperty channel="F" name="resolution" value="0" units="1/dev"/>
+        </inkml:channelProperties>
+      </inkml:inkSource>
+      <inkml:timestamp xml:id="ts0" timeString="2022-09-23T22:27:56.421"/>
+    </inkml:context>
+    <inkml:brush xml:id="br0">
+      <inkml:brushProperty name="width" value="0.1" units="cm"/>
+      <inkml:brushProperty name="height" value="0.1" units="cm"/>
+    </inkml:brush>
+  </inkml:definitions>
+  <inkml:trace contextRef="#ctx0" brushRef="#br0">1 1 24575,'15'0'0,"-4"0"0,4 0 0,-2 0 0,8 0 0,-4 0 0,4 0 0,-5 0 0,5 0 0,-3 0 0,-1 0 0,-2 0 0,-6 0 0,6 0 0,-7 0 0,4 0 0,-5 0 0,0 0 0,0 0 0,1 0 0,-1 0 0,0 0 0,0 0 0,1 0 0,-1 0 0,4 0 0,2 0 0,8 0 0,-4 0 0,9 0 0,-4 0 0,0 0 0,4 0 0,-9 0 0,4 0 0,-5 0 0,-3 0 0,2 0 0,-7 0 0,4 0 0,-1 0 0,-2 0 0,2 0 0,-4 0 0,5 0 0,-4 0 0,3 0 0,1 0 0,-4 0 0,7 0 0,-2 0 0,3 0 0,5 0 0,-4 0 0,9 0 0,-4 0 0,5 0 0,0 0 0,0 0 0,-5 0 0,-1 3 0,0-2 0,-4 3 0,4-4 0,-4 3 0,-5-2 0,3 3 0,-2-4 0,-1 0 0,3 0 0,-6 0 0,2 0 0,0 0 0,2 0 0,-1 0 0,3 0 0,-6 0 0,6 0 0,2 0 0,1 0 0,3 0 0,0 0 0,-1 0 0,-2 0 0,-3 0 0,-8 0 0,1 0 0,-1 0 0,0 0 0,0 0 0,0 0 0,1 0 0,-1 0 0,0 0 0,1 0 0,-1 0 0,0 0 0,1 0 0,-1 0 0,0 0 0,0 0 0,1 0 0,-1 0 0,0 0 0,1 0 0,-1 0 0,0 0 0,1 0 0,-1 0 0,0 0 0,0 0 0,1 0 0,-1 0 0,0 0 0,1 0 0,-1 0 0,-3 0 0,-1 0 0</inkml:trace>
+</inkml:ink>
+</file>
+
+<file path=ppt/ink/ink25.xml><?xml version="1.0" encoding="utf-8"?>
+<inkml:ink xmlns:inkml="http://www.w3.org/2003/InkML">
+  <inkml:definitions>
+    <inkml:context xml:id="ctx0">
+      <inkml:inkSource xml:id="inkSrc0">
+        <inkml:traceFormat>
+          <inkml:channel name="X" type="integer" min="-2.14748E9" max="2.14748E9" units="cm"/>
+          <inkml:channel name="Y" type="integer" min="-2.14748E9" max="2.14748E9" units="cm"/>
+          <inkml:channel name="F" type="integer" max="32767" units="dev"/>
+        </inkml:traceFormat>
+        <inkml:channelProperties>
+          <inkml:channelProperty channel="X" name="resolution" value="1000" units="1/cm"/>
+          <inkml:channelProperty channel="Y" name="resolution" value="1000" units="1/cm"/>
+          <inkml:channelProperty channel="F" name="resolution" value="0" units="1/dev"/>
+        </inkml:channelProperties>
+      </inkml:inkSource>
+      <inkml:timestamp xml:id="ts0" timeString="2022-09-23T22:27:45.755"/>
+    </inkml:context>
+    <inkml:brush xml:id="br0">
+      <inkml:brushProperty name="width" value="0.1" units="cm"/>
+      <inkml:brushProperty name="height" value="0.1" units="cm"/>
+    </inkml:brush>
+  </inkml:definitions>
+  <inkml:trace contextRef="#ctx0" brushRef="#br0">0 42 24575,'20'0'0,"4"0"0,4 0 0,0 0 0,9 0 0,-8 0 0,3 0 0,0 0 0,-4 0 0,10 0 0,-10 0 0,4 0 0,0 0 0,-3 0 0,3 0 0,-5 0 0,-5 0 0,3 0 0,-7 0 0,-1 0 0,-2 0 0,-6 0 0,2 0 0,-4 0 0,1 0 0,-1 0 0,4 4 0,-2-3 0,2 2 0,-4-3 0,5 0 0,-4 0 0,8 0 0,-4 0 0,0 0 0,3 0 0,-2 0 0,3 0 0,0 0 0,5 0 0,-3 0 0,3 0 0,0 0 0,-4-3 0,9 2 0,-9-6 0,9 6 0,-4-7 0,0 7 0,4-3 0,-9 1 0,9 2 0,-8-3 0,7 4 0,-3 0 0,1 0 0,2 0 0,-3 0 0,1 0 0,2-4 0,-2 3 0,-1-3 0,3 4 0,-7 0 0,3 0 0,0 0 0,-4 0 0,4 0 0,-4 0 0,-1 0 0,0 0 0,-3 0 0,-2-3 0,-4 2 0,1-2 0,-1 3 0,0 0 0,1 0 0,-1 0 0,0 0 0,0 0 0,5 0 0,0 0 0,4 0 0,1 0 0,-1 0 0,0 0 0,-3 0 0,2 0 0,-7 0 0,4 0 0,-5 0 0,4 0 0,2 0 0,-1 0 0,3 0 0,-2 0 0,3 0 0,-4 0 0,-1 0 0,1 0 0,-4 0 0,4 0 0,-5 0 0,0 0 0,0 0 0,1 0 0,-1 0 0,4 0 0,-2 0 0,6 0 0,-7 0 0,4 0 0,-5 0 0,0 0 0,1 0 0,-4 0 0,-1 0 0</inkml:trace>
+</inkml:ink>
+</file>
+
+<file path=ppt/ink/ink26.xml><?xml version="1.0" encoding="utf-8"?>
+<inkml:ink xmlns:inkml="http://www.w3.org/2003/InkML">
+  <inkml:definitions>
+    <inkml:context xml:id="ctx0">
+      <inkml:inkSource xml:id="inkSrc0">
+        <inkml:traceFormat>
+          <inkml:channel name="X" type="integer" min="-2.14748E9" max="2.14748E9" units="cm"/>
+          <inkml:channel name="Y" type="integer" min="-2.14748E9" max="2.14748E9" units="cm"/>
+          <inkml:channel name="F" type="integer" max="32767" units="dev"/>
+        </inkml:traceFormat>
+        <inkml:channelProperties>
+          <inkml:channelProperty channel="X" name="resolution" value="1000" units="1/cm"/>
+          <inkml:channelProperty channel="Y" name="resolution" value="1000" units="1/cm"/>
+          <inkml:channelProperty channel="F" name="resolution" value="0" units="1/dev"/>
+        </inkml:channelProperties>
+      </inkml:inkSource>
+      <inkml:timestamp xml:id="ts0" timeString="2022-09-23T22:27:48.200"/>
+    </inkml:context>
+    <inkml:brush xml:id="br0">
+      <inkml:brushProperty name="width" value="0.1" units="cm"/>
+      <inkml:brushProperty name="height" value="0.1" units="cm"/>
+    </inkml:brush>
+  </inkml:definitions>
+  <inkml:trace contextRef="#ctx0" brushRef="#br0">0 8 24575,'11'0'0,"3"0"0,-6 0 0,8 0 0,-4 0 0,0 0 0,4 0 0,1 0 0,-4 0 0,3 0 0,-4 0 0,-4 0 0,3 0 0,-4 0 0,1 0 0,3 0 0,-3 0 0,8 0 0,-4 0 0,4 0 0,1 0 0,-5 0 0,3 0 0,-6 0 0,2 0 0,-4 0 0,1 0 0,-1 0 0,0 0 0,0 0 0,0 0 0,1 0 0,-1 0 0,0 0 0,1 0 0,-1 0 0,0 0 0,1 0 0,-1 0 0,-1 0 0,1 0 0,0 0 0,1 0 0,-1 0 0,0 0 0,1 0 0,-1 0 0,0 0 0,1 0 0,-1 0 0,1 0 0,-1 0 0,0 0 0,5 0 0,-4 0 0,7 0 0,-6 0 0,6 0 0,-7 0 0,4 0 0,-5 0 0,0 0 0,0 0 0,0 0 0,1 0 0,-1 0 0,0 0 0,1 0 0,-1-3 0,0 2 0,1-2 0,-1 3 0,0 0 0,-2 0 0,-2 0 0</inkml:trace>
+</inkml:ink>
+</file>
+
+<file path=ppt/ink/ink27.xml><?xml version="1.0" encoding="utf-8"?>
+<inkml:ink xmlns:inkml="http://www.w3.org/2003/InkML">
+  <inkml:definitions>
+    <inkml:context xml:id="ctx0">
+      <inkml:inkSource xml:id="inkSrc0">
+        <inkml:traceFormat>
+          <inkml:channel name="X" type="integer" min="-2.14748E9" max="2.14748E9" units="cm"/>
+          <inkml:channel name="Y" type="integer" min="-2.14748E9" max="2.14748E9" units="cm"/>
+          <inkml:channel name="F" type="integer" max="32767" units="dev"/>
+        </inkml:traceFormat>
+        <inkml:channelProperties>
+          <inkml:channelProperty channel="X" name="resolution" value="1000" units="1/cm"/>
+          <inkml:channelProperty channel="Y" name="resolution" value="1000" units="1/cm"/>
+          <inkml:channelProperty channel="F" name="resolution" value="0" units="1/dev"/>
+        </inkml:channelProperties>
+      </inkml:inkSource>
+      <inkml:timestamp xml:id="ts0" timeString="2022-09-23T22:27:59.865"/>
+    </inkml:context>
+    <inkml:brush xml:id="br0">
+      <inkml:brushProperty name="width" value="0.1" units="cm"/>
+      <inkml:brushProperty name="height" value="0.1" units="cm"/>
+    </inkml:brush>
+  </inkml:definitions>
+  <inkml:trace contextRef="#ctx0" brushRef="#br0">1 2097 24575,'10'0'0,"1"0"0,-4 0 0,0 0 0,5 0 0,-4 0 0,12 0 0,-10 0 0,14-8 0,-14 3 0,14-8 0,-14 6 0,10-2 0,-8-2 0,5 2 0,-1-6 0,0 5 0,1-5 0,-5 2 0,9-9 0,-6 5 0,7-10 0,-5 9 0,5-8 0,-3 3 0,-1 0 0,-1-2 0,-8 7 0,8-8 0,-7 9 0,2-9 0,-3 9 0,-1-9 0,6-2 0,-4 0 0,4-4 0,-1 0 0,-3 4 0,4-5 0,-5 7 0,0-1 0,-4 0 0,3 0 0,-7 0 0,3 0 0,-4 0 0,0-4 0,0 3 0,4-4 0,-3 5 0,7 0 0,-7 0 0,7-5 0,-7 4 0,3-4 0,-4 0 0,0 4 0,0-27 0,0 17 0,0-18 0,0 17 0,0 5 0,0-4 0,0 5 0,0-1 0,0 2 0,0 5 0,0 1 0,0-1 0,0 5 0,0-4 0,0 8 0,0-3 0,0 5 0,0 0 0,0-5 0,0 3 0,0 1 0,0 2 0,0-2 0,4 0 0,1-4 0,3 4 0,0 1 0,0-5 0,0 7 0,1-6 0,-2 8 0,2-4 0,-1-1 0,0 1 0,0 0 0,0 0 0,0-1 0,1 1 0,-2 4 0,5-4 0,0 8 0,1-4 0,2 4 0,-3 0 0,1 4 0,-2-3 0,-4 6 0,1-2 0,-1 3 0,-3 0 0,-1 0 0</inkml:trace>
+</inkml:ink>
+</file>
+
+<file path=ppt/ink/ink28.xml><?xml version="1.0" encoding="utf-8"?>
+<inkml:ink xmlns:inkml="http://www.w3.org/2003/InkML">
+  <inkml:definitions>
+    <inkml:context xml:id="ctx0">
+      <inkml:inkSource xml:id="inkSrc0">
+        <inkml:traceFormat>
+          <inkml:channel name="X" type="integer" min="-2.14748E9" max="2.14748E9" units="cm"/>
+          <inkml:channel name="Y" type="integer" min="-2.14748E9" max="2.14748E9" units="cm"/>
+          <inkml:channel name="F" type="integer" max="32767" units="dev"/>
+        </inkml:traceFormat>
+        <inkml:channelProperties>
+          <inkml:channelProperty channel="X" name="resolution" value="1000" units="1/cm"/>
+          <inkml:channelProperty channel="Y" name="resolution" value="1000" units="1/cm"/>
+          <inkml:channelProperty channel="F" name="resolution" value="0" units="1/dev"/>
+        </inkml:channelProperties>
+      </inkml:inkSource>
+      <inkml:timestamp xml:id="ts0" timeString="2022-09-23T22:28:01.950"/>
+    </inkml:context>
+    <inkml:brush xml:id="br0">
+      <inkml:brushProperty name="width" value="0.1" units="cm"/>
+      <inkml:brushProperty name="height" value="0.1" units="cm"/>
+    </inkml:brush>
+  </inkml:definitions>
+  <inkml:trace contextRef="#ctx0" brushRef="#br0">0 1 24575,'15'0'0,"-4"0"0,4 0 0,2 0 0,1 0 0,7 0 0,-7 0 0,7 0 0,-2 0 0,3 0 0,-7 0 0,1 0 0,-12 0 0,3 0 0,-4 0 0,4 0 0,0 0 0,5 0 0,-5 0 0,5 0 0,1 0 0,0 0 0,0 0 0,-5 0 0,-1 0 0,-3 0 0,4 0 0,-5 0 0,0 0 0,0 0 0,0 0 0,0 0 0,1 0 0,-1 0 0,1 0 0,3 0 0,-3 0 0,8 0 0,-4 0 0,4 0 0,-3 0 0,-2 0 0,-4 0 0,1 0 0,-1 0 0,0 0 0,1 0 0,-1 0 0,0 0 0,0 0 0,5 0 0,-4 0 0,7 0 0,-6 0 0,2 0 0,-4 0 0,1 0 0,-1 0 0,-3 0 0,0 0 0</inkml:trace>
+</inkml:ink>
+</file>
+
+<file path=ppt/ink/ink29.xml><?xml version="1.0" encoding="utf-8"?>
+<inkml:ink xmlns:inkml="http://www.w3.org/2003/InkML">
+  <inkml:definitions>
+    <inkml:context xml:id="ctx0">
+      <inkml:inkSource xml:id="inkSrc0">
+        <inkml:traceFormat>
+          <inkml:channel name="X" type="integer" min="-2.14748E9" max="2.14748E9" units="cm"/>
+          <inkml:channel name="Y" type="integer" min="-2.14748E9" max="2.14748E9" units="cm"/>
+          <inkml:channel name="F" type="integer" max="32767" units="dev"/>
+        </inkml:traceFormat>
+        <inkml:channelProperties>
+          <inkml:channelProperty channel="X" name="resolution" value="1000" units="1/cm"/>
+          <inkml:channelProperty channel="Y" name="resolution" value="1000" units="1/cm"/>
+          <inkml:channelProperty channel="F" name="resolution" value="0" units="1/dev"/>
+        </inkml:channelProperties>
+      </inkml:inkSource>
+      <inkml:timestamp xml:id="ts0" timeString="2022-09-23T22:28:14.728"/>
+    </inkml:context>
+    <inkml:brush xml:id="br0">
+      <inkml:brushProperty name="width" value="0.1" units="cm"/>
+      <inkml:brushProperty name="height" value="0.1" units="cm"/>
+    </inkml:brush>
+  </inkml:definitions>
+  <inkml:trace contextRef="#ctx0" brushRef="#br0">1 32 24575,'15'0'0,"-1"0"0,3 0 0,-1 0 0,0 0 0,1 0 0,-1 0 0,5 0 0,-3 0 0,2 0 0,1 0 0,-3 0 0,3 0 0,-5 0 0,1 0 0,-1 0 0,0 0 0,-4 0 0,0 0 0,-5 0 0,0 0 0,1 0 0,-1 0 0,0 0 0,0 0 0,0 0 0,0-7 0,1 5 0,0-5 0,3 3 0,1 4 0,1-4 0,2 4 0,-7-3 0,8 2 0,-8-2 0,3 3 0,-3 0 0,-1 0 0,0 0 0,1 0 0,-1 0 0,1 0 0,-1 0 0,0 0 0,1 0 0,-1 0 0,0 0 0,1 0 0,-1 0 0,0 0 0,1 0 0,-1 0 0,1 0 0,-1 0 0,0 0 0,1 0 0,-1 0 0,0 0 0,1 0 0,-1 0 0,0 0 0,0 0 0,0 0 0,0 0 0,1 0 0,-1 0 0,0 0 0,0 0 0,0 0 0,-4 0 0,0 0 0</inkml:trace>
 </inkml:ink>
 </file>
 
@@ -297,6 +730,297 @@
 </inkml:ink>
 </file>
 
+<file path=ppt/ink/ink30.xml><?xml version="1.0" encoding="utf-8"?>
+<inkml:ink xmlns:inkml="http://www.w3.org/2003/InkML">
+  <inkml:definitions>
+    <inkml:context xml:id="ctx0">
+      <inkml:inkSource xml:id="inkSrc0">
+        <inkml:traceFormat>
+          <inkml:channel name="X" type="integer" min="-2.14748E9" max="2.14748E9" units="cm"/>
+          <inkml:channel name="Y" type="integer" min="-2.14748E9" max="2.14748E9" units="cm"/>
+          <inkml:channel name="F" type="integer" max="32767" units="dev"/>
+        </inkml:traceFormat>
+        <inkml:channelProperties>
+          <inkml:channelProperty channel="X" name="resolution" value="1000" units="1/cm"/>
+          <inkml:channelProperty channel="Y" name="resolution" value="1000" units="1/cm"/>
+          <inkml:channelProperty channel="F" name="resolution" value="0" units="1/dev"/>
+        </inkml:channelProperties>
+      </inkml:inkSource>
+      <inkml:timestamp xml:id="ts0" timeString="2022-09-23T22:28:30.764"/>
+    </inkml:context>
+    <inkml:brush xml:id="br0">
+      <inkml:brushProperty name="width" value="0.1" units="cm"/>
+      <inkml:brushProperty name="height" value="0.1" units="cm"/>
+    </inkml:brush>
+  </inkml:definitions>
+  <inkml:trace contextRef="#ctx0" brushRef="#br0">0 1 24575,'20'0'0,"-8"0"0,4 0 0,-5 0 0,2 0 0,3 0 0,5 0 0,-7 0 0,6 0 0,-8 0 0,4 0 0,5 0 0,-7 0 0,6 0 0,-8 0 0,4 0 0,1 0 0,-1 0 0,-4 0 0,4 0 0,-8 0 0,7 0 0,-6 0 0,6 0 0,-7 0 0,8 0 0,-4 3 0,0 1 0,3 1 0,-2 2 0,3-3 0,-4 4 0,4 0 0,-4 0 0,1 4 0,2-3 0,-6 6 0,6-2 0,-5 8 0,2-4 0,-4 4 0,1 0 0,-1-3 0,1 7 0,-1-3 0,1 5 0,0 0 0,0 0 0,0 0 0,0-1 0,0 1 0,0 6 0,-4-5 0,4 9 0,-8-3 0,8 5 0,-4-6 0,4 5 0,-3-4 0,2 5 0,-2 17 0,-1-13 0,-1 8 0,1-14 0,-4-3 0,3 0 0,0-2 0,-3-5 0,3 0 0,-4-1 0,4 7 0,-3-5 0,4 4 0,-5-5 0,0 0 0,0 0 0,4-1 0,-3 1 0,3 0 0,-4 0 0,0-5 0,0-1 0,3-5 0,-2-4 0,2-1 0,-3-4 0,0 0 0,3 0 0,-2 1 0,2-1 0,0 0 0,-2 5 0,6 0 0,-6 4 0,6 1 0,-2-1 0,3 0 0,0-3 0,-4 2 0,3-7 0,-3 8 0,0-8 0,3 3 0,-2 1 0,-1 0 0,3 0 0,-6 4 0,5-4 0,-1 0 0,-1 4 0,3-4 0,-3 0 0,1 0 0,1-1 0,-1 1 0,0 1 0,1-2 0,-5 0 0,6-2 0,-3 2 0,0 0 0,3-2 0,-7 2 0,7-4 0,-6 1 0,5-1 0,-2-3 0,3 3 0,1-6 0,-1 2 0,0 0 0,1-2 0,-1 2 0,0 1 0,1-4 0,-1 4 0,0-4 0,0 0 0,0 0 0,5 0 0,0 0 0,4 3 0,-3-2 0,2 3 0,-7-4 0,8 0 0,-8 3 0,3-2 0,-3 2 0,-1-3 0,0 0 0,1 0 0,-1 0 0,0 0 0,0 0 0,0 0 0,0 0 0,1 0 0,-1 0 0,0 3 0,1-2 0,-1 3 0,-3-4 0,-1 0 0</inkml:trace>
+</inkml:ink>
+</file>
+
+<file path=ppt/ink/ink31.xml><?xml version="1.0" encoding="utf-8"?>
+<inkml:ink xmlns:inkml="http://www.w3.org/2003/InkML">
+  <inkml:definitions>
+    <inkml:context xml:id="ctx0">
+      <inkml:inkSource xml:id="inkSrc0">
+        <inkml:traceFormat>
+          <inkml:channel name="X" type="integer" min="-2.14748E9" max="2.14748E9" units="cm"/>
+          <inkml:channel name="Y" type="integer" min="-2.14748E9" max="2.14748E9" units="cm"/>
+          <inkml:channel name="F" type="integer" max="32767" units="dev"/>
+        </inkml:traceFormat>
+        <inkml:channelProperties>
+          <inkml:channelProperty channel="X" name="resolution" value="1000" units="1/cm"/>
+          <inkml:channelProperty channel="Y" name="resolution" value="1000" units="1/cm"/>
+          <inkml:channelProperty channel="F" name="resolution" value="0" units="1/dev"/>
+        </inkml:channelProperties>
+      </inkml:inkSource>
+      <inkml:timestamp xml:id="ts0" timeString="2022-09-23T22:28:36.368"/>
+    </inkml:context>
+    <inkml:brush xml:id="br0">
+      <inkml:brushProperty name="width" value="0.1" units="cm"/>
+      <inkml:brushProperty name="height" value="0.1" units="cm"/>
+    </inkml:brush>
+  </inkml:definitions>
+  <inkml:trace contextRef="#ctx0" brushRef="#br0">1 1 24575,'15'0'0,"0"0"0,-3 0 0,2 0 0,-1 0 0,3 0 0,0 0 0,0 0 0,-4 0 0,-1 0 0,-4 0 0,1 0 0,-1 0 0,0 0 0,1 0 0,-1 0 0,0 0 0,1 0 0,-1 0 0,1 0 0,-1 0 0,0 0 0,1 0 0,-1 0 0,0 0 0,1 0 0,3 0 0,1 3 0,1-2 0,2 7 0,-3-4 0,5 1 0,-5 2 0,3-3 0,-2 0 0,-1 3 0,-1-3 0,-3 4 0,3-1 0,-3 1 0,4-4 0,-5 3 0,0-3 0,1 3 0,-1-3 0,1 3 0,-1-6 0,0 5 0,1-5 0,-1 6 0,0-4 0,1 5 0,-1-1 0,0 0 0,0 0 0,-3 1 0,3-1 0,-3 0 0,3 1 0,0-1 0,-2 4 0,1 2 0,-5 3 0,7 0 0,-7 5 0,6-3 0,-6 7 0,6-2 0,-6 3 0,7 1 0,-7-5 0,7 4 0,-7-4 0,3 0 0,0 4 0,-3-4 0,3 0 0,-4 4 0,4-9 0,-3 9 0,2-8 0,-3 7 0,0-7 0,0 7 0,0-2 0,0-1 0,0 3 0,0-7 0,0 3 0,0-5 0,0 1 0,0-1 0,0 0 0,0-3 0,0 2 0,0-3 0,0 4 0,0 5 0,4-3 0,-3 3 0,2 0 0,1-4 0,-3 4 0,6-4 0,-6-1 0,6 0 0,-6 0 0,6-3 0,-6 2 0,6-7 0,-7 4 0,4-1 0,-4-3 0,3 4 0,-2-5 0,5 1 0,-2-1 0,4 0 0,-1 1 0,0-1 0,1 0 0,-1 1 0,5-4 0,0 3 0,0-3 0,4 4 0,-4-4 0,4 3 0,0-6 0,5 7 0,-3-7 0,10 7 0,-14-8 0,9 4 0,-15-1 0,4-2 0,-5 2 0,0-3 0,0 0 0,1 0 0,-1 0 0,0 0 0,0 0 0,1 0 0,-1 0 0,0 0 0,1 0 0,-1 0 0,1 0 0,-1 0 0,-3 0 0,-1 0 0</inkml:trace>
+</inkml:ink>
+</file>
+
+<file path=ppt/ink/ink32.xml><?xml version="1.0" encoding="utf-8"?>
+<inkml:ink xmlns:inkml="http://www.w3.org/2003/InkML">
+  <inkml:definitions>
+    <inkml:context xml:id="ctx0">
+      <inkml:inkSource xml:id="inkSrc0">
+        <inkml:traceFormat>
+          <inkml:channel name="X" type="integer" min="-2.14748E9" max="2.14748E9" units="cm"/>
+          <inkml:channel name="Y" type="integer" min="-2.14748E9" max="2.14748E9" units="cm"/>
+          <inkml:channel name="F" type="integer" max="32767" units="dev"/>
+        </inkml:traceFormat>
+        <inkml:channelProperties>
+          <inkml:channelProperty channel="X" name="resolution" value="1000" units="1/cm"/>
+          <inkml:channelProperty channel="Y" name="resolution" value="1000" units="1/cm"/>
+          <inkml:channelProperty channel="F" name="resolution" value="0" units="1/dev"/>
+        </inkml:channelProperties>
+      </inkml:inkSource>
+      <inkml:timestamp xml:id="ts0" timeString="2022-09-23T22:28:47.529"/>
+    </inkml:context>
+    <inkml:brush xml:id="br0">
+      <inkml:brushProperty name="width" value="0.1" units="cm"/>
+      <inkml:brushProperty name="height" value="0.1" units="cm"/>
+    </inkml:brush>
+  </inkml:definitions>
+  <inkml:trace contextRef="#ctx0" brushRef="#br0">0 1348 24575,'15'0'0,"-4"0"0,5 0 0,-4 0 0,0 0 0,0 0 0,6 0 0,-4 0 0,10 0 0,-12 0 0,4 0 0,-8 0 0,7 0 0,-6 0 0,2 0 0,0 0 0,2 0 0,-1 0 0,3 0 0,-6 0 0,6 0 0,-7 0 0,4 0 0,-1 0 0,1 0 0,0 0 0,2 0 0,-5 0 0,2 0 0,0 0 0,-2 0 0,6 0 0,-6 0 0,6 0 0,-3 0 0,1 0 0,2 0 0,-3 0 0,5 0 0,-1 0 0,-4 0 0,3 0 0,5 0 0,-2 0 0,6 0 0,-8 0 0,0 0 0,5 0 0,-3 0 0,3 0 0,0-4 0,-4 0 0,9-5 0,-9 1 0,9-1 0,-4 0 0,5 0 0,0-4 0,-5 4 0,4-4 0,-9 5 0,4-1 0,-4 1 0,-1 0 0,0-4 0,-3 3 0,9-10 0,-12 10 0,13-10 0,-15 11 0,7-7 0,-6 2 0,7-3 0,-7 0 0,6-1 0,-2 1 0,-1 4 0,3-4 0,-6 4 0,7-1 0,-8 2 0,4 3 0,-5 4 0,-3-2 0,3 1 0,-3-2 0,3 0 0,0-1 0,1-3 0,0 3 0,3-15 0,-2 13 0,2-9 0,-4 12 0,1 0 0,-4-1 0,2 4 0,-5-2 0,6 1 0,-6-2 0,5 0 0,-2 0 0,0-1 0,2 1 0,-5 0 0,6-5 0,-3 4 0,1-7 0,2 2 0,-3-3 0,1 0 0,2 3 0,-7-7 0,7 7 0,-2-8 0,-1 5 0,4-1 0,-4 1 0,4 0 0,-3-1 0,2 1 0,-2 0 0,2 3 0,-2-2 0,2 3 0,-3-1 0,0 2 0,3 0 0,-6 2 0,3-6 0,-1 7 0,2-8 0,2 8 0,-3-3 0,3-1 0,-2 4 0,2-3 0,1-1 0,-4 4 0,3-3 0,-3 3 0,0 1 0,3-1 0,-3 1 0,0 0 0,2 3 0,-5-3 0,5 4 0,-5-5 0,5 2 0,-2-1 0,3 0 0,1-1 0,-1 4 0,0-2 0,-3 1 0,3 1 0,-6-2 0,5 5 0,-5-5 0,6 5 0,-7-5 0,7 2 0,-3-4 0,4 4 0,-1-2 0,0 5 0,1-6 0,-1 3 0,-3-3 0,2 3 0,-2-2 0,3 2 0,1 0 0,-1-3 0,0 3 0,1 0 0,-1-2 0,0 5 0,-2-6 0,1 6 0,-2-2 0,3 0 0,0 2 0,0-2 0,0 0 0,1 2 0,-1-3 0,-3 1 0,2 3 0,-2-3 0,3 3 0,1 0 0,-1-3 0,0 2 0,0-2 0,1 3 0,-1 0 0,0 0 0,-1 0 0,1 0 0,1-8 0,-1 7 0,0-10 0,1 11 0,-1-7 0,0 3 0,0 0 0,-3-2 0,2 5 0,-2-2 0,3 3 0,0 0 0,0 0 0,0 0 0,0-3 0,0 2 0,1-2 0,-1 3 0,0 0 0,1-3 0,-1 2 0,0-2 0,1 3 0,-1 0 0,-3-3 0,3 2 0,-3-2 0,3 3 0,0 0 0,4 0 0,-2-3 0,2 2 0,-4-2 0,1 3 0,-1 0 0,-3-3 0,2 2 0,-2-2 0,2 0 0,1 2 0,0-2 0,1 3 0,-5 0 0,1 0 0</inkml:trace>
+</inkml:ink>
+</file>
+
+<file path=ppt/ink/ink33.xml><?xml version="1.0" encoding="utf-8"?>
+<inkml:ink xmlns:inkml="http://www.w3.org/2003/InkML">
+  <inkml:definitions>
+    <inkml:context xml:id="ctx0">
+      <inkml:inkSource xml:id="inkSrc0">
+        <inkml:traceFormat>
+          <inkml:channel name="X" type="integer" min="-2.14748E9" max="2.14748E9" units="cm"/>
+          <inkml:channel name="Y" type="integer" min="-2.14748E9" max="2.14748E9" units="cm"/>
+          <inkml:channel name="F" type="integer" max="32767" units="dev"/>
+        </inkml:traceFormat>
+        <inkml:channelProperties>
+          <inkml:channelProperty channel="X" name="resolution" value="1000" units="1/cm"/>
+          <inkml:channelProperty channel="Y" name="resolution" value="1000" units="1/cm"/>
+          <inkml:channelProperty channel="F" name="resolution" value="0" units="1/dev"/>
+        </inkml:channelProperties>
+      </inkml:inkSource>
+      <inkml:timestamp xml:id="ts0" timeString="2022-09-23T22:28:57.479"/>
+    </inkml:context>
+    <inkml:brush xml:id="br0">
+      <inkml:brushProperty name="width" value="0.3" units="cm"/>
+      <inkml:brushProperty name="height" value="0.6" units="cm"/>
+      <inkml:brushProperty name="color" value="#00B44B"/>
+      <inkml:brushProperty name="tip" value="rectangle"/>
+      <inkml:brushProperty name="rasterOp" value="maskPen"/>
+    </inkml:brush>
+  </inkml:definitions>
+  <inkml:trace contextRef="#ctx0" brushRef="#br0">0 97 16383,'15'-33'0,"-1"7"0,-7 26 0,9-4 0,1 0 0,1-3 0,-1-1 0,-9 1 0,9 3 0,-3 1 0,4 3 0,-1 0 0,-3 0 0,3 0 0,-1 0 0,2 0 0,-4 0 0,1 0 0,2 0 0,-2 0 0,3 0 0,-3 0 0,-4 12 0,-4 3 0,-7 3 0,-7 1 0,-3-8 0</inkml:trace>
+</inkml:ink>
+</file>
+
+<file path=ppt/ink/ink34.xml><?xml version="1.0" encoding="utf-8"?>
+<inkml:ink xmlns:inkml="http://www.w3.org/2003/InkML">
+  <inkml:definitions>
+    <inkml:context xml:id="ctx0">
+      <inkml:inkSource xml:id="inkSrc0">
+        <inkml:traceFormat>
+          <inkml:channel name="X" type="integer" min="-2.14748E9" max="2.14748E9" units="cm"/>
+          <inkml:channel name="Y" type="integer" min="-2.14748E9" max="2.14748E9" units="cm"/>
+          <inkml:channel name="F" type="integer" max="32767" units="dev"/>
+        </inkml:traceFormat>
+        <inkml:channelProperties>
+          <inkml:channelProperty channel="X" name="resolution" value="1000" units="1/cm"/>
+          <inkml:channelProperty channel="Y" name="resolution" value="1000" units="1/cm"/>
+          <inkml:channelProperty channel="F" name="resolution" value="0" units="1/dev"/>
+        </inkml:channelProperties>
+      </inkml:inkSource>
+      <inkml:timestamp xml:id="ts0" timeString="2022-09-23T22:29:00.500"/>
+    </inkml:context>
+    <inkml:brush xml:id="br0">
+      <inkml:brushProperty name="width" value="0.3" units="cm"/>
+      <inkml:brushProperty name="height" value="0.6" units="cm"/>
+      <inkml:brushProperty name="color" value="#00B44B"/>
+      <inkml:brushProperty name="tip" value="rectangle"/>
+      <inkml:brushProperty name="rasterOp" value="maskPen"/>
+    </inkml:brush>
+  </inkml:definitions>
+  <inkml:trace contextRef="#ctx0" brushRef="#br0">63 12 16383,'-29'26'0,"3"-7"0,25-12 0,-5 3 0,22 8 0,-8-6 0,18 0 0,-7-12 0,-2 0 0,-1 0 0,2 0 0,-1 0 0,3 0 0,0 0 0,-4 0 0,0 0 0,4-4 0,-7 3 0,5-5 0,-4-2 0,-2 3 0,-2-14 0,-6 7 0,-4-6 0,0-3 0,0 13 0,0-6 0</inkml:trace>
+</inkml:ink>
+</file>
+
+<file path=ppt/ink/ink35.xml><?xml version="1.0" encoding="utf-8"?>
+<inkml:ink xmlns:inkml="http://www.w3.org/2003/InkML">
+  <inkml:definitions>
+    <inkml:context xml:id="ctx0">
+      <inkml:inkSource xml:id="inkSrc0">
+        <inkml:traceFormat>
+          <inkml:channel name="X" type="integer" min="-2.14748E9" max="2.14748E9" units="cm"/>
+          <inkml:channel name="Y" type="integer" min="-2.14748E9" max="2.14748E9" units="cm"/>
+          <inkml:channel name="F" type="integer" max="32767" units="dev"/>
+        </inkml:traceFormat>
+        <inkml:channelProperties>
+          <inkml:channelProperty channel="X" name="resolution" value="1000" units="1/cm"/>
+          <inkml:channelProperty channel="Y" name="resolution" value="1000" units="1/cm"/>
+          <inkml:channelProperty channel="F" name="resolution" value="0" units="1/dev"/>
+        </inkml:channelProperties>
+      </inkml:inkSource>
+      <inkml:timestamp xml:id="ts0" timeString="2022-09-23T22:29:03.755"/>
+    </inkml:context>
+    <inkml:brush xml:id="br0">
+      <inkml:brushProperty name="width" value="0.3" units="cm"/>
+      <inkml:brushProperty name="height" value="0.6" units="cm"/>
+      <inkml:brushProperty name="color" value="#00B44B"/>
+      <inkml:brushProperty name="tip" value="rectangle"/>
+      <inkml:brushProperty name="rasterOp" value="maskPen"/>
+    </inkml:brush>
+  </inkml:definitions>
+  <inkml:trace contextRef="#ctx0" brushRef="#br0">0 166 16383,'7'-38'0,"0"9"0,0 26 0,3-7 0,4 1 0,-1-5 0,0 3 0,-2 4 0,1-1 0,2-2 0,1 2 0,0-3 0,-1 7 0,1 1 0,2 3 0,-2 0 0,3 0 0,-4 0 0,1 0 0,2 6 0,-5-1 0,6 6 0,-7-4 0,-3 6 0,-2 2 0,-6 3 0,0 0 0,0-3 0,0-1 0,20-6 0,-9-2 0,16-7 0</inkml:trace>
+</inkml:ink>
+</file>
+
+<file path=ppt/ink/ink36.xml><?xml version="1.0" encoding="utf-8"?>
+<inkml:ink xmlns:inkml="http://www.w3.org/2003/InkML">
+  <inkml:definitions>
+    <inkml:context xml:id="ctx0">
+      <inkml:inkSource xml:id="inkSrc0">
+        <inkml:traceFormat>
+          <inkml:channel name="X" type="integer" min="-2.14748E9" max="2.14748E9" units="cm"/>
+          <inkml:channel name="Y" type="integer" min="-2.14748E9" max="2.14748E9" units="cm"/>
+          <inkml:channel name="F" type="integer" max="32767" units="dev"/>
+        </inkml:traceFormat>
+        <inkml:channelProperties>
+          <inkml:channelProperty channel="X" name="resolution" value="1000" units="1/cm"/>
+          <inkml:channelProperty channel="Y" name="resolution" value="1000" units="1/cm"/>
+          <inkml:channelProperty channel="F" name="resolution" value="0" units="1/dev"/>
+        </inkml:channelProperties>
+      </inkml:inkSource>
+      <inkml:timestamp xml:id="ts0" timeString="2022-09-23T22:29:07.868"/>
+    </inkml:context>
+    <inkml:brush xml:id="br0">
+      <inkml:brushProperty name="width" value="0.3" units="cm"/>
+      <inkml:brushProperty name="height" value="0.6" units="cm"/>
+      <inkml:brushProperty name="color" value="#00B44B"/>
+      <inkml:brushProperty name="tip" value="rectangle"/>
+      <inkml:brushProperty name="rasterOp" value="maskPen"/>
+    </inkml:brush>
+  </inkml:definitions>
+  <inkml:trace contextRef="#ctx0" brushRef="#br0">0 112 16383,'0'-37'0,"0"6"0,0 23 0,6-5 0,12 8 0,-5-5 0,10 7 0,-12 2 0,5-2 0,6 3 0,-8 0 0,4 0 0,-5 0 0,-1 0 0,9 0 0,-6 0 0,-1 3 0,-1 7 0,-5 2 0,9-1 0,-5-5 0,6-6 0,-3 0 0,1 0 0,-2 3 0,-6 12 0,-11 1 0,-2 4 0,-9-7 0,7-6 0</inkml:trace>
+</inkml:ink>
+</file>
+
+<file path=ppt/ink/ink37.xml><?xml version="1.0" encoding="utf-8"?>
+<inkml:ink xmlns:inkml="http://www.w3.org/2003/InkML">
+  <inkml:definitions>
+    <inkml:context xml:id="ctx0">
+      <inkml:inkSource xml:id="inkSrc0">
+        <inkml:traceFormat>
+          <inkml:channel name="X" type="integer" min="-2.14748E9" max="2.14748E9" units="cm"/>
+          <inkml:channel name="Y" type="integer" min="-2.14748E9" max="2.14748E9" units="cm"/>
+          <inkml:channel name="F" type="integer" max="32767" units="dev"/>
+        </inkml:traceFormat>
+        <inkml:channelProperties>
+          <inkml:channelProperty channel="X" name="resolution" value="1000" units="1/cm"/>
+          <inkml:channelProperty channel="Y" name="resolution" value="1000" units="1/cm"/>
+          <inkml:channelProperty channel="F" name="resolution" value="0" units="1/dev"/>
+        </inkml:channelProperties>
+      </inkml:inkSource>
+      <inkml:timestamp xml:id="ts0" timeString="2022-09-23T22:29:10.719"/>
+    </inkml:context>
+    <inkml:brush xml:id="br0">
+      <inkml:brushProperty name="width" value="0.3" units="cm"/>
+      <inkml:brushProperty name="height" value="0.6" units="cm"/>
+      <inkml:brushProperty name="color" value="#00B44B"/>
+      <inkml:brushProperty name="tip" value="rectangle"/>
+      <inkml:brushProperty name="rasterOp" value="maskPen"/>
+    </inkml:brush>
+  </inkml:definitions>
+  <inkml:trace contextRef="#ctx0" brushRef="#br0">0 1 16383,'37'0'0,"-1"0"0,-28 0 0,7 0 0,5 0 0,-6 0 0,8 0 0,-11 0 0,3 0 0,4 0 0,-2 0 0,-1 0 0,4 0 0,-7 0 0,7 0 0,-1 0 0,-6 0 0,8 6 0,-11 2 0,7 4 0,-5 1 0,0-8 0,-1 13 0,-6-5 0,-1 4 0,-12 4 0,3-12 0,-8 4 0,3 1 0,3-8 0,-9 7 0,5-9 0,-3 4 0,-2-4 0,5 2 0,-5-2 0,2 0 0,1-1 0,-4 0 0,2-2 0,1 2 0,-3-3 0,6 0 0,-6 0 0,0 0 0,6 0 0,-8 0 0,5 0 0</inkml:trace>
+</inkml:ink>
+</file>
+
+<file path=ppt/ink/ink38.xml><?xml version="1.0" encoding="utf-8"?>
+<inkml:ink xmlns:inkml="http://www.w3.org/2003/InkML">
+  <inkml:definitions>
+    <inkml:context xml:id="ctx0">
+      <inkml:inkSource xml:id="inkSrc0">
+        <inkml:traceFormat>
+          <inkml:channel name="X" type="integer" min="-2.14748E9" max="2.14748E9" units="cm"/>
+          <inkml:channel name="Y" type="integer" min="-2.14748E9" max="2.14748E9" units="cm"/>
+          <inkml:channel name="F" type="integer" max="32767" units="dev"/>
+        </inkml:traceFormat>
+        <inkml:channelProperties>
+          <inkml:channelProperty channel="X" name="resolution" value="1000" units="1/cm"/>
+          <inkml:channelProperty channel="Y" name="resolution" value="1000" units="1/cm"/>
+          <inkml:channelProperty channel="F" name="resolution" value="0" units="1/dev"/>
+        </inkml:channelProperties>
+      </inkml:inkSource>
+      <inkml:timestamp xml:id="ts0" timeString="2022-09-23T22:29:17.905"/>
+    </inkml:context>
+    <inkml:brush xml:id="br0">
+      <inkml:brushProperty name="width" value="0.3" units="cm"/>
+      <inkml:brushProperty name="height" value="0.6" units="cm"/>
+      <inkml:brushProperty name="color" value="#FF2500"/>
+      <inkml:brushProperty name="tip" value="rectangle"/>
+      <inkml:brushProperty name="rasterOp" value="maskPen"/>
+    </inkml:brush>
+  </inkml:definitions>
+  <inkml:trace contextRef="#ctx0" brushRef="#br0">0 0 16383,'38'24'0,"-3"-2"0,-22-17 0,-1 3 0,6 3 0,-9-6 0,5 8 0,-1-9 0,-1 3 0,12-7 0,-11-1 0,9-7 0,-10 4 0,1-4 0,9 0 0,-8 0 0,6 0 0,-5 0 0,-2 4 0,6-3 0,-6 3 0,5 0 0,-3 1 0,3 3 0</inkml:trace>
+</inkml:ink>
+</file>
+
+<file path=ppt/ink/ink39.xml><?xml version="1.0" encoding="utf-8"?>
+<inkml:ink xmlns:inkml="http://www.w3.org/2003/InkML">
+  <inkml:definitions>
+    <inkml:context xml:id="ctx0">
+      <inkml:inkSource xml:id="inkSrc0">
+        <inkml:traceFormat>
+          <inkml:channel name="X" type="integer" min="-2.14748E9" max="2.14748E9" units="cm"/>
+          <inkml:channel name="Y" type="integer" min="-2.14748E9" max="2.14748E9" units="cm"/>
+          <inkml:channel name="F" type="integer" max="32767" units="dev"/>
+        </inkml:traceFormat>
+        <inkml:channelProperties>
+          <inkml:channelProperty channel="X" name="resolution" value="1000" units="1/cm"/>
+          <inkml:channelProperty channel="Y" name="resolution" value="1000" units="1/cm"/>
+          <inkml:channelProperty channel="F" name="resolution" value="0" units="1/dev"/>
+        </inkml:channelProperties>
+      </inkml:inkSource>
+      <inkml:timestamp xml:id="ts0" timeString="2022-09-23T22:29:23.349"/>
+    </inkml:context>
+    <inkml:brush xml:id="br0">
+      <inkml:brushProperty name="width" value="0.3" units="cm"/>
+      <inkml:brushProperty name="height" value="0.6" units="cm"/>
+      <inkml:brushProperty name="color" value="#0069AF"/>
+      <inkml:brushProperty name="tip" value="rectangle"/>
+      <inkml:brushProperty name="rasterOp" value="maskPen"/>
+    </inkml:brush>
+  </inkml:definitions>
+  <inkml:trace contextRef="#ctx0" brushRef="#br0">1 0 16383,'39'0'0,"-2"0"0,-29 0 0,3 0 0,9 0 0,-9 0 0,12 0 0,-9 0 0,-2 0 0,8 0 0,-7 0 0,4 0 0,-2 10 0,-1-4 0,-3 7 0,3-2 0,-5-3 0,4 3 0,-1 0 0,3-3 0,0 3 0,1-7 0,-5 6 0,9-22 0,-11 9 0,4-15 0,-6 1 0,-3 9 0,3-6 0</inkml:trace>
+</inkml:ink>
+</file>
+
 <file path=ppt/ink/ink4.xml><?xml version="1.0" encoding="utf-8"?>
 <inkml:ink xmlns:inkml="http://www.w3.org/2003/InkML">
   <inkml:definitions>
@@ -324,6 +1048,287 @@
 </inkml:ink>
 </file>
 
+<file path=ppt/ink/ink40.xml><?xml version="1.0" encoding="utf-8"?>
+<inkml:ink xmlns:inkml="http://www.w3.org/2003/InkML">
+  <inkml:definitions>
+    <inkml:context xml:id="ctx0">
+      <inkml:inkSource xml:id="inkSrc0">
+        <inkml:traceFormat>
+          <inkml:channel name="X" type="integer" min="-2.14748E9" max="2.14748E9" units="cm"/>
+          <inkml:channel name="Y" type="integer" min="-2.14748E9" max="2.14748E9" units="cm"/>
+          <inkml:channel name="F" type="integer" max="32767" units="dev"/>
+        </inkml:traceFormat>
+        <inkml:channelProperties>
+          <inkml:channelProperty channel="X" name="resolution" value="1000" units="1/cm"/>
+          <inkml:channelProperty channel="Y" name="resolution" value="1000" units="1/cm"/>
+          <inkml:channelProperty channel="F" name="resolution" value="0" units="1/dev"/>
+        </inkml:channelProperties>
+      </inkml:inkSource>
+      <inkml:timestamp xml:id="ts0" timeString="2022-09-23T22:29:26.174"/>
+    </inkml:context>
+    <inkml:brush xml:id="br0">
+      <inkml:brushProperty name="width" value="0.3" units="cm"/>
+      <inkml:brushProperty name="height" value="0.6" units="cm"/>
+      <inkml:brushProperty name="color" value="#0069AF"/>
+      <inkml:brushProperty name="tip" value="rectangle"/>
+      <inkml:brushProperty name="rasterOp" value="maskPen"/>
+    </inkml:brush>
+  </inkml:definitions>
+  <inkml:trace contextRef="#ctx0" brushRef="#br0">1 122 16383,'19'-36'0,"-4"9"0,-4 20 0,4 6 0,-2-9 0,9 8 0,-9-5 0,6 3 0,-7-1 0,4 1 0,4-3 0,-7 3 0,5 0 0,-4 0 0,2 8 0,1 0 0,-1 4 0,-5-1 0,4 1 0,-4-1 0,4 0 0,-7 10 0,2-5 0,-9 5 0,2 1 0,-3-6 0,0 5 0,-3 0 0,-8-5 0,-1-2 0,-5-3 0,2-4 0</inkml:trace>
+</inkml:ink>
+</file>
+
+<file path=ppt/ink/ink41.xml><?xml version="1.0" encoding="utf-8"?>
+<inkml:ink xmlns:inkml="http://www.w3.org/2003/InkML">
+  <inkml:definitions>
+    <inkml:context xml:id="ctx0">
+      <inkml:inkSource xml:id="inkSrc0">
+        <inkml:traceFormat>
+          <inkml:channel name="X" type="integer" min="-2.14748E9" max="2.14748E9" units="cm"/>
+          <inkml:channel name="Y" type="integer" min="-2.14748E9" max="2.14748E9" units="cm"/>
+          <inkml:channel name="F" type="integer" max="32767" units="dev"/>
+        </inkml:traceFormat>
+        <inkml:channelProperties>
+          <inkml:channelProperty channel="X" name="resolution" value="1000" units="1/cm"/>
+          <inkml:channelProperty channel="Y" name="resolution" value="1000" units="1/cm"/>
+          <inkml:channelProperty channel="F" name="resolution" value="0" units="1/dev"/>
+        </inkml:channelProperties>
+      </inkml:inkSource>
+      <inkml:timestamp xml:id="ts0" timeString="2022-09-23T22:29:30.854"/>
+    </inkml:context>
+    <inkml:brush xml:id="br0">
+      <inkml:brushProperty name="width" value="0.3" units="cm"/>
+      <inkml:brushProperty name="height" value="0.6" units="cm"/>
+      <inkml:brushProperty name="color" value="#0069AF"/>
+      <inkml:brushProperty name="tip" value="rectangle"/>
+      <inkml:brushProperty name="rasterOp" value="maskPen"/>
+    </inkml:brush>
+  </inkml:definitions>
+  <inkml:trace contextRef="#ctx0" brushRef="#br0">1 0 16383,'31'23'0,"-5"-5"0,-18-18 0,5 0 0,5 0 0,-2 0 0,4 0 0,-9 0 0,6 0 0,1 0 0,-4-4 0,3 0 0,-6-3 0,3 0 0,0 0 0,1 3 0,1 1 0,-1 3 0,2 0 0,-1 0 0,2 0 0</inkml:trace>
+</inkml:ink>
+</file>
+
+<file path=ppt/ink/ink42.xml><?xml version="1.0" encoding="utf-8"?>
+<inkml:ink xmlns:inkml="http://www.w3.org/2003/InkML">
+  <inkml:definitions>
+    <inkml:context xml:id="ctx0">
+      <inkml:inkSource xml:id="inkSrc0">
+        <inkml:traceFormat>
+          <inkml:channel name="X" type="integer" min="-2.14748E9" max="2.14748E9" units="cm"/>
+          <inkml:channel name="Y" type="integer" min="-2.14748E9" max="2.14748E9" units="cm"/>
+          <inkml:channel name="F" type="integer" max="32767" units="dev"/>
+        </inkml:traceFormat>
+        <inkml:channelProperties>
+          <inkml:channelProperty channel="X" name="resolution" value="1000" units="1/cm"/>
+          <inkml:channelProperty channel="Y" name="resolution" value="1000" units="1/cm"/>
+          <inkml:channelProperty channel="F" name="resolution" value="0" units="1/dev"/>
+        </inkml:channelProperties>
+      </inkml:inkSource>
+      <inkml:timestamp xml:id="ts0" timeString="2022-09-23T22:30:35.142"/>
+    </inkml:context>
+    <inkml:brush xml:id="br0">
+      <inkml:brushProperty name="width" value="0.05292" units="cm"/>
+      <inkml:brushProperty name="height" value="0.05292" units="cm"/>
+      <inkml:brushProperty name="color" value="#849398"/>
+    </inkml:brush>
+  </inkml:definitions>
+  <inkml:trace contextRef="#ctx0" brushRef="#br0">1 1 24575,'15'23'0,"-3"-4"0,5 7 0,-5-8 0,17 9 0,-10-9 0,14 6 0,-11-11 0,1 8 0,2-10 0,-6 6 0,-2-5 0,-2-7 0,-6 10 0,3-13 0,-4 11 0,-4-8 0,2 2 0,-5 0 0,5-7 0,-5 7 0,5-6 0,-5 5 0,6-2 0,-3 4 0,3-4 0,0 2 0,1-1 0,-1 2 0,1 0 0,-1 1 0,0-1 0,1 0 0,-1 1 0,0-1 0,1 0 0,-1 1 0,0-1 0,1 1 0,-4-1 0,2 0 0,-5 1 0,6-4 0,-7-7 0,3-6 0,-3-11 0,0-7 0,0-1 0,0-10 0,0 4 0,0-5 0,0 0 0,0 6 0,0 1 0,0 9 0,0 2 0,0 9 0,0 1 0,0 3 0,0 4 0,0 1 0</inkml:trace>
+</inkml:ink>
+</file>
+
+<file path=ppt/ink/ink43.xml><?xml version="1.0" encoding="utf-8"?>
+<inkml:ink xmlns:inkml="http://www.w3.org/2003/InkML">
+  <inkml:definitions>
+    <inkml:context xml:id="ctx0">
+      <inkml:inkSource xml:id="inkSrc0">
+        <inkml:traceFormat>
+          <inkml:channel name="X" type="integer" min="-2.14748E9" max="2.14748E9" units="cm"/>
+          <inkml:channel name="Y" type="integer" min="-2.14748E9" max="2.14748E9" units="cm"/>
+          <inkml:channel name="F" type="integer" max="32767" units="dev"/>
+        </inkml:traceFormat>
+        <inkml:channelProperties>
+          <inkml:channelProperty channel="X" name="resolution" value="1000" units="1/cm"/>
+          <inkml:channelProperty channel="Y" name="resolution" value="1000" units="1/cm"/>
+          <inkml:channelProperty channel="F" name="resolution" value="0" units="1/dev"/>
+        </inkml:channelProperties>
+      </inkml:inkSource>
+      <inkml:timestamp xml:id="ts0" timeString="2022-09-23T22:30:36.420"/>
+    </inkml:context>
+    <inkml:brush xml:id="br0">
+      <inkml:brushProperty name="width" value="0.05292" units="cm"/>
+      <inkml:brushProperty name="height" value="0.05292" units="cm"/>
+      <inkml:brushProperty name="color" value="#849398"/>
+    </inkml:brush>
+  </inkml:definitions>
+  <inkml:trace contextRef="#ctx0" brushRef="#br0">260 1 24575,'-14'0'0,"1"0"0,5 0 0,-3 0 0,3 0 0,-8 0 0,-1 0 0,-8 0 0,-2 0 0,6 0 0,1 0 0,9 0 0,-5 0 0,4 0 0,-3 0 0,4 0 0,3 0 0,2 0 0</inkml:trace>
+</inkml:ink>
+</file>
+
+<file path=ppt/ink/ink44.xml><?xml version="1.0" encoding="utf-8"?>
+<inkml:ink xmlns:inkml="http://www.w3.org/2003/InkML">
+  <inkml:definitions>
+    <inkml:context xml:id="ctx0">
+      <inkml:inkSource xml:id="inkSrc0">
+        <inkml:traceFormat>
+          <inkml:channel name="X" type="integer" min="-2.14748E9" max="2.14748E9" units="cm"/>
+          <inkml:channel name="Y" type="integer" min="-2.14748E9" max="2.14748E9" units="cm"/>
+          <inkml:channel name="F" type="integer" max="32767" units="dev"/>
+        </inkml:traceFormat>
+        <inkml:channelProperties>
+          <inkml:channelProperty channel="X" name="resolution" value="1000" units="1/cm"/>
+          <inkml:channelProperty channel="Y" name="resolution" value="1000" units="1/cm"/>
+          <inkml:channelProperty channel="F" name="resolution" value="0" units="1/dev"/>
+        </inkml:channelProperties>
+      </inkml:inkSource>
+      <inkml:timestamp xml:id="ts0" timeString="2022-09-23T22:31:28.063"/>
+    </inkml:context>
+    <inkml:brush xml:id="br0">
+      <inkml:brushProperty name="width" value="0.05292" units="cm"/>
+      <inkml:brushProperty name="height" value="0.05292" units="cm"/>
+      <inkml:brushProperty name="color" value="#849398"/>
+    </inkml:brush>
+  </inkml:definitions>
+  <inkml:trace contextRef="#ctx0" brushRef="#br0">289 1 24575,'0'21'0,"0"-3"0,0 8 0,0-9 0,0 9 0,0-9 0,-11 29 0,8-24 0,-8 19 0,8-25 0,-2 5 0,0-4 0,-2 3 0,3-4 0,-5 1 0,1 4 0,3 1 0,-6 0 0,9-1 0,-13 0 0,13-4 0,-10 9 0,11-4 0,-7 5 0,7 0 0,-7-1 0,7-4 0,-3 4 0,1-8 0,2 7 0,-3-7 0,0 7 0,3-7 0,-6 3 0,6-5 0,-3 0 0,1-3 0,2 2 0,-2-7 0,3 4 0,-3-5 0,2 0 0,-3 0 0,1-3 0,2 2 0,-2-2 0,0 4 0,-1-1 0,0 0 0,1 0 0,-1 1 0,0-1 0,0 0 0,-2 1 0,5-1 0,-6-3 0,7 2 0,-7-5 0,3 2 0,1-6 0,-4-1 0,3-7 0,-4-2 0,4-3 0,-4 0 0,4-1 0,-1 1 0,-2 0 0,6 3 0,-3 2 0,4 4 0,0 0 0,0 5 0,0 14 0,0-2 0,0 11 0,4-4 0,-3 1 0,3 3 0,-4-5 0,4-3 0,-3-2 0,2-4 0,-3 1 0,0-1 0,0 0 0,3-3 0,1 0 0,2-4 0,1 0 0,0 0 0,1 0 0,-1 0 0,0 0 0,1 0 0,-1 0 0,9 0 0,-2-4 0,7 0 0,-5-5 0,0 5 0,1-3 0,-5 2 0,-1 1 0,-3 1 0,-1 3 0,0-4 0,-3 4 0,0-4 0</inkml:trace>
+</inkml:ink>
+</file>
+
+<file path=ppt/ink/ink45.xml><?xml version="1.0" encoding="utf-8"?>
+<inkml:ink xmlns:inkml="http://www.w3.org/2003/InkML">
+  <inkml:definitions>
+    <inkml:context xml:id="ctx0">
+      <inkml:inkSource xml:id="inkSrc0">
+        <inkml:traceFormat>
+          <inkml:channel name="X" type="integer" min="-2.14748E9" max="2.14748E9" units="cm"/>
+          <inkml:channel name="Y" type="integer" min="-2.14748E9" max="2.14748E9" units="cm"/>
+          <inkml:channel name="F" type="integer" max="32767" units="dev"/>
+        </inkml:traceFormat>
+        <inkml:channelProperties>
+          <inkml:channelProperty channel="X" name="resolution" value="1000" units="1/cm"/>
+          <inkml:channelProperty channel="Y" name="resolution" value="1000" units="1/cm"/>
+          <inkml:channelProperty channel="F" name="resolution" value="0" units="1/dev"/>
+        </inkml:channelProperties>
+      </inkml:inkSource>
+      <inkml:timestamp xml:id="ts0" timeString="2022-09-23T22:31:31.845"/>
+    </inkml:context>
+    <inkml:brush xml:id="br0">
+      <inkml:brushProperty name="width" value="0.05292" units="cm"/>
+      <inkml:brushProperty name="height" value="0.05292" units="cm"/>
+      <inkml:brushProperty name="color" value="#849398"/>
+    </inkml:brush>
+  </inkml:definitions>
+  <inkml:trace contextRef="#ctx0" brushRef="#br0">592 1 24575,'-4'18'0,"1"-3"0,3 4 0,0-1 0,0 4 0,0 15 0,0-6 0,-5 20 0,-6 2 0,-16 32 0,-3-12 0,-3 19 0,5-24 0,16-19 0,-8 10 0,0 1 0,8 3-244,-9 2 1,1 0 243,7 5 0,-11 21 0,11-11 0,-5-1 0,8-25 0,1 0 0,-4 23 0,-6 14 0,7-11 0,-4-23 0,4 18 0,-4-13 0,1-9 0,4-8 0,-7-12 0,4-1 487,0-10-487,-2-1 0,7 0 0,-7-7 0,7 2 0,-2-8 0,3 3 0,4-2 0,-3 2 0,3-4 0,0 1 0,0-1 0,1-3 0,3-1 0,-3-3 0</inkml:trace>
+</inkml:ink>
+</file>
+
+<file path=ppt/ink/ink46.xml><?xml version="1.0" encoding="utf-8"?>
+<inkml:ink xmlns:inkml="http://www.w3.org/2003/InkML">
+  <inkml:definitions>
+    <inkml:context xml:id="ctx0">
+      <inkml:inkSource xml:id="inkSrc0">
+        <inkml:traceFormat>
+          <inkml:channel name="X" type="integer" min="-2.14748E9" max="2.14748E9" units="cm"/>
+          <inkml:channel name="Y" type="integer" min="-2.14748E9" max="2.14748E9" units="cm"/>
+          <inkml:channel name="F" type="integer" max="32767" units="dev"/>
+        </inkml:traceFormat>
+        <inkml:channelProperties>
+          <inkml:channelProperty channel="X" name="resolution" value="1000" units="1/cm"/>
+          <inkml:channelProperty channel="Y" name="resolution" value="1000" units="1/cm"/>
+          <inkml:channelProperty channel="F" name="resolution" value="0" units="1/dev"/>
+        </inkml:channelProperties>
+      </inkml:inkSource>
+      <inkml:timestamp xml:id="ts0" timeString="2022-09-23T22:31:34.579"/>
+    </inkml:context>
+    <inkml:brush xml:id="br0">
+      <inkml:brushProperty name="width" value="0.05292" units="cm"/>
+      <inkml:brushProperty name="height" value="0.05292" units="cm"/>
+      <inkml:brushProperty name="color" value="#849398"/>
+    </inkml:brush>
+  </inkml:definitions>
+  <inkml:trace contextRef="#ctx0" brushRef="#br0">1 259 24575,'15'-15'0,"-2"-1"0,8 3 0,-4-2 0,-5 6 0,-1-2 0,-6 3 0,-2 1 0,-3 0 0,0-4 0,3 6 0,-2-5 0,2 3 0,0-5 0,2 2 0,2-1 0,1 0 0,-1 2 0,-3-2 0,3 7 0,-3 1 0,3 0 0,0 2 0,-3-9 0,2 5 0,-2-6 0,0 3 0,3 4 0,-6-2 0,5 2 0,-5 3 0,2 1 0,-3 7 0,0 1 0,0-1 0,0 1 0,4 3 0,0 6 0,5 0 0,-1 4 0,1 0 0,3-3 0,1 3 0,0 0 0,2-4 0,-2 4 0,4-4 0,-5-1 0,4 0 0,-4-3 0,1-2 0,-2-3 0,0 0 0,-3-1 0,4 1 0,-5-1 0,-3 1 0,3-1 0,-6 0 0,5-3 0,-5 2 0,5-5 0,-5 2 0,2-3 0</inkml:trace>
+</inkml:ink>
+</file>
+
+<file path=ppt/ink/ink47.xml><?xml version="1.0" encoding="utf-8"?>
+<inkml:ink xmlns:inkml="http://www.w3.org/2003/InkML">
+  <inkml:definitions>
+    <inkml:context xml:id="ctx0">
+      <inkml:inkSource xml:id="inkSrc0">
+        <inkml:traceFormat>
+          <inkml:channel name="X" type="integer" min="-2.14748E9" max="2.14748E9" units="cm"/>
+          <inkml:channel name="Y" type="integer" min="-2.14748E9" max="2.14748E9" units="cm"/>
+          <inkml:channel name="F" type="integer" max="32767" units="dev"/>
+        </inkml:traceFormat>
+        <inkml:channelProperties>
+          <inkml:channelProperty channel="X" name="resolution" value="1000" units="1/cm"/>
+          <inkml:channelProperty channel="Y" name="resolution" value="1000" units="1/cm"/>
+          <inkml:channelProperty channel="F" name="resolution" value="0" units="1/dev"/>
+        </inkml:channelProperties>
+      </inkml:inkSource>
+      <inkml:timestamp xml:id="ts0" timeString="2022-09-23T22:47:00.157"/>
+    </inkml:context>
+    <inkml:brush xml:id="br0">
+      <inkml:brushProperty name="width" value="0.1" units="cm"/>
+      <inkml:brushProperty name="height" value="0.1" units="cm"/>
+    </inkml:brush>
+  </inkml:definitions>
+  <inkml:trace contextRef="#ctx0" brushRef="#br0">0 213 24575,'19'0'0,"1"0"0,12 0 0,1 0 0,-1 0 0,5 0 0,2 0 0,12 0 0,-9 0 0,6 0 0,-20 0 0,9 0 0,-14 0 0,13 0 0,-13 0 0,8 0 0,1 0 0,-9 0 0,7 0 0,-13 0 0,4 0 0,-5 0 0,-1 0 0,1 0 0,0 0 0,-4 0 0,3 0 0,-2 0 0,2 0 0,-2 0 0,-2 0 0,-4 0 0,0 0 0,0 0 0,0 0 0,0 0 0,0 0 0,0 0 0,1 0 0,-1 0 0,0 0 0,-19-7 0,-1-2 0,-17-7 0,8-1 0,-10-6 0,9 4 0,-6-8 0,4 8 0,7-1 0,-3 3 0,5 5 0,0 0 0,4 5 0,1 2 0,5 2 0,2 3 0,1 0 0</inkml:trace>
+</inkml:ink>
+</file>
+
+<file path=ppt/ink/ink48.xml><?xml version="1.0" encoding="utf-8"?>
+<inkml:ink xmlns:inkml="http://www.w3.org/2003/InkML">
+  <inkml:definitions>
+    <inkml:context xml:id="ctx0">
+      <inkml:inkSource xml:id="inkSrc0">
+        <inkml:traceFormat>
+          <inkml:channel name="X" type="integer" min="-2.14748E9" max="2.14748E9" units="cm"/>
+          <inkml:channel name="Y" type="integer" min="-2.14748E9" max="2.14748E9" units="cm"/>
+          <inkml:channel name="F" type="integer" max="32767" units="dev"/>
+        </inkml:traceFormat>
+        <inkml:channelProperties>
+          <inkml:channelProperty channel="X" name="resolution" value="1000" units="1/cm"/>
+          <inkml:channelProperty channel="Y" name="resolution" value="1000" units="1/cm"/>
+          <inkml:channelProperty channel="F" name="resolution" value="0" units="1/dev"/>
+        </inkml:channelProperties>
+      </inkml:inkSource>
+      <inkml:timestamp xml:id="ts0" timeString="2022-09-23T22:47:00.349"/>
+    </inkml:context>
+    <inkml:brush xml:id="br0">
+      <inkml:brushProperty name="width" value="0.1" units="cm"/>
+      <inkml:brushProperty name="height" value="0.1" units="cm"/>
+    </inkml:brush>
+  </inkml:definitions>
+  <inkml:trace contextRef="#ctx0" brushRef="#br0">1 0 24575,'0'0'0</inkml:trace>
+</inkml:ink>
+</file>
+
+<file path=ppt/ink/ink49.xml><?xml version="1.0" encoding="utf-8"?>
+<inkml:ink xmlns:inkml="http://www.w3.org/2003/InkML">
+  <inkml:definitions>
+    <inkml:context xml:id="ctx0">
+      <inkml:inkSource xml:id="inkSrc0">
+        <inkml:traceFormat>
+          <inkml:channel name="X" type="integer" min="-2.14748E9" max="2.14748E9" units="cm"/>
+          <inkml:channel name="Y" type="integer" min="-2.14748E9" max="2.14748E9" units="cm"/>
+          <inkml:channel name="F" type="integer" max="32767" units="dev"/>
+        </inkml:traceFormat>
+        <inkml:channelProperties>
+          <inkml:channelProperty channel="X" name="resolution" value="1000" units="1/cm"/>
+          <inkml:channelProperty channel="Y" name="resolution" value="1000" units="1/cm"/>
+          <inkml:channelProperty channel="F" name="resolution" value="0" units="1/dev"/>
+        </inkml:channelProperties>
+      </inkml:inkSource>
+      <inkml:timestamp xml:id="ts0" timeString="2022-09-23T22:47:02.297"/>
+    </inkml:context>
+    <inkml:brush xml:id="br0">
+      <inkml:brushProperty name="width" value="0.1" units="cm"/>
+      <inkml:brushProperty name="height" value="0.1" units="cm"/>
+    </inkml:brush>
+  </inkml:definitions>
+  <inkml:trace contextRef="#ctx0" brushRef="#br0">268 1 24575,'-3'10'0,"-1"0"0,0-2 0,-3-1 0,4 0 0,-5 0 0,5 0 0,-4-3 0,3 3 0,-3-3 0,-4 0 0,6 2 0,-5-2 0,6 0 0,-4 2 0,4-2 0,-2 0 0,5 3 0,-5-7 0,-1 6 0,3-2 0,-5 3 0,5 0 0,-3 0 0,0-3 0,-1 2 0,1-2 0,3 3 0,-2-3 0,5 3 0,-5-7 0,2 7 0,-4-3 0,1 3 0,-4 1 0,3-1 0,-3 0 0,4 1 0,-1-1 0,1 0 0,0 0 0,3 0 0,-2-3 0,5 2 0,-2-5 0,3 2 0</inkml:trace>
+</inkml:ink>
+</file>
+
 <file path=ppt/ink/ink5.xml><?xml version="1.0" encoding="utf-8"?>
 <inkml:ink xmlns:inkml="http://www.w3.org/2003/InkML">
   <inkml:definitions>
@@ -348,6 +1353,168 @@
     </inkml:brush>
   </inkml:definitions>
   <inkml:trace contextRef="#ctx0" brushRef="#br0">186 1 24575,'0'42'0,"0"0"0,0-3 0,0 0 0,0 0 0,0 0 0,0-5 0,0-2 0,0-5 0,0 0 0,0 0 0,0-1 0,0-3 0,0 2 0,0-3 0,0 1 0,0 2 0,0-7 0,0 7 0,0-7 0,0 8 0,0-9 0,0 9 0,0-9 0,0 9 0,0-9 0,0 4 0,0-4 0,0-1 0,0 0 0,-3-3 0,2 2 0,-2-3 0,3 1 0,0 2 0,0-3 0,0 5 0,0-1 0,0 0 0,-4 0 0,3-3 0,-2 2 0,3-3 0,0 5 0,0-5 0,0 3 0,0-6 0,0 2 0,0 0 0,0 2 0,0 3 0,0 5 0,0-3 0,-4 7 0,3-3 0,-3 1 0,4 14 0,0-16 0,0 16 0,0-19 0,0 3 0,-4 0 0,3-4 0,-3 9 0,4-9 0,0 9 0,0-8 0,0 7 0,0-7 0,0 3 0,0 0 0,0-8 0,0 7 0,0-7 0,0-1 0,0-1 0,0 1 0,0-4 0,0 7 0,0-6 0,0 13 0,0-12 0,0 13 0,0-11 0,0 0 0,0 4 0,0-8 0,0 3 0,0 1 0,0-4 0,0 4 0,0-5 0,0 0 0,0 1 0,0-1 0,0 0 0,0 1 0,0-1 0,0 0 0,0 1 0,0-1 0,0 1 0,0-1 0,0 0 0,0 5 0,0-4 0,0 7 0,0-7 0,0 2 0,0-2 0,0-1 0,0 1 0,0-1 0,0 0 0,0 0 0,0 0 0,0 1 0,0-1 0,0 1 0,0-1 0,0 0 0,0 0 0,0 0 0,0 1 0,0-2 0,0-5 0,-6-1 0,1-7 0,-6-1 0,4 1 0,0 0 0,-1-1 0,4 1 0,-2-1 0,2 1 0,-4 3 0,5-2 0,-1 2 0,1 0 0,-1-2 0,-3 2 0,0-3 0,0 3 0,0-3 0,-1 7 0,1-7 0,-1 6 0,4-5 0,-2 5 0,2-2 0,0 3 0,1 0 0</inkml:trace>
+</inkml:ink>
+</file>
+
+<file path=ppt/ink/ink50.xml><?xml version="1.0" encoding="utf-8"?>
+<inkml:ink xmlns:inkml="http://www.w3.org/2003/InkML">
+  <inkml:definitions>
+    <inkml:context xml:id="ctx0">
+      <inkml:inkSource xml:id="inkSrc0">
+        <inkml:traceFormat>
+          <inkml:channel name="X" type="integer" min="-2.14748E9" max="2.14748E9" units="cm"/>
+          <inkml:channel name="Y" type="integer" min="-2.14748E9" max="2.14748E9" units="cm"/>
+          <inkml:channel name="F" type="integer" max="32767" units="dev"/>
+        </inkml:traceFormat>
+        <inkml:channelProperties>
+          <inkml:channelProperty channel="X" name="resolution" value="1000" units="1/cm"/>
+          <inkml:channelProperty channel="Y" name="resolution" value="1000" units="1/cm"/>
+          <inkml:channelProperty channel="F" name="resolution" value="0" units="1/dev"/>
+        </inkml:channelProperties>
+      </inkml:inkSource>
+      <inkml:timestamp xml:id="ts0" timeString="2022-09-23T22:47:04.303"/>
+    </inkml:context>
+    <inkml:brush xml:id="br0">
+      <inkml:brushProperty name="width" value="0.1" units="cm"/>
+      <inkml:brushProperty name="height" value="0.1" units="cm"/>
+    </inkml:brush>
+  </inkml:definitions>
+  <inkml:trace contextRef="#ctx0" brushRef="#br0">0 213 24575,'19'0'0,"1"0"0,12 0 0,1 0 0,-1 0 0,5 0 0,2 0 0,12 0 0,-9 0 0,6 0 0,-20 0 0,9 0 0,-14 0 0,13 0 0,-13 0 0,8 0 0,1 0 0,-9 0 0,7 0 0,-13 0 0,4 0 0,-5 0 0,-1 0 0,1 0 0,0 0 0,-4 0 0,3 0 0,-2 0 0,2 0 0,-2 0 0,-2 0 0,-4 0 0,0 0 0,0 0 0,0 0 0,0 0 0,0 0 0,0 0 0,1 0 0,-1 0 0,0 0 0,-19-7 0,-1-2 0,-17-7 0,8-1 0,-10-6 0,9 4 0,-6-8 0,4 8 0,7-1 0,-3 3 0,5 5 0,0 0 0,4 5 0,1 2 0,5 2 0,2 3 0,1 0 0</inkml:trace>
+</inkml:ink>
+</file>
+
+<file path=ppt/ink/ink51.xml><?xml version="1.0" encoding="utf-8"?>
+<inkml:ink xmlns:inkml="http://www.w3.org/2003/InkML">
+  <inkml:definitions>
+    <inkml:context xml:id="ctx0">
+      <inkml:inkSource xml:id="inkSrc0">
+        <inkml:traceFormat>
+          <inkml:channel name="X" type="integer" min="-2.14748E9" max="2.14748E9" units="cm"/>
+          <inkml:channel name="Y" type="integer" min="-2.14748E9" max="2.14748E9" units="cm"/>
+          <inkml:channel name="F" type="integer" max="32767" units="dev"/>
+        </inkml:traceFormat>
+        <inkml:channelProperties>
+          <inkml:channelProperty channel="X" name="resolution" value="1000" units="1/cm"/>
+          <inkml:channelProperty channel="Y" name="resolution" value="1000" units="1/cm"/>
+          <inkml:channelProperty channel="F" name="resolution" value="0" units="1/dev"/>
+        </inkml:channelProperties>
+      </inkml:inkSource>
+      <inkml:timestamp xml:id="ts0" timeString="2022-09-23T22:47:04.304"/>
+    </inkml:context>
+    <inkml:brush xml:id="br0">
+      <inkml:brushProperty name="width" value="0.1" units="cm"/>
+      <inkml:brushProperty name="height" value="0.1" units="cm"/>
+    </inkml:brush>
+  </inkml:definitions>
+  <inkml:trace contextRef="#ctx0" brushRef="#br0">1 0 24575,'0'0'0</inkml:trace>
+</inkml:ink>
+</file>
+
+<file path=ppt/ink/ink52.xml><?xml version="1.0" encoding="utf-8"?>
+<inkml:ink xmlns:inkml="http://www.w3.org/2003/InkML">
+  <inkml:definitions>
+    <inkml:context xml:id="ctx0">
+      <inkml:inkSource xml:id="inkSrc0">
+        <inkml:traceFormat>
+          <inkml:channel name="X" type="integer" min="-2.14748E9" max="2.14748E9" units="cm"/>
+          <inkml:channel name="Y" type="integer" min="-2.14748E9" max="2.14748E9" units="cm"/>
+          <inkml:channel name="F" type="integer" max="32767" units="dev"/>
+        </inkml:traceFormat>
+        <inkml:channelProperties>
+          <inkml:channelProperty channel="X" name="resolution" value="1000" units="1/cm"/>
+          <inkml:channelProperty channel="Y" name="resolution" value="1000" units="1/cm"/>
+          <inkml:channelProperty channel="F" name="resolution" value="0" units="1/dev"/>
+        </inkml:channelProperties>
+      </inkml:inkSource>
+      <inkml:timestamp xml:id="ts0" timeString="2022-09-23T22:47:04.305"/>
+    </inkml:context>
+    <inkml:brush xml:id="br0">
+      <inkml:brushProperty name="width" value="0.1" units="cm"/>
+      <inkml:brushProperty name="height" value="0.1" units="cm"/>
+    </inkml:brush>
+  </inkml:definitions>
+  <inkml:trace contextRef="#ctx0" brushRef="#br0">268 1 24575,'-3'10'0,"-1"0"0,0-2 0,-3-1 0,4 0 0,-5 0 0,5 0 0,-4-3 0,3 3 0,-3-3 0,-4 0 0,6 2 0,-5-2 0,6 0 0,-4 2 0,4-2 0,-2 0 0,5 3 0,-5-7 0,-1 6 0,3-2 0,-5 3 0,5 0 0,-3 0 0,0-3 0,-1 2 0,1-2 0,3 3 0,-2-3 0,5 3 0,-5-7 0,2 7 0,-4-3 0,1 3 0,-4 1 0,3-1 0,-3 0 0,4 1 0,-1-1 0,1 0 0,0 0 0,3 0 0,-2-3 0,5 2 0,-2-5 0,3 2 0</inkml:trace>
+</inkml:ink>
+</file>
+
+<file path=ppt/ink/ink53.xml><?xml version="1.0" encoding="utf-8"?>
+<inkml:ink xmlns:inkml="http://www.w3.org/2003/InkML">
+  <inkml:definitions>
+    <inkml:context xml:id="ctx0">
+      <inkml:inkSource xml:id="inkSrc0">
+        <inkml:traceFormat>
+          <inkml:channel name="X" type="integer" min="-2.14748E9" max="2.14748E9" units="cm"/>
+          <inkml:channel name="Y" type="integer" min="-2.14748E9" max="2.14748E9" units="cm"/>
+          <inkml:channel name="F" type="integer" max="32767" units="dev"/>
+        </inkml:traceFormat>
+        <inkml:channelProperties>
+          <inkml:channelProperty channel="X" name="resolution" value="1000" units="1/cm"/>
+          <inkml:channelProperty channel="Y" name="resolution" value="1000" units="1/cm"/>
+          <inkml:channelProperty channel="F" name="resolution" value="0" units="1/dev"/>
+        </inkml:channelProperties>
+      </inkml:inkSource>
+      <inkml:timestamp xml:id="ts0" timeString="2022-09-23T22:47:12.209"/>
+    </inkml:context>
+    <inkml:brush xml:id="br0">
+      <inkml:brushProperty name="width" value="0.1" units="cm"/>
+      <inkml:brushProperty name="height" value="0.1" units="cm"/>
+    </inkml:brush>
+  </inkml:definitions>
+  <inkml:trace contextRef="#ctx0" brushRef="#br0">0 213 24575,'19'0'0,"1"0"0,12 0 0,1 0 0,-1 0 0,5 0 0,2 0 0,12 0 0,-9 0 0,6 0 0,-20 0 0,9 0 0,-14 0 0,13 0 0,-13 0 0,8 0 0,1 0 0,-9 0 0,7 0 0,-13 0 0,4 0 0,-5 0 0,-1 0 0,1 0 0,0 0 0,-4 0 0,3 0 0,-2 0 0,2 0 0,-2 0 0,-2 0 0,-4 0 0,0 0 0,0 0 0,0 0 0,0 0 0,0 0 0,0 0 0,1 0 0,-1 0 0,0 0 0,-19-7 0,-1-2 0,-17-7 0,8-1 0,-10-6 0,9 4 0,-6-8 0,4 8 0,7-1 0,-3 3 0,5 5 0,0 0 0,4 5 0,1 2 0,5 2 0,2 3 0,1 0 0</inkml:trace>
+</inkml:ink>
+</file>
+
+<file path=ppt/ink/ink54.xml><?xml version="1.0" encoding="utf-8"?>
+<inkml:ink xmlns:inkml="http://www.w3.org/2003/InkML">
+  <inkml:definitions>
+    <inkml:context xml:id="ctx0">
+      <inkml:inkSource xml:id="inkSrc0">
+        <inkml:traceFormat>
+          <inkml:channel name="X" type="integer" min="-2.14748E9" max="2.14748E9" units="cm"/>
+          <inkml:channel name="Y" type="integer" min="-2.14748E9" max="2.14748E9" units="cm"/>
+          <inkml:channel name="F" type="integer" max="32767" units="dev"/>
+        </inkml:traceFormat>
+        <inkml:channelProperties>
+          <inkml:channelProperty channel="X" name="resolution" value="1000" units="1/cm"/>
+          <inkml:channelProperty channel="Y" name="resolution" value="1000" units="1/cm"/>
+          <inkml:channelProperty channel="F" name="resolution" value="0" units="1/dev"/>
+        </inkml:channelProperties>
+      </inkml:inkSource>
+      <inkml:timestamp xml:id="ts0" timeString="2022-09-23T22:47:12.210"/>
+    </inkml:context>
+    <inkml:brush xml:id="br0">
+      <inkml:brushProperty name="width" value="0.1" units="cm"/>
+      <inkml:brushProperty name="height" value="0.1" units="cm"/>
+    </inkml:brush>
+  </inkml:definitions>
+  <inkml:trace contextRef="#ctx0" brushRef="#br0">1 0 24575,'0'0'0</inkml:trace>
+</inkml:ink>
+</file>
+
+<file path=ppt/ink/ink55.xml><?xml version="1.0" encoding="utf-8"?>
+<inkml:ink xmlns:inkml="http://www.w3.org/2003/InkML">
+  <inkml:definitions>
+    <inkml:context xml:id="ctx0">
+      <inkml:inkSource xml:id="inkSrc0">
+        <inkml:traceFormat>
+          <inkml:channel name="X" type="integer" min="-2.14748E9" max="2.14748E9" units="cm"/>
+          <inkml:channel name="Y" type="integer" min="-2.14748E9" max="2.14748E9" units="cm"/>
+          <inkml:channel name="F" type="integer" max="32767" units="dev"/>
+        </inkml:traceFormat>
+        <inkml:channelProperties>
+          <inkml:channelProperty channel="X" name="resolution" value="1000" units="1/cm"/>
+          <inkml:channelProperty channel="Y" name="resolution" value="1000" units="1/cm"/>
+          <inkml:channelProperty channel="F" name="resolution" value="0" units="1/dev"/>
+        </inkml:channelProperties>
+      </inkml:inkSource>
+      <inkml:timestamp xml:id="ts0" timeString="2022-09-23T22:47:12.211"/>
+    </inkml:context>
+    <inkml:brush xml:id="br0">
+      <inkml:brushProperty name="width" value="0.1" units="cm"/>
+      <inkml:brushProperty name="height" value="0.1" units="cm"/>
+    </inkml:brush>
+  </inkml:definitions>
+  <inkml:trace contextRef="#ctx0" brushRef="#br0">268 1 24575,'-3'10'0,"-1"0"0,0-2 0,-3-1 0,4 0 0,-5 0 0,5 0 0,-4-3 0,3 3 0,-3-3 0,-4 0 0,6 2 0,-5-2 0,6 0 0,-4 2 0,4-2 0,-2 0 0,5 3 0,-5-7 0,-1 6 0,3-2 0,-5 3 0,5 0 0,-3 0 0,0-3 0,-1 2 0,1-2 0,3 3 0,-2-3 0,5 3 0,-5-7 0,2 7 0,-4-3 0,1 3 0,-4 1 0,3-1 0,-3 0 0,4 1 0,-1-1 0,1 0 0,0 0 0,3 0 0,-2-3 0,5 2 0,-2-5 0,3 2 0</inkml:trace>
 </inkml:ink>
 </file>
 
@@ -4266,8 +5433,8 @@
         </p:nvSpPr>
         <p:spPr>
           <a:xfrm>
-            <a:off x="9644771" y="832436"/>
-            <a:ext cx="2007939" cy="461665"/>
+            <a:off x="9644772" y="832436"/>
+            <a:ext cx="1931938" cy="461665"/>
           </a:xfrm>
           <a:prstGeom prst="rect">
             <a:avLst/>
@@ -4312,7 +5479,7 @@
         <p:spPr>
           <a:xfrm>
             <a:off x="9634424" y="1917559"/>
-            <a:ext cx="2028632" cy="646331"/>
+            <a:ext cx="1951848" cy="646331"/>
           </a:xfrm>
           <a:prstGeom prst="rect">
             <a:avLst/>
@@ -4349,7 +5516,7 @@
         <p:spPr>
           <a:xfrm>
             <a:off x="9657950" y="3085785"/>
-            <a:ext cx="2028632" cy="646331"/>
+            <a:ext cx="1951848" cy="646331"/>
           </a:xfrm>
           <a:prstGeom prst="rect">
             <a:avLst/>
@@ -4386,7 +5553,7 @@
         <p:spPr>
           <a:xfrm>
             <a:off x="9657950" y="4250943"/>
-            <a:ext cx="2028632" cy="461665"/>
+            <a:ext cx="1951848" cy="461665"/>
           </a:xfrm>
           <a:prstGeom prst="rect">
             <a:avLst/>
@@ -4423,7 +5590,7 @@
         <p:spPr>
           <a:xfrm>
             <a:off x="9644771" y="5485888"/>
-            <a:ext cx="2028632" cy="276999"/>
+            <a:ext cx="1951848" cy="276999"/>
           </a:xfrm>
           <a:prstGeom prst="rect">
             <a:avLst/>
@@ -5073,10 +6240,2919 @@
           </a:prstGeom>
         </p:spPr>
       </p:pic>
+      <mc:AlternateContent xmlns:mc="http://schemas.openxmlformats.org/markup-compatibility/2006">
+        <mc:Choice xmlns:p14="http://schemas.microsoft.com/office/powerpoint/2010/main" Requires="p14">
+          <p:contentPart p14:bwMode="auto" r:id="rId3">
+            <p14:nvContentPartPr>
+              <p14:cNvPr id="9" name="Ink 8">
+                <a:extLst>
+                  <a:ext uri="{FF2B5EF4-FFF2-40B4-BE49-F238E27FC236}">
+                    <a16:creationId xmlns:a16="http://schemas.microsoft.com/office/drawing/2014/main" id="{C0D1CEF7-DF6A-E17A-D073-DD0EF1BEA278}"/>
+                  </a:ext>
+                </a:extLst>
+              </p14:cNvPr>
+              <p14:cNvContentPartPr/>
+              <p14:nvPr/>
+            </p14:nvContentPartPr>
+            <p14:xfrm>
+              <a:off x="6562917" y="3717963"/>
+              <a:ext cx="293400" cy="297360"/>
+            </p14:xfrm>
+          </p:contentPart>
+        </mc:Choice>
+        <mc:Fallback>
+          <p:pic>
+            <p:nvPicPr>
+              <p:cNvPr id="9" name="Ink 8">
+                <a:extLst>
+                  <a:ext uri="{FF2B5EF4-FFF2-40B4-BE49-F238E27FC236}">
+                    <a16:creationId xmlns:a16="http://schemas.microsoft.com/office/drawing/2014/main" id="{C0D1CEF7-DF6A-E17A-D073-DD0EF1BEA278}"/>
+                  </a:ext>
+                </a:extLst>
+              </p:cNvPr>
+              <p:cNvPicPr/>
+              <p:nvPr/>
+            </p:nvPicPr>
+            <p:blipFill>
+              <a:blip r:embed="rId4"/>
+              <a:stretch>
+                <a:fillRect/>
+              </a:stretch>
+            </p:blipFill>
+            <p:spPr>
+              <a:xfrm>
+                <a:off x="6545277" y="3700323"/>
+                <a:ext cx="329040" cy="333000"/>
+              </a:xfrm>
+              <a:prstGeom prst="rect">
+                <a:avLst/>
+              </a:prstGeom>
+            </p:spPr>
+          </p:pic>
+        </mc:Fallback>
+      </mc:AlternateContent>
+      <mc:AlternateContent xmlns:mc="http://schemas.openxmlformats.org/markup-compatibility/2006">
+        <mc:Choice xmlns:p14="http://schemas.microsoft.com/office/powerpoint/2010/main" Requires="p14">
+          <p:contentPart p14:bwMode="auto" r:id="rId5">
+            <p14:nvContentPartPr>
+              <p14:cNvPr id="11" name="Ink 10">
+                <a:extLst>
+                  <a:ext uri="{FF2B5EF4-FFF2-40B4-BE49-F238E27FC236}">
+                    <a16:creationId xmlns:a16="http://schemas.microsoft.com/office/drawing/2014/main" id="{5CF6DA80-1734-9173-543D-C89796E06014}"/>
+                  </a:ext>
+                </a:extLst>
+              </p14:cNvPr>
+              <p14:cNvContentPartPr/>
+              <p14:nvPr/>
+            </p14:nvContentPartPr>
+            <p14:xfrm>
+              <a:off x="7650265" y="3717963"/>
+              <a:ext cx="293400" cy="297360"/>
+            </p14:xfrm>
+          </p:contentPart>
+        </mc:Choice>
+        <mc:Fallback>
+          <p:pic>
+            <p:nvPicPr>
+              <p:cNvPr id="11" name="Ink 10">
+                <a:extLst>
+                  <a:ext uri="{FF2B5EF4-FFF2-40B4-BE49-F238E27FC236}">
+                    <a16:creationId xmlns:a16="http://schemas.microsoft.com/office/drawing/2014/main" id="{5CF6DA80-1734-9173-543D-C89796E06014}"/>
+                  </a:ext>
+                </a:extLst>
+              </p:cNvPr>
+              <p:cNvPicPr/>
+              <p:nvPr/>
+            </p:nvPicPr>
+            <p:blipFill>
+              <a:blip r:embed="rId4"/>
+              <a:stretch>
+                <a:fillRect/>
+              </a:stretch>
+            </p:blipFill>
+            <p:spPr>
+              <a:xfrm>
+                <a:off x="7632625" y="3700323"/>
+                <a:ext cx="329040" cy="333000"/>
+              </a:xfrm>
+              <a:prstGeom prst="rect">
+                <a:avLst/>
+              </a:prstGeom>
+            </p:spPr>
+          </p:pic>
+        </mc:Fallback>
+      </mc:AlternateContent>
+      <mc:AlternateContent xmlns:mc="http://schemas.openxmlformats.org/markup-compatibility/2006">
+        <mc:Choice xmlns:p14="http://schemas.microsoft.com/office/powerpoint/2010/main" Requires="p14">
+          <p:contentPart p14:bwMode="auto" r:id="rId6">
+            <p14:nvContentPartPr>
+              <p14:cNvPr id="12" name="Ink 11">
+                <a:extLst>
+                  <a:ext uri="{FF2B5EF4-FFF2-40B4-BE49-F238E27FC236}">
+                    <a16:creationId xmlns:a16="http://schemas.microsoft.com/office/drawing/2014/main" id="{431B43F7-DF39-E1F8-D73E-EFD07CCF505A}"/>
+                  </a:ext>
+                </a:extLst>
+              </p14:cNvPr>
+              <p14:cNvContentPartPr/>
+              <p14:nvPr/>
+            </p14:nvContentPartPr>
+            <p14:xfrm>
+              <a:off x="8265002" y="3717963"/>
+              <a:ext cx="293400" cy="297360"/>
+            </p14:xfrm>
+          </p:contentPart>
+        </mc:Choice>
+        <mc:Fallback>
+          <p:pic>
+            <p:nvPicPr>
+              <p:cNvPr id="12" name="Ink 11">
+                <a:extLst>
+                  <a:ext uri="{FF2B5EF4-FFF2-40B4-BE49-F238E27FC236}">
+                    <a16:creationId xmlns:a16="http://schemas.microsoft.com/office/drawing/2014/main" id="{431B43F7-DF39-E1F8-D73E-EFD07CCF505A}"/>
+                  </a:ext>
+                </a:extLst>
+              </p:cNvPr>
+              <p:cNvPicPr/>
+              <p:nvPr/>
+            </p:nvPicPr>
+            <p:blipFill>
+              <a:blip r:embed="rId4"/>
+              <a:stretch>
+                <a:fillRect/>
+              </a:stretch>
+            </p:blipFill>
+            <p:spPr>
+              <a:xfrm>
+                <a:off x="8247362" y="3700323"/>
+                <a:ext cx="329040" cy="333000"/>
+              </a:xfrm>
+              <a:prstGeom prst="rect">
+                <a:avLst/>
+              </a:prstGeom>
+            </p:spPr>
+          </p:pic>
+        </mc:Fallback>
+      </mc:AlternateContent>
+      <mc:AlternateContent xmlns:mc="http://schemas.openxmlformats.org/markup-compatibility/2006">
+        <mc:Choice xmlns:p14="http://schemas.microsoft.com/office/powerpoint/2010/main" Requires="p14">
+          <p:contentPart p14:bwMode="auto" r:id="rId7">
+            <p14:nvContentPartPr>
+              <p14:cNvPr id="13" name="Ink 12">
+                <a:extLst>
+                  <a:ext uri="{FF2B5EF4-FFF2-40B4-BE49-F238E27FC236}">
+                    <a16:creationId xmlns:a16="http://schemas.microsoft.com/office/drawing/2014/main" id="{E5C5DA3F-8A25-45A8-CFA9-49C1B018AFC2}"/>
+                  </a:ext>
+                </a:extLst>
+              </p14:cNvPr>
+              <p14:cNvContentPartPr/>
+              <p14:nvPr/>
+            </p14:nvContentPartPr>
+            <p14:xfrm>
+              <a:off x="9025290" y="4229958"/>
+              <a:ext cx="293400" cy="297360"/>
+            </p14:xfrm>
+          </p:contentPart>
+        </mc:Choice>
+        <mc:Fallback>
+          <p:pic>
+            <p:nvPicPr>
+              <p:cNvPr id="13" name="Ink 12">
+                <a:extLst>
+                  <a:ext uri="{FF2B5EF4-FFF2-40B4-BE49-F238E27FC236}">
+                    <a16:creationId xmlns:a16="http://schemas.microsoft.com/office/drawing/2014/main" id="{E5C5DA3F-8A25-45A8-CFA9-49C1B018AFC2}"/>
+                  </a:ext>
+                </a:extLst>
+              </p:cNvPr>
+              <p:cNvPicPr/>
+              <p:nvPr/>
+            </p:nvPicPr>
+            <p:blipFill>
+              <a:blip r:embed="rId4"/>
+              <a:stretch>
+                <a:fillRect/>
+              </a:stretch>
+            </p:blipFill>
+            <p:spPr>
+              <a:xfrm>
+                <a:off x="9007650" y="4212318"/>
+                <a:ext cx="329040" cy="333000"/>
+              </a:xfrm>
+              <a:prstGeom prst="rect">
+                <a:avLst/>
+              </a:prstGeom>
+            </p:spPr>
+          </p:pic>
+        </mc:Fallback>
+      </mc:AlternateContent>
+      <mc:AlternateContent xmlns:mc="http://schemas.openxmlformats.org/markup-compatibility/2006">
+        <mc:Choice xmlns:p14="http://schemas.microsoft.com/office/powerpoint/2010/main" Requires="p14">
+          <p:contentPart p14:bwMode="auto" r:id="rId8">
+            <p14:nvContentPartPr>
+              <p14:cNvPr id="14" name="Ink 13">
+                <a:extLst>
+                  <a:ext uri="{FF2B5EF4-FFF2-40B4-BE49-F238E27FC236}">
+                    <a16:creationId xmlns:a16="http://schemas.microsoft.com/office/drawing/2014/main" id="{EC43FEA1-96E0-7C5C-E521-DDD4687A75ED}"/>
+                  </a:ext>
+                </a:extLst>
+              </p14:cNvPr>
+              <p14:cNvContentPartPr/>
+              <p14:nvPr/>
+            </p14:nvContentPartPr>
+            <p14:xfrm>
+              <a:off x="9487626" y="3717963"/>
+              <a:ext cx="293400" cy="297360"/>
+            </p14:xfrm>
+          </p:contentPart>
+        </mc:Choice>
+        <mc:Fallback>
+          <p:pic>
+            <p:nvPicPr>
+              <p:cNvPr id="14" name="Ink 13">
+                <a:extLst>
+                  <a:ext uri="{FF2B5EF4-FFF2-40B4-BE49-F238E27FC236}">
+                    <a16:creationId xmlns:a16="http://schemas.microsoft.com/office/drawing/2014/main" id="{EC43FEA1-96E0-7C5C-E521-DDD4687A75ED}"/>
+                  </a:ext>
+                </a:extLst>
+              </p:cNvPr>
+              <p:cNvPicPr/>
+              <p:nvPr/>
+            </p:nvPicPr>
+            <p:blipFill>
+              <a:blip r:embed="rId4"/>
+              <a:stretch>
+                <a:fillRect/>
+              </a:stretch>
+            </p:blipFill>
+            <p:spPr>
+              <a:xfrm>
+                <a:off x="9469986" y="3700323"/>
+                <a:ext cx="329040" cy="333000"/>
+              </a:xfrm>
+              <a:prstGeom prst="rect">
+                <a:avLst/>
+              </a:prstGeom>
+            </p:spPr>
+          </p:pic>
+        </mc:Fallback>
+      </mc:AlternateContent>
+      <mc:AlternateContent xmlns:mc="http://schemas.openxmlformats.org/markup-compatibility/2006">
+        <mc:Choice xmlns:p14="http://schemas.microsoft.com/office/powerpoint/2010/main" Requires="p14">
+          <p:contentPart p14:bwMode="auto" r:id="rId9">
+            <p14:nvContentPartPr>
+              <p14:cNvPr id="15" name="Ink 14">
+                <a:extLst>
+                  <a:ext uri="{FF2B5EF4-FFF2-40B4-BE49-F238E27FC236}">
+                    <a16:creationId xmlns:a16="http://schemas.microsoft.com/office/drawing/2014/main" id="{290D93E8-765D-ADA3-8679-DE170F446DB0}"/>
+                  </a:ext>
+                </a:extLst>
+              </p14:cNvPr>
+              <p14:cNvContentPartPr/>
+              <p14:nvPr/>
+            </p14:nvContentPartPr>
+            <p14:xfrm>
+              <a:off x="10372920" y="3717963"/>
+              <a:ext cx="293400" cy="297360"/>
+            </p14:xfrm>
+          </p:contentPart>
+        </mc:Choice>
+        <mc:Fallback>
+          <p:pic>
+            <p:nvPicPr>
+              <p:cNvPr id="15" name="Ink 14">
+                <a:extLst>
+                  <a:ext uri="{FF2B5EF4-FFF2-40B4-BE49-F238E27FC236}">
+                    <a16:creationId xmlns:a16="http://schemas.microsoft.com/office/drawing/2014/main" id="{290D93E8-765D-ADA3-8679-DE170F446DB0}"/>
+                  </a:ext>
+                </a:extLst>
+              </p:cNvPr>
+              <p:cNvPicPr/>
+              <p:nvPr/>
+            </p:nvPicPr>
+            <p:blipFill>
+              <a:blip r:embed="rId4"/>
+              <a:stretch>
+                <a:fillRect/>
+              </a:stretch>
+            </p:blipFill>
+            <p:spPr>
+              <a:xfrm>
+                <a:off x="10355280" y="3700323"/>
+                <a:ext cx="329040" cy="333000"/>
+              </a:xfrm>
+              <a:prstGeom prst="rect">
+                <a:avLst/>
+              </a:prstGeom>
+            </p:spPr>
+          </p:pic>
+        </mc:Fallback>
+      </mc:AlternateContent>
+      <mc:AlternateContent xmlns:mc="http://schemas.openxmlformats.org/markup-compatibility/2006">
+        <mc:Choice xmlns:p14="http://schemas.microsoft.com/office/powerpoint/2010/main" Requires="p14">
+          <p:contentPart p14:bwMode="auto" r:id="rId10">
+            <p14:nvContentPartPr>
+              <p14:cNvPr id="16" name="Ink 15">
+                <a:extLst>
+                  <a:ext uri="{FF2B5EF4-FFF2-40B4-BE49-F238E27FC236}">
+                    <a16:creationId xmlns:a16="http://schemas.microsoft.com/office/drawing/2014/main" id="{4B84A0B3-C2CA-C67D-445E-EA70899901E9}"/>
+                  </a:ext>
+                </a:extLst>
+              </p14:cNvPr>
+              <p14:cNvContentPartPr/>
+              <p14:nvPr/>
+            </p14:nvContentPartPr>
+            <p14:xfrm>
+              <a:off x="7356865" y="2991357"/>
+              <a:ext cx="293400" cy="297360"/>
+            </p14:xfrm>
+          </p:contentPart>
+        </mc:Choice>
+        <mc:Fallback>
+          <p:pic>
+            <p:nvPicPr>
+              <p:cNvPr id="16" name="Ink 15">
+                <a:extLst>
+                  <a:ext uri="{FF2B5EF4-FFF2-40B4-BE49-F238E27FC236}">
+                    <a16:creationId xmlns:a16="http://schemas.microsoft.com/office/drawing/2014/main" id="{4B84A0B3-C2CA-C67D-445E-EA70899901E9}"/>
+                  </a:ext>
+                </a:extLst>
+              </p:cNvPr>
+              <p:cNvPicPr/>
+              <p:nvPr/>
+            </p:nvPicPr>
+            <p:blipFill>
+              <a:blip r:embed="rId4"/>
+              <a:stretch>
+                <a:fillRect/>
+              </a:stretch>
+            </p:blipFill>
+            <p:spPr>
+              <a:xfrm>
+                <a:off x="7339225" y="2973717"/>
+                <a:ext cx="329040" cy="333000"/>
+              </a:xfrm>
+              <a:prstGeom prst="rect">
+                <a:avLst/>
+              </a:prstGeom>
+            </p:spPr>
+          </p:pic>
+        </mc:Fallback>
+      </mc:AlternateContent>
+      <mc:AlternateContent xmlns:mc="http://schemas.openxmlformats.org/markup-compatibility/2006">
+        <mc:Choice xmlns:p14="http://schemas.microsoft.com/office/powerpoint/2010/main" Requires="p14">
+          <p:contentPart p14:bwMode="auto" r:id="rId11">
+            <p14:nvContentPartPr>
+              <p14:cNvPr id="17" name="Ink 16">
+                <a:extLst>
+                  <a:ext uri="{FF2B5EF4-FFF2-40B4-BE49-F238E27FC236}">
+                    <a16:creationId xmlns:a16="http://schemas.microsoft.com/office/drawing/2014/main" id="{B564D228-D532-0B4C-2143-603A16FFAA78}"/>
+                  </a:ext>
+                </a:extLst>
+              </p14:cNvPr>
+              <p14:cNvContentPartPr/>
+              <p14:nvPr/>
+            </p14:nvContentPartPr>
+            <p14:xfrm>
+              <a:off x="7971602" y="2991357"/>
+              <a:ext cx="293400" cy="297360"/>
+            </p14:xfrm>
+          </p:contentPart>
+        </mc:Choice>
+        <mc:Fallback>
+          <p:pic>
+            <p:nvPicPr>
+              <p:cNvPr id="17" name="Ink 16">
+                <a:extLst>
+                  <a:ext uri="{FF2B5EF4-FFF2-40B4-BE49-F238E27FC236}">
+                    <a16:creationId xmlns:a16="http://schemas.microsoft.com/office/drawing/2014/main" id="{B564D228-D532-0B4C-2143-603A16FFAA78}"/>
+                  </a:ext>
+                </a:extLst>
+              </p:cNvPr>
+              <p:cNvPicPr/>
+              <p:nvPr/>
+            </p:nvPicPr>
+            <p:blipFill>
+              <a:blip r:embed="rId4"/>
+              <a:stretch>
+                <a:fillRect/>
+              </a:stretch>
+            </p:blipFill>
+            <p:spPr>
+              <a:xfrm>
+                <a:off x="7953962" y="2973717"/>
+                <a:ext cx="329040" cy="333000"/>
+              </a:xfrm>
+              <a:prstGeom prst="rect">
+                <a:avLst/>
+              </a:prstGeom>
+            </p:spPr>
+          </p:pic>
+        </mc:Fallback>
+      </mc:AlternateContent>
+      <mc:AlternateContent xmlns:mc="http://schemas.openxmlformats.org/markup-compatibility/2006">
+        <mc:Choice xmlns:p14="http://schemas.microsoft.com/office/powerpoint/2010/main" Requires="p14">
+          <p:contentPart p14:bwMode="auto" r:id="rId12">
+            <p14:nvContentPartPr>
+              <p14:cNvPr id="18" name="Ink 17">
+                <a:extLst>
+                  <a:ext uri="{FF2B5EF4-FFF2-40B4-BE49-F238E27FC236}">
+                    <a16:creationId xmlns:a16="http://schemas.microsoft.com/office/drawing/2014/main" id="{B3953BEA-6E2D-A7B5-EC61-0FAC0182F1E8}"/>
+                  </a:ext>
+                </a:extLst>
+              </p14:cNvPr>
+              <p14:cNvContentPartPr/>
+              <p14:nvPr/>
+            </p14:nvContentPartPr>
+            <p14:xfrm>
+              <a:off x="8614352" y="2991357"/>
+              <a:ext cx="293400" cy="297360"/>
+            </p14:xfrm>
+          </p:contentPart>
+        </mc:Choice>
+        <mc:Fallback>
+          <p:pic>
+            <p:nvPicPr>
+              <p:cNvPr id="18" name="Ink 17">
+                <a:extLst>
+                  <a:ext uri="{FF2B5EF4-FFF2-40B4-BE49-F238E27FC236}">
+                    <a16:creationId xmlns:a16="http://schemas.microsoft.com/office/drawing/2014/main" id="{B3953BEA-6E2D-A7B5-EC61-0FAC0182F1E8}"/>
+                  </a:ext>
+                </a:extLst>
+              </p:cNvPr>
+              <p:cNvPicPr/>
+              <p:nvPr/>
+            </p:nvPicPr>
+            <p:blipFill>
+              <a:blip r:embed="rId4"/>
+              <a:stretch>
+                <a:fillRect/>
+              </a:stretch>
+            </p:blipFill>
+            <p:spPr>
+              <a:xfrm>
+                <a:off x="8596712" y="2973717"/>
+                <a:ext cx="329040" cy="333000"/>
+              </a:xfrm>
+              <a:prstGeom prst="rect">
+                <a:avLst/>
+              </a:prstGeom>
+            </p:spPr>
+          </p:pic>
+        </mc:Fallback>
+      </mc:AlternateContent>
+      <mc:AlternateContent xmlns:mc="http://schemas.openxmlformats.org/markup-compatibility/2006">
+        <mc:Choice xmlns:p14="http://schemas.microsoft.com/office/powerpoint/2010/main" Requires="p14">
+          <p:contentPart p14:bwMode="auto" r:id="rId13">
+            <p14:nvContentPartPr>
+              <p14:cNvPr id="22" name="Ink 21">
+                <a:extLst>
+                  <a:ext uri="{FF2B5EF4-FFF2-40B4-BE49-F238E27FC236}">
+                    <a16:creationId xmlns:a16="http://schemas.microsoft.com/office/drawing/2014/main" id="{62DE3B72-D649-8138-D992-D925E70E2EC4}"/>
+                  </a:ext>
+                </a:extLst>
+              </p14:cNvPr>
+              <p14:cNvContentPartPr/>
+              <p14:nvPr/>
+            </p14:nvContentPartPr>
+            <p14:xfrm>
+              <a:off x="8595117" y="3865563"/>
+              <a:ext cx="859320" cy="15120"/>
+            </p14:xfrm>
+          </p:contentPart>
+        </mc:Choice>
+        <mc:Fallback>
+          <p:pic>
+            <p:nvPicPr>
+              <p:cNvPr id="22" name="Ink 21">
+                <a:extLst>
+                  <a:ext uri="{FF2B5EF4-FFF2-40B4-BE49-F238E27FC236}">
+                    <a16:creationId xmlns:a16="http://schemas.microsoft.com/office/drawing/2014/main" id="{62DE3B72-D649-8138-D992-D925E70E2EC4}"/>
+                  </a:ext>
+                </a:extLst>
+              </p:cNvPr>
+              <p:cNvPicPr/>
+              <p:nvPr/>
+            </p:nvPicPr>
+            <p:blipFill>
+              <a:blip r:embed="rId14"/>
+              <a:stretch>
+                <a:fillRect/>
+              </a:stretch>
+            </p:blipFill>
+            <p:spPr>
+              <a:xfrm>
+                <a:off x="8577477" y="3847563"/>
+                <a:ext cx="894960" cy="50760"/>
+              </a:xfrm>
+              <a:prstGeom prst="rect">
+                <a:avLst/>
+              </a:prstGeom>
+            </p:spPr>
+          </p:pic>
+        </mc:Fallback>
+      </mc:AlternateContent>
+      <mc:AlternateContent xmlns:mc="http://schemas.openxmlformats.org/markup-compatibility/2006">
+        <mc:Choice xmlns:p14="http://schemas.microsoft.com/office/powerpoint/2010/main" Requires="p14">
+          <p:contentPart p14:bwMode="auto" r:id="rId15">
+            <p14:nvContentPartPr>
+              <p14:cNvPr id="24" name="Ink 23">
+                <a:extLst>
+                  <a:ext uri="{FF2B5EF4-FFF2-40B4-BE49-F238E27FC236}">
+                    <a16:creationId xmlns:a16="http://schemas.microsoft.com/office/drawing/2014/main" id="{315F4D9A-0A42-E2BD-A0F1-773E5C0421E9}"/>
+                  </a:ext>
+                </a:extLst>
+              </p14:cNvPr>
+              <p14:cNvContentPartPr/>
+              <p14:nvPr/>
+            </p14:nvContentPartPr>
+            <p14:xfrm>
+              <a:off x="9804717" y="3891123"/>
+              <a:ext cx="545400" cy="6120"/>
+            </p14:xfrm>
+          </p:contentPart>
+        </mc:Choice>
+        <mc:Fallback>
+          <p:pic>
+            <p:nvPicPr>
+              <p:cNvPr id="24" name="Ink 23">
+                <a:extLst>
+                  <a:ext uri="{FF2B5EF4-FFF2-40B4-BE49-F238E27FC236}">
+                    <a16:creationId xmlns:a16="http://schemas.microsoft.com/office/drawing/2014/main" id="{315F4D9A-0A42-E2BD-A0F1-773E5C0421E9}"/>
+                  </a:ext>
+                </a:extLst>
+              </p:cNvPr>
+              <p:cNvPicPr/>
+              <p:nvPr/>
+            </p:nvPicPr>
+            <p:blipFill>
+              <a:blip r:embed="rId16"/>
+              <a:stretch>
+                <a:fillRect/>
+              </a:stretch>
+            </p:blipFill>
+            <p:spPr>
+              <a:xfrm>
+                <a:off x="9787077" y="3873483"/>
+                <a:ext cx="581040" cy="41760"/>
+              </a:xfrm>
+              <a:prstGeom prst="rect">
+                <a:avLst/>
+              </a:prstGeom>
+            </p:spPr>
+          </p:pic>
+        </mc:Fallback>
+      </mc:AlternateContent>
+      <p:grpSp>
+        <p:nvGrpSpPr>
+          <p:cNvPr id="27" name="Group 26">
+            <a:extLst>
+              <a:ext uri="{FF2B5EF4-FFF2-40B4-BE49-F238E27FC236}">
+                <a16:creationId xmlns:a16="http://schemas.microsoft.com/office/drawing/2014/main" id="{7A75A7A9-D08E-FC5D-74B0-6F0B7FA1129F}"/>
+              </a:ext>
+            </a:extLst>
+          </p:cNvPr>
+          <p:cNvGrpSpPr/>
+          <p:nvPr/>
+        </p:nvGrpSpPr>
+        <p:grpSpPr>
+          <a:xfrm>
+            <a:off x="6922557" y="3127923"/>
+            <a:ext cx="1286640" cy="761400"/>
+            <a:chOff x="6922557" y="3127923"/>
+            <a:chExt cx="1286640" cy="761400"/>
+          </a:xfrm>
+        </p:grpSpPr>
+        <mc:AlternateContent xmlns:mc="http://schemas.openxmlformats.org/markup-compatibility/2006">
+          <mc:Choice xmlns:p14="http://schemas.microsoft.com/office/powerpoint/2010/main" Requires="p14">
+            <p:contentPart p14:bwMode="auto" r:id="rId17">
+              <p14:nvContentPartPr>
+                <p14:cNvPr id="19" name="Ink 18">
+                  <a:extLst>
+                    <a:ext uri="{FF2B5EF4-FFF2-40B4-BE49-F238E27FC236}">
+                      <a16:creationId xmlns:a16="http://schemas.microsoft.com/office/drawing/2014/main" id="{F1AEAB51-F4E5-87DA-7637-D8D92417408D}"/>
+                    </a:ext>
+                  </a:extLst>
+                </p14:cNvPr>
+                <p14:cNvContentPartPr/>
+                <p14:nvPr/>
+              </p14:nvContentPartPr>
+              <p14:xfrm>
+                <a:off x="6922557" y="3866643"/>
+                <a:ext cx="696600" cy="18360"/>
+              </p14:xfrm>
+            </p:contentPart>
+          </mc:Choice>
+          <mc:Fallback>
+            <p:pic>
+              <p:nvPicPr>
+                <p:cNvPr id="19" name="Ink 18">
+                  <a:extLst>
+                    <a:ext uri="{FF2B5EF4-FFF2-40B4-BE49-F238E27FC236}">
+                      <a16:creationId xmlns:a16="http://schemas.microsoft.com/office/drawing/2014/main" id="{F1AEAB51-F4E5-87DA-7637-D8D92417408D}"/>
+                    </a:ext>
+                  </a:extLst>
+                </p:cNvPr>
+                <p:cNvPicPr/>
+                <p:nvPr/>
+              </p:nvPicPr>
+              <p:blipFill>
+                <a:blip r:embed="rId18"/>
+                <a:stretch>
+                  <a:fillRect/>
+                </a:stretch>
+              </p:blipFill>
+              <p:spPr>
+                <a:xfrm>
+                  <a:off x="6904557" y="3849003"/>
+                  <a:ext cx="732240" cy="54000"/>
+                </a:xfrm>
+                <a:prstGeom prst="rect">
+                  <a:avLst/>
+                </a:prstGeom>
+              </p:spPr>
+            </p:pic>
+          </mc:Fallback>
+        </mc:AlternateContent>
+        <mc:AlternateContent xmlns:mc="http://schemas.openxmlformats.org/markup-compatibility/2006">
+          <mc:Choice xmlns:p14="http://schemas.microsoft.com/office/powerpoint/2010/main" Requires="p14">
+            <p:contentPart p14:bwMode="auto" r:id="rId19">
+              <p14:nvContentPartPr>
+                <p14:cNvPr id="20" name="Ink 19">
+                  <a:extLst>
+                    <a:ext uri="{FF2B5EF4-FFF2-40B4-BE49-F238E27FC236}">
+                      <a16:creationId xmlns:a16="http://schemas.microsoft.com/office/drawing/2014/main" id="{1F7FA564-5874-6F44-D8EC-D39F37CAED03}"/>
+                    </a:ext>
+                  </a:extLst>
+                </p14:cNvPr>
+                <p14:cNvContentPartPr/>
+                <p14:nvPr/>
+              </p14:nvContentPartPr>
+              <p14:xfrm>
+                <a:off x="7960077" y="3886443"/>
+                <a:ext cx="249120" cy="2880"/>
+              </p14:xfrm>
+            </p:contentPart>
+          </mc:Choice>
+          <mc:Fallback>
+            <p:pic>
+              <p:nvPicPr>
+                <p:cNvPr id="20" name="Ink 19">
+                  <a:extLst>
+                    <a:ext uri="{FF2B5EF4-FFF2-40B4-BE49-F238E27FC236}">
+                      <a16:creationId xmlns:a16="http://schemas.microsoft.com/office/drawing/2014/main" id="{1F7FA564-5874-6F44-D8EC-D39F37CAED03}"/>
+                    </a:ext>
+                  </a:extLst>
+                </p:cNvPr>
+                <p:cNvPicPr/>
+                <p:nvPr/>
+              </p:nvPicPr>
+              <p:blipFill>
+                <a:blip r:embed="rId20"/>
+                <a:stretch>
+                  <a:fillRect/>
+                </a:stretch>
+              </p:blipFill>
+              <p:spPr>
+                <a:xfrm>
+                  <a:off x="7942077" y="3868803"/>
+                  <a:ext cx="284760" cy="38520"/>
+                </a:xfrm>
+                <a:prstGeom prst="rect">
+                  <a:avLst/>
+                </a:prstGeom>
+              </p:spPr>
+            </p:pic>
+          </mc:Fallback>
+        </mc:AlternateContent>
+        <mc:AlternateContent xmlns:mc="http://schemas.openxmlformats.org/markup-compatibility/2006">
+          <mc:Choice xmlns:p14="http://schemas.microsoft.com/office/powerpoint/2010/main" Requires="p14">
+            <p:contentPart p14:bwMode="auto" r:id="rId21">
+              <p14:nvContentPartPr>
+                <p14:cNvPr id="25" name="Ink 24">
+                  <a:extLst>
+                    <a:ext uri="{FF2B5EF4-FFF2-40B4-BE49-F238E27FC236}">
+                      <a16:creationId xmlns:a16="http://schemas.microsoft.com/office/drawing/2014/main" id="{0C66BA4E-7BCA-D871-BC7D-800C4FA03915}"/>
+                    </a:ext>
+                  </a:extLst>
+                </p14:cNvPr>
+                <p14:cNvContentPartPr/>
+                <p14:nvPr/>
+              </p14:nvContentPartPr>
+              <p14:xfrm>
+                <a:off x="7052157" y="3127923"/>
+                <a:ext cx="308520" cy="755280"/>
+              </p14:xfrm>
+            </p:contentPart>
+          </mc:Choice>
+          <mc:Fallback>
+            <p:pic>
+              <p:nvPicPr>
+                <p:cNvPr id="25" name="Ink 24">
+                  <a:extLst>
+                    <a:ext uri="{FF2B5EF4-FFF2-40B4-BE49-F238E27FC236}">
+                      <a16:creationId xmlns:a16="http://schemas.microsoft.com/office/drawing/2014/main" id="{0C66BA4E-7BCA-D871-BC7D-800C4FA03915}"/>
+                    </a:ext>
+                  </a:extLst>
+                </p:cNvPr>
+                <p:cNvPicPr/>
+                <p:nvPr/>
+              </p:nvPicPr>
+              <p:blipFill>
+                <a:blip r:embed="rId22"/>
+                <a:stretch>
+                  <a:fillRect/>
+                </a:stretch>
+              </p:blipFill>
+              <p:spPr>
+                <a:xfrm>
+                  <a:off x="7034517" y="3110283"/>
+                  <a:ext cx="344160" cy="790920"/>
+                </a:xfrm>
+                <a:prstGeom prst="rect">
+                  <a:avLst/>
+                </a:prstGeom>
+              </p:spPr>
+            </p:pic>
+          </mc:Fallback>
+        </mc:AlternateContent>
+        <mc:AlternateContent xmlns:mc="http://schemas.openxmlformats.org/markup-compatibility/2006">
+          <mc:Choice xmlns:p14="http://schemas.microsoft.com/office/powerpoint/2010/main" Requires="p14">
+            <p:contentPart p14:bwMode="auto" r:id="rId23">
+              <p14:nvContentPartPr>
+                <p14:cNvPr id="26" name="Ink 25">
+                  <a:extLst>
+                    <a:ext uri="{FF2B5EF4-FFF2-40B4-BE49-F238E27FC236}">
+                      <a16:creationId xmlns:a16="http://schemas.microsoft.com/office/drawing/2014/main" id="{AF91AB1D-5DDC-A645-90D2-E59A229124CE}"/>
+                    </a:ext>
+                  </a:extLst>
+                </p14:cNvPr>
+                <p14:cNvContentPartPr/>
+                <p14:nvPr/>
+              </p14:nvContentPartPr>
+              <p14:xfrm>
+                <a:off x="7688637" y="3149883"/>
+                <a:ext cx="253800" cy="360"/>
+              </p14:xfrm>
+            </p:contentPart>
+          </mc:Choice>
+          <mc:Fallback>
+            <p:pic>
+              <p:nvPicPr>
+                <p:cNvPr id="26" name="Ink 25">
+                  <a:extLst>
+                    <a:ext uri="{FF2B5EF4-FFF2-40B4-BE49-F238E27FC236}">
+                      <a16:creationId xmlns:a16="http://schemas.microsoft.com/office/drawing/2014/main" id="{AF91AB1D-5DDC-A645-90D2-E59A229124CE}"/>
+                    </a:ext>
+                  </a:extLst>
+                </p:cNvPr>
+                <p:cNvPicPr/>
+                <p:nvPr/>
+              </p:nvPicPr>
+              <p:blipFill>
+                <a:blip r:embed="rId24"/>
+                <a:stretch>
+                  <a:fillRect/>
+                </a:stretch>
+              </p:blipFill>
+              <p:spPr>
+                <a:xfrm>
+                  <a:off x="7670637" y="3132243"/>
+                  <a:ext cx="289440" cy="36000"/>
+                </a:xfrm>
+                <a:prstGeom prst="rect">
+                  <a:avLst/>
+                </a:prstGeom>
+              </p:spPr>
+            </p:pic>
+          </mc:Fallback>
+        </mc:AlternateContent>
+      </p:grpSp>
+      <mc:AlternateContent xmlns:mc="http://schemas.openxmlformats.org/markup-compatibility/2006">
+        <mc:Choice xmlns:p14="http://schemas.microsoft.com/office/powerpoint/2010/main" Requires="p14">
+          <p:contentPart p14:bwMode="auto" r:id="rId25">
+            <p14:nvContentPartPr>
+              <p14:cNvPr id="31" name="Ink 30">
+                <a:extLst>
+                  <a:ext uri="{FF2B5EF4-FFF2-40B4-BE49-F238E27FC236}">
+                    <a16:creationId xmlns:a16="http://schemas.microsoft.com/office/drawing/2014/main" id="{65C153A1-AC02-BF9A-ECF4-439B426400D9}"/>
+                  </a:ext>
+                </a:extLst>
+              </p14:cNvPr>
+              <p14:cNvContentPartPr/>
+              <p14:nvPr/>
+            </p14:nvContentPartPr>
+            <p14:xfrm>
+              <a:off x="8309637" y="3141243"/>
+              <a:ext cx="264240" cy="11880"/>
+            </p14:xfrm>
+          </p:contentPart>
+        </mc:Choice>
+        <mc:Fallback>
+          <p:pic>
+            <p:nvPicPr>
+              <p:cNvPr id="31" name="Ink 30">
+                <a:extLst>
+                  <a:ext uri="{FF2B5EF4-FFF2-40B4-BE49-F238E27FC236}">
+                    <a16:creationId xmlns:a16="http://schemas.microsoft.com/office/drawing/2014/main" id="{65C153A1-AC02-BF9A-ECF4-439B426400D9}"/>
+                  </a:ext>
+                </a:extLst>
+              </p:cNvPr>
+              <p:cNvPicPr/>
+              <p:nvPr/>
+            </p:nvPicPr>
+            <p:blipFill>
+              <a:blip r:embed="rId26"/>
+              <a:stretch>
+                <a:fillRect/>
+              </a:stretch>
+            </p:blipFill>
+            <p:spPr>
+              <a:xfrm>
+                <a:off x="8291997" y="3123603"/>
+                <a:ext cx="299880" cy="47520"/>
+              </a:xfrm>
+              <a:prstGeom prst="rect">
+                <a:avLst/>
+              </a:prstGeom>
+            </p:spPr>
+          </p:pic>
+        </mc:Fallback>
+      </mc:AlternateContent>
+      <mc:AlternateContent xmlns:mc="http://schemas.openxmlformats.org/markup-compatibility/2006">
+        <mc:Choice xmlns:p14="http://schemas.microsoft.com/office/powerpoint/2010/main" Requires="p14">
+          <p:contentPart p14:bwMode="auto" r:id="rId27">
+            <p14:nvContentPartPr>
+              <p14:cNvPr id="35" name="Ink 34">
+                <a:extLst>
+                  <a:ext uri="{FF2B5EF4-FFF2-40B4-BE49-F238E27FC236}">
+                    <a16:creationId xmlns:a16="http://schemas.microsoft.com/office/drawing/2014/main" id="{913B5B42-66C5-486B-9BF0-0B9722FC183A}"/>
+                  </a:ext>
+                </a:extLst>
+              </p14:cNvPr>
+              <p14:cNvContentPartPr/>
+              <p14:nvPr/>
+            </p14:nvContentPartPr>
+            <p14:xfrm>
+              <a:off x="8929197" y="3154563"/>
+              <a:ext cx="459720" cy="706680"/>
+            </p14:xfrm>
+          </p:contentPart>
+        </mc:Choice>
+        <mc:Fallback>
+          <p:pic>
+            <p:nvPicPr>
+              <p:cNvPr id="35" name="Ink 34">
+                <a:extLst>
+                  <a:ext uri="{FF2B5EF4-FFF2-40B4-BE49-F238E27FC236}">
+                    <a16:creationId xmlns:a16="http://schemas.microsoft.com/office/drawing/2014/main" id="{913B5B42-66C5-486B-9BF0-0B9722FC183A}"/>
+                  </a:ext>
+                </a:extLst>
+              </p:cNvPr>
+              <p:cNvPicPr/>
+              <p:nvPr/>
+            </p:nvPicPr>
+            <p:blipFill>
+              <a:blip r:embed="rId28"/>
+              <a:stretch>
+                <a:fillRect/>
+              </a:stretch>
+            </p:blipFill>
+            <p:spPr>
+              <a:xfrm>
+                <a:off x="8911197" y="3136923"/>
+                <a:ext cx="495360" cy="742320"/>
+              </a:xfrm>
+              <a:prstGeom prst="rect">
+                <a:avLst/>
+              </a:prstGeom>
+            </p:spPr>
+          </p:pic>
+        </mc:Fallback>
+      </mc:AlternateContent>
+      <mc:AlternateContent xmlns:mc="http://schemas.openxmlformats.org/markup-compatibility/2006">
+        <mc:Choice xmlns:p14="http://schemas.microsoft.com/office/powerpoint/2010/main" Requires="p14">
+          <p:contentPart p14:bwMode="auto" r:id="rId29">
+            <p14:nvContentPartPr>
+              <p14:cNvPr id="36" name="Ink 35">
+                <a:extLst>
+                  <a:ext uri="{FF2B5EF4-FFF2-40B4-BE49-F238E27FC236}">
+                    <a16:creationId xmlns:a16="http://schemas.microsoft.com/office/drawing/2014/main" id="{10991127-F3F8-B2BC-440E-31528511A37C}"/>
+                  </a:ext>
+                </a:extLst>
+              </p14:cNvPr>
+              <p14:cNvContentPartPr/>
+              <p14:nvPr/>
+            </p14:nvContentPartPr>
+            <p14:xfrm>
+              <a:off x="8608077" y="3888963"/>
+              <a:ext cx="387360" cy="474120"/>
+            </p14:xfrm>
+          </p:contentPart>
+        </mc:Choice>
+        <mc:Fallback>
+          <p:pic>
+            <p:nvPicPr>
+              <p:cNvPr id="36" name="Ink 35">
+                <a:extLst>
+                  <a:ext uri="{FF2B5EF4-FFF2-40B4-BE49-F238E27FC236}">
+                    <a16:creationId xmlns:a16="http://schemas.microsoft.com/office/drawing/2014/main" id="{10991127-F3F8-B2BC-440E-31528511A37C}"/>
+                  </a:ext>
+                </a:extLst>
+              </p:cNvPr>
+              <p:cNvPicPr/>
+              <p:nvPr/>
+            </p:nvPicPr>
+            <p:blipFill>
+              <a:blip r:embed="rId30"/>
+              <a:stretch>
+                <a:fillRect/>
+              </a:stretch>
+            </p:blipFill>
+            <p:spPr>
+              <a:xfrm>
+                <a:off x="8590437" y="3871323"/>
+                <a:ext cx="423000" cy="509760"/>
+              </a:xfrm>
+              <a:prstGeom prst="rect">
+                <a:avLst/>
+              </a:prstGeom>
+            </p:spPr>
+          </p:pic>
+        </mc:Fallback>
+      </mc:AlternateContent>
+      <mc:AlternateContent xmlns:mc="http://schemas.openxmlformats.org/markup-compatibility/2006">
+        <mc:Choice xmlns:p14="http://schemas.microsoft.com/office/powerpoint/2010/main" Requires="p14">
+          <p:contentPart p14:bwMode="auto" r:id="rId31">
+            <p14:nvContentPartPr>
+              <p14:cNvPr id="38" name="Ink 37">
+                <a:extLst>
+                  <a:ext uri="{FF2B5EF4-FFF2-40B4-BE49-F238E27FC236}">
+                    <a16:creationId xmlns:a16="http://schemas.microsoft.com/office/drawing/2014/main" id="{3672B785-E48B-E4C6-0572-429B9BB35954}"/>
+                  </a:ext>
+                </a:extLst>
+              </p14:cNvPr>
+              <p14:cNvContentPartPr/>
+              <p14:nvPr/>
+            </p14:nvContentPartPr>
+            <p14:xfrm>
+              <a:off x="9354717" y="3903003"/>
+              <a:ext cx="798840" cy="485280"/>
+            </p14:xfrm>
+          </p:contentPart>
+        </mc:Choice>
+        <mc:Fallback>
+          <p:pic>
+            <p:nvPicPr>
+              <p:cNvPr id="38" name="Ink 37">
+                <a:extLst>
+                  <a:ext uri="{FF2B5EF4-FFF2-40B4-BE49-F238E27FC236}">
+                    <a16:creationId xmlns:a16="http://schemas.microsoft.com/office/drawing/2014/main" id="{3672B785-E48B-E4C6-0572-429B9BB35954}"/>
+                  </a:ext>
+                </a:extLst>
+              </p:cNvPr>
+              <p:cNvPicPr/>
+              <p:nvPr/>
+            </p:nvPicPr>
+            <p:blipFill>
+              <a:blip r:embed="rId32"/>
+              <a:stretch>
+                <a:fillRect/>
+              </a:stretch>
+            </p:blipFill>
+            <p:spPr>
+              <a:xfrm>
+                <a:off x="9336717" y="3885363"/>
+                <a:ext cx="834480" cy="520920"/>
+              </a:xfrm>
+              <a:prstGeom prst="rect">
+                <a:avLst/>
+              </a:prstGeom>
+            </p:spPr>
+          </p:pic>
+        </mc:Fallback>
+      </mc:AlternateContent>
+      <mc:AlternateContent xmlns:mc="http://schemas.openxmlformats.org/markup-compatibility/2006">
+        <mc:Choice xmlns:p14="http://schemas.microsoft.com/office/powerpoint/2010/main" Requires="p14">
+          <p:contentPart p14:bwMode="auto" r:id="rId33">
+            <p14:nvContentPartPr>
+              <p14:cNvPr id="39" name="Ink 38">
+                <a:extLst>
+                  <a:ext uri="{FF2B5EF4-FFF2-40B4-BE49-F238E27FC236}">
+                    <a16:creationId xmlns:a16="http://schemas.microsoft.com/office/drawing/2014/main" id="{0F2D6095-0DAB-4F99-38A8-4A18EF6E890E}"/>
+                  </a:ext>
+                </a:extLst>
+              </p14:cNvPr>
+              <p14:cNvContentPartPr/>
+              <p14:nvPr/>
+            </p14:nvContentPartPr>
+            <p14:xfrm>
+              <a:off x="6640677" y="3863763"/>
+              <a:ext cx="128160" cy="34920"/>
+            </p14:xfrm>
+          </p:contentPart>
+        </mc:Choice>
+        <mc:Fallback>
+          <p:pic>
+            <p:nvPicPr>
+              <p:cNvPr id="39" name="Ink 38">
+                <a:extLst>
+                  <a:ext uri="{FF2B5EF4-FFF2-40B4-BE49-F238E27FC236}">
+                    <a16:creationId xmlns:a16="http://schemas.microsoft.com/office/drawing/2014/main" id="{0F2D6095-0DAB-4F99-38A8-4A18EF6E890E}"/>
+                  </a:ext>
+                </a:extLst>
+              </p:cNvPr>
+              <p:cNvPicPr/>
+              <p:nvPr/>
+            </p:nvPicPr>
+            <p:blipFill>
+              <a:blip r:embed="rId34"/>
+              <a:stretch>
+                <a:fillRect/>
+              </a:stretch>
+            </p:blipFill>
+            <p:spPr>
+              <a:xfrm>
+                <a:off x="6586677" y="3756123"/>
+                <a:ext cx="235800" cy="250560"/>
+              </a:xfrm>
+              <a:prstGeom prst="rect">
+                <a:avLst/>
+              </a:prstGeom>
+            </p:spPr>
+          </p:pic>
+        </mc:Fallback>
+      </mc:AlternateContent>
+      <mc:AlternateContent xmlns:mc="http://schemas.openxmlformats.org/markup-compatibility/2006">
+        <mc:Choice xmlns:p14="http://schemas.microsoft.com/office/powerpoint/2010/main" Requires="p14">
+          <p:contentPart p14:bwMode="auto" r:id="rId35">
+            <p14:nvContentPartPr>
+              <p14:cNvPr id="40" name="Ink 39">
+                <a:extLst>
+                  <a:ext uri="{FF2B5EF4-FFF2-40B4-BE49-F238E27FC236}">
+                    <a16:creationId xmlns:a16="http://schemas.microsoft.com/office/drawing/2014/main" id="{17C6C64E-78FF-7740-26A4-6385826D0D9B}"/>
+                  </a:ext>
+                </a:extLst>
+              </p14:cNvPr>
+              <p14:cNvContentPartPr/>
+              <p14:nvPr/>
+            </p14:nvContentPartPr>
+            <p14:xfrm>
+              <a:off x="7736877" y="3850083"/>
+              <a:ext cx="108360" cy="42120"/>
+            </p14:xfrm>
+          </p:contentPart>
+        </mc:Choice>
+        <mc:Fallback>
+          <p:pic>
+            <p:nvPicPr>
+              <p:cNvPr id="40" name="Ink 39">
+                <a:extLst>
+                  <a:ext uri="{FF2B5EF4-FFF2-40B4-BE49-F238E27FC236}">
+                    <a16:creationId xmlns:a16="http://schemas.microsoft.com/office/drawing/2014/main" id="{17C6C64E-78FF-7740-26A4-6385826D0D9B}"/>
+                  </a:ext>
+                </a:extLst>
+              </p:cNvPr>
+              <p:cNvPicPr/>
+              <p:nvPr/>
+            </p:nvPicPr>
+            <p:blipFill>
+              <a:blip r:embed="rId36"/>
+              <a:stretch>
+                <a:fillRect/>
+              </a:stretch>
+            </p:blipFill>
+            <p:spPr>
+              <a:xfrm>
+                <a:off x="7683237" y="3742083"/>
+                <a:ext cx="216000" cy="257760"/>
+              </a:xfrm>
+              <a:prstGeom prst="rect">
+                <a:avLst/>
+              </a:prstGeom>
+            </p:spPr>
+          </p:pic>
+        </mc:Fallback>
+      </mc:AlternateContent>
+      <mc:AlternateContent xmlns:mc="http://schemas.openxmlformats.org/markup-compatibility/2006">
+        <mc:Choice xmlns:p14="http://schemas.microsoft.com/office/powerpoint/2010/main" Requires="p14">
+          <p:contentPart p14:bwMode="auto" r:id="rId37">
+            <p14:nvContentPartPr>
+              <p14:cNvPr id="41" name="Ink 40">
+                <a:extLst>
+                  <a:ext uri="{FF2B5EF4-FFF2-40B4-BE49-F238E27FC236}">
+                    <a16:creationId xmlns:a16="http://schemas.microsoft.com/office/drawing/2014/main" id="{FE4341E9-EBCA-07CA-B712-3828D87EBE00}"/>
+                  </a:ext>
+                </a:extLst>
+              </p14:cNvPr>
+              <p14:cNvContentPartPr/>
+              <p14:nvPr/>
+            </p14:nvContentPartPr>
+            <p14:xfrm>
+              <a:off x="8349597" y="3836763"/>
+              <a:ext cx="135720" cy="60120"/>
+            </p14:xfrm>
+          </p:contentPart>
+        </mc:Choice>
+        <mc:Fallback>
+          <p:pic>
+            <p:nvPicPr>
+              <p:cNvPr id="41" name="Ink 40">
+                <a:extLst>
+                  <a:ext uri="{FF2B5EF4-FFF2-40B4-BE49-F238E27FC236}">
+                    <a16:creationId xmlns:a16="http://schemas.microsoft.com/office/drawing/2014/main" id="{FE4341E9-EBCA-07CA-B712-3828D87EBE00}"/>
+                  </a:ext>
+                </a:extLst>
+              </p:cNvPr>
+              <p:cNvPicPr/>
+              <p:nvPr/>
+            </p:nvPicPr>
+            <p:blipFill>
+              <a:blip r:embed="rId38"/>
+              <a:stretch>
+                <a:fillRect/>
+              </a:stretch>
+            </p:blipFill>
+            <p:spPr>
+              <a:xfrm>
+                <a:off x="8295597" y="3729123"/>
+                <a:ext cx="243360" cy="275760"/>
+              </a:xfrm>
+              <a:prstGeom prst="rect">
+                <a:avLst/>
+              </a:prstGeom>
+            </p:spPr>
+          </p:pic>
+        </mc:Fallback>
+      </mc:AlternateContent>
+      <mc:AlternateContent xmlns:mc="http://schemas.openxmlformats.org/markup-compatibility/2006">
+        <mc:Choice xmlns:p14="http://schemas.microsoft.com/office/powerpoint/2010/main" Requires="p14">
+          <p:contentPart p14:bwMode="auto" r:id="rId39">
+            <p14:nvContentPartPr>
+              <p14:cNvPr id="42" name="Ink 41">
+                <a:extLst>
+                  <a:ext uri="{FF2B5EF4-FFF2-40B4-BE49-F238E27FC236}">
+                    <a16:creationId xmlns:a16="http://schemas.microsoft.com/office/drawing/2014/main" id="{182BF628-A91E-F0AB-58E0-5EEAAF910894}"/>
+                  </a:ext>
+                </a:extLst>
+              </p14:cNvPr>
+              <p14:cNvContentPartPr/>
+              <p14:nvPr/>
+            </p14:nvContentPartPr>
+            <p14:xfrm>
+              <a:off x="9576837" y="3839643"/>
+              <a:ext cx="121680" cy="42120"/>
+            </p14:xfrm>
+          </p:contentPart>
+        </mc:Choice>
+        <mc:Fallback>
+          <p:pic>
+            <p:nvPicPr>
+              <p:cNvPr id="42" name="Ink 41">
+                <a:extLst>
+                  <a:ext uri="{FF2B5EF4-FFF2-40B4-BE49-F238E27FC236}">
+                    <a16:creationId xmlns:a16="http://schemas.microsoft.com/office/drawing/2014/main" id="{182BF628-A91E-F0AB-58E0-5EEAAF910894}"/>
+                  </a:ext>
+                </a:extLst>
+              </p:cNvPr>
+              <p:cNvPicPr/>
+              <p:nvPr/>
+            </p:nvPicPr>
+            <p:blipFill>
+              <a:blip r:embed="rId40"/>
+              <a:stretch>
+                <a:fillRect/>
+              </a:stretch>
+            </p:blipFill>
+            <p:spPr>
+              <a:xfrm>
+                <a:off x="9522837" y="3732003"/>
+                <a:ext cx="229320" cy="257760"/>
+              </a:xfrm>
+              <a:prstGeom prst="rect">
+                <a:avLst/>
+              </a:prstGeom>
+            </p:spPr>
+          </p:pic>
+        </mc:Fallback>
+      </mc:AlternateContent>
+      <mc:AlternateContent xmlns:mc="http://schemas.openxmlformats.org/markup-compatibility/2006">
+        <mc:Choice xmlns:p14="http://schemas.microsoft.com/office/powerpoint/2010/main" Requires="p14">
+          <p:contentPart p14:bwMode="auto" r:id="rId41">
+            <p14:nvContentPartPr>
+              <p14:cNvPr id="43" name="Ink 42">
+                <a:extLst>
+                  <a:ext uri="{FF2B5EF4-FFF2-40B4-BE49-F238E27FC236}">
+                    <a16:creationId xmlns:a16="http://schemas.microsoft.com/office/drawing/2014/main" id="{8544ECC7-17FF-4C97-3C31-A51D07F0C434}"/>
+                  </a:ext>
+                </a:extLst>
+              </p14:cNvPr>
+              <p14:cNvContentPartPr/>
+              <p14:nvPr/>
+            </p14:nvContentPartPr>
+            <p14:xfrm>
+              <a:off x="10453437" y="3829203"/>
+              <a:ext cx="140760" cy="75600"/>
+            </p14:xfrm>
+          </p:contentPart>
+        </mc:Choice>
+        <mc:Fallback>
+          <p:pic>
+            <p:nvPicPr>
+              <p:cNvPr id="43" name="Ink 42">
+                <a:extLst>
+                  <a:ext uri="{FF2B5EF4-FFF2-40B4-BE49-F238E27FC236}">
+                    <a16:creationId xmlns:a16="http://schemas.microsoft.com/office/drawing/2014/main" id="{8544ECC7-17FF-4C97-3C31-A51D07F0C434}"/>
+                  </a:ext>
+                </a:extLst>
+              </p:cNvPr>
+              <p:cNvPicPr/>
+              <p:nvPr/>
+            </p:nvPicPr>
+            <p:blipFill>
+              <a:blip r:embed="rId42"/>
+              <a:stretch>
+                <a:fillRect/>
+              </a:stretch>
+            </p:blipFill>
+            <p:spPr>
+              <a:xfrm>
+                <a:off x="10399437" y="3721563"/>
+                <a:ext cx="248400" cy="291240"/>
+              </a:xfrm>
+              <a:prstGeom prst="rect">
+                <a:avLst/>
+              </a:prstGeom>
+            </p:spPr>
+          </p:pic>
+        </mc:Fallback>
+      </mc:AlternateContent>
+      <mc:AlternateContent xmlns:mc="http://schemas.openxmlformats.org/markup-compatibility/2006">
+        <mc:Choice xmlns:p14="http://schemas.microsoft.com/office/powerpoint/2010/main" Requires="p14">
+          <p:contentPart p14:bwMode="auto" r:id="rId43">
+            <p14:nvContentPartPr>
+              <p14:cNvPr id="44" name="Ink 43">
+                <a:extLst>
+                  <a:ext uri="{FF2B5EF4-FFF2-40B4-BE49-F238E27FC236}">
+                    <a16:creationId xmlns:a16="http://schemas.microsoft.com/office/drawing/2014/main" id="{4F9C010B-C510-2551-253C-C3A995A1E83F}"/>
+                  </a:ext>
+                </a:extLst>
+              </p14:cNvPr>
+              <p14:cNvContentPartPr/>
+              <p14:nvPr/>
+            </p14:nvContentPartPr>
+            <p14:xfrm>
+              <a:off x="9104517" y="4360923"/>
+              <a:ext cx="149760" cy="36000"/>
+            </p14:xfrm>
+          </p:contentPart>
+        </mc:Choice>
+        <mc:Fallback>
+          <p:pic>
+            <p:nvPicPr>
+              <p:cNvPr id="44" name="Ink 43">
+                <a:extLst>
+                  <a:ext uri="{FF2B5EF4-FFF2-40B4-BE49-F238E27FC236}">
+                    <a16:creationId xmlns:a16="http://schemas.microsoft.com/office/drawing/2014/main" id="{4F9C010B-C510-2551-253C-C3A995A1E83F}"/>
+                  </a:ext>
+                </a:extLst>
+              </p:cNvPr>
+              <p:cNvPicPr/>
+              <p:nvPr/>
+            </p:nvPicPr>
+            <p:blipFill>
+              <a:blip r:embed="rId44"/>
+              <a:stretch>
+                <a:fillRect/>
+              </a:stretch>
+            </p:blipFill>
+            <p:spPr>
+              <a:xfrm>
+                <a:off x="9050517" y="4252923"/>
+                <a:ext cx="257400" cy="251640"/>
+              </a:xfrm>
+              <a:prstGeom prst="rect">
+                <a:avLst/>
+              </a:prstGeom>
+            </p:spPr>
+          </p:pic>
+        </mc:Fallback>
+      </mc:AlternateContent>
+      <mc:AlternateContent xmlns:mc="http://schemas.openxmlformats.org/markup-compatibility/2006">
+        <mc:Choice xmlns:p14="http://schemas.microsoft.com/office/powerpoint/2010/main" Requires="p14">
+          <p:contentPart p14:bwMode="auto" r:id="rId45">
+            <p14:nvContentPartPr>
+              <p14:cNvPr id="45" name="Ink 44">
+                <a:extLst>
+                  <a:ext uri="{FF2B5EF4-FFF2-40B4-BE49-F238E27FC236}">
+                    <a16:creationId xmlns:a16="http://schemas.microsoft.com/office/drawing/2014/main" id="{7B77AF9E-42F4-A93C-A71C-14B8D581660D}"/>
+                  </a:ext>
+                </a:extLst>
+              </p14:cNvPr>
+              <p14:cNvContentPartPr/>
+              <p14:nvPr/>
+            </p14:nvContentPartPr>
+            <p14:xfrm>
+              <a:off x="7417917" y="3142683"/>
+              <a:ext cx="155160" cy="37440"/>
+            </p14:xfrm>
+          </p:contentPart>
+        </mc:Choice>
+        <mc:Fallback>
+          <p:pic>
+            <p:nvPicPr>
+              <p:cNvPr id="45" name="Ink 44">
+                <a:extLst>
+                  <a:ext uri="{FF2B5EF4-FFF2-40B4-BE49-F238E27FC236}">
+                    <a16:creationId xmlns:a16="http://schemas.microsoft.com/office/drawing/2014/main" id="{7B77AF9E-42F4-A93C-A71C-14B8D581660D}"/>
+                  </a:ext>
+                </a:extLst>
+              </p:cNvPr>
+              <p:cNvPicPr/>
+              <p:nvPr/>
+            </p:nvPicPr>
+            <p:blipFill>
+              <a:blip r:embed="rId46"/>
+              <a:stretch>
+                <a:fillRect/>
+              </a:stretch>
+            </p:blipFill>
+            <p:spPr>
+              <a:xfrm>
+                <a:off x="7364277" y="3034683"/>
+                <a:ext cx="262800" cy="253080"/>
+              </a:xfrm>
+              <a:prstGeom prst="rect">
+                <a:avLst/>
+              </a:prstGeom>
+            </p:spPr>
+          </p:pic>
+        </mc:Fallback>
+      </mc:AlternateContent>
+      <mc:AlternateContent xmlns:mc="http://schemas.openxmlformats.org/markup-compatibility/2006">
+        <mc:Choice xmlns:p14="http://schemas.microsoft.com/office/powerpoint/2010/main" Requires="p14">
+          <p:contentPart p14:bwMode="auto" r:id="rId47">
+            <p14:nvContentPartPr>
+              <p14:cNvPr id="46" name="Ink 45">
+                <a:extLst>
+                  <a:ext uri="{FF2B5EF4-FFF2-40B4-BE49-F238E27FC236}">
+                    <a16:creationId xmlns:a16="http://schemas.microsoft.com/office/drawing/2014/main" id="{A231FCFD-4EEA-14A3-4CAC-5A5348182C42}"/>
+                  </a:ext>
+                </a:extLst>
+              </p14:cNvPr>
+              <p14:cNvContentPartPr/>
+              <p14:nvPr/>
+            </p14:nvContentPartPr>
+            <p14:xfrm>
+              <a:off x="8047917" y="3110283"/>
+              <a:ext cx="123840" cy="67680"/>
+            </p14:xfrm>
+          </p:contentPart>
+        </mc:Choice>
+        <mc:Fallback>
+          <p:pic>
+            <p:nvPicPr>
+              <p:cNvPr id="46" name="Ink 45">
+                <a:extLst>
+                  <a:ext uri="{FF2B5EF4-FFF2-40B4-BE49-F238E27FC236}">
+                    <a16:creationId xmlns:a16="http://schemas.microsoft.com/office/drawing/2014/main" id="{A231FCFD-4EEA-14A3-4CAC-5A5348182C42}"/>
+                  </a:ext>
+                </a:extLst>
+              </p:cNvPr>
+              <p:cNvPicPr/>
+              <p:nvPr/>
+            </p:nvPicPr>
+            <p:blipFill>
+              <a:blip r:embed="rId48"/>
+              <a:stretch>
+                <a:fillRect/>
+              </a:stretch>
+            </p:blipFill>
+            <p:spPr>
+              <a:xfrm>
+                <a:off x="7994277" y="3002283"/>
+                <a:ext cx="231480" cy="283320"/>
+              </a:xfrm>
+              <a:prstGeom prst="rect">
+                <a:avLst/>
+              </a:prstGeom>
+            </p:spPr>
+          </p:pic>
+        </mc:Fallback>
+      </mc:AlternateContent>
+      <mc:AlternateContent xmlns:mc="http://schemas.openxmlformats.org/markup-compatibility/2006">
+        <mc:Choice xmlns:p14="http://schemas.microsoft.com/office/powerpoint/2010/main" Requires="p14">
+          <p:contentPart p14:bwMode="auto" r:id="rId49">
+            <p14:nvContentPartPr>
+              <p14:cNvPr id="47" name="Ink 46">
+                <a:extLst>
+                  <a:ext uri="{FF2B5EF4-FFF2-40B4-BE49-F238E27FC236}">
+                    <a16:creationId xmlns:a16="http://schemas.microsoft.com/office/drawing/2014/main" id="{DF04296D-888F-6C12-D71E-2E1B8DFD3FC3}"/>
+                  </a:ext>
+                </a:extLst>
+              </p14:cNvPr>
+              <p14:cNvContentPartPr/>
+              <p14:nvPr/>
+            </p14:nvContentPartPr>
+            <p14:xfrm>
+              <a:off x="8703837" y="3133683"/>
+              <a:ext cx="124560" cy="15120"/>
+            </p14:xfrm>
+          </p:contentPart>
+        </mc:Choice>
+        <mc:Fallback>
+          <p:pic>
+            <p:nvPicPr>
+              <p:cNvPr id="47" name="Ink 46">
+                <a:extLst>
+                  <a:ext uri="{FF2B5EF4-FFF2-40B4-BE49-F238E27FC236}">
+                    <a16:creationId xmlns:a16="http://schemas.microsoft.com/office/drawing/2014/main" id="{DF04296D-888F-6C12-D71E-2E1B8DFD3FC3}"/>
+                  </a:ext>
+                </a:extLst>
+              </p:cNvPr>
+              <p:cNvPicPr/>
+              <p:nvPr/>
+            </p:nvPicPr>
+            <p:blipFill>
+              <a:blip r:embed="rId50"/>
+              <a:stretch>
+                <a:fillRect/>
+              </a:stretch>
+            </p:blipFill>
+            <p:spPr>
+              <a:xfrm>
+                <a:off x="8650197" y="3025683"/>
+                <a:ext cx="232200" cy="230760"/>
+              </a:xfrm>
+              <a:prstGeom prst="rect">
+                <a:avLst/>
+              </a:prstGeom>
+            </p:spPr>
+          </p:pic>
+        </mc:Fallback>
+      </mc:AlternateContent>
+      <p:sp>
+        <p:nvSpPr>
+          <p:cNvPr id="48" name="TextBox 47">
+            <a:extLst>
+              <a:ext uri="{FF2B5EF4-FFF2-40B4-BE49-F238E27FC236}">
+                <a16:creationId xmlns:a16="http://schemas.microsoft.com/office/drawing/2014/main" id="{601F2F82-774D-4D04-2E67-B46C1D938B8D}"/>
+              </a:ext>
+            </a:extLst>
+          </p:cNvPr>
+          <p:cNvSpPr txBox="1"/>
+          <p:nvPr/>
+        </p:nvSpPr>
+        <p:spPr>
+          <a:xfrm>
+            <a:off x="7471316" y="2546362"/>
+            <a:ext cx="1153201" cy="369332"/>
+          </a:xfrm>
+          <a:prstGeom prst="rect">
+            <a:avLst/>
+          </a:prstGeom>
+          <a:noFill/>
+        </p:spPr>
+        <p:txBody>
+          <a:bodyPr wrap="none" rtlCol="0">
+            <a:spAutoFit/>
+          </a:bodyPr>
+          <a:lstStyle/>
+          <a:p>
+            <a:r>
+              <a:rPr lang="en-US" b="1" dirty="0">
+                <a:solidFill>
+                  <a:srgbClr val="002060"/>
+                </a:solidFill>
+              </a:rPr>
+              <a:t>Your work</a:t>
+            </a:r>
+          </a:p>
+        </p:txBody>
+      </p:sp>
+      <p:sp>
+        <p:nvSpPr>
+          <p:cNvPr id="49" name="TextBox 48">
+            <a:extLst>
+              <a:ext uri="{FF2B5EF4-FFF2-40B4-BE49-F238E27FC236}">
+                <a16:creationId xmlns:a16="http://schemas.microsoft.com/office/drawing/2014/main" id="{F9A6559F-DFAF-A89D-4849-E9FABAE567D1}"/>
+              </a:ext>
+            </a:extLst>
+          </p:cNvPr>
+          <p:cNvSpPr txBox="1"/>
+          <p:nvPr/>
+        </p:nvSpPr>
+        <p:spPr>
+          <a:xfrm>
+            <a:off x="8076001" y="4605737"/>
+            <a:ext cx="2189574" cy="369332"/>
+          </a:xfrm>
+          <a:prstGeom prst="rect">
+            <a:avLst/>
+          </a:prstGeom>
+          <a:noFill/>
+        </p:spPr>
+        <p:txBody>
+          <a:bodyPr wrap="none" rtlCol="0">
+            <a:spAutoFit/>
+          </a:bodyPr>
+          <a:lstStyle/>
+          <a:p>
+            <a:r>
+              <a:rPr lang="en-US" b="1" dirty="0">
+                <a:solidFill>
+                  <a:srgbClr val="FF0000"/>
+                </a:solidFill>
+              </a:rPr>
+              <a:t>Someone else’s work</a:t>
+            </a:r>
+          </a:p>
+        </p:txBody>
+      </p:sp>
+      <p:sp>
+        <p:nvSpPr>
+          <p:cNvPr id="50" name="TextBox 49">
+            <a:extLst>
+              <a:ext uri="{FF2B5EF4-FFF2-40B4-BE49-F238E27FC236}">
+                <a16:creationId xmlns:a16="http://schemas.microsoft.com/office/drawing/2014/main" id="{2FDD1E17-6EDC-B568-0CA5-4A0A4BF9B5EA}"/>
+              </a:ext>
+            </a:extLst>
+          </p:cNvPr>
+          <p:cNvSpPr txBox="1"/>
+          <p:nvPr/>
+        </p:nvSpPr>
+        <p:spPr>
+          <a:xfrm>
+            <a:off x="5987516" y="4091797"/>
+            <a:ext cx="1369349" cy="369332"/>
+          </a:xfrm>
+          <a:prstGeom prst="rect">
+            <a:avLst/>
+          </a:prstGeom>
+          <a:noFill/>
+        </p:spPr>
+        <p:txBody>
+          <a:bodyPr wrap="none" rtlCol="0">
+            <a:spAutoFit/>
+          </a:bodyPr>
+          <a:lstStyle/>
+          <a:p>
+            <a:r>
+              <a:rPr lang="en-US" dirty="0">
+                <a:solidFill>
+                  <a:srgbClr val="00B050"/>
+                </a:solidFill>
+              </a:rPr>
+              <a:t>Main branch</a:t>
+            </a:r>
+          </a:p>
+        </p:txBody>
+      </p:sp>
+      <p:grpSp>
+        <p:nvGrpSpPr>
+          <p:cNvPr id="54" name="Group 53">
+            <a:extLst>
+              <a:ext uri="{FF2B5EF4-FFF2-40B4-BE49-F238E27FC236}">
+                <a16:creationId xmlns:a16="http://schemas.microsoft.com/office/drawing/2014/main" id="{B2C5F7B8-0DB8-55DA-B433-7D52858C1115}"/>
+              </a:ext>
+            </a:extLst>
+          </p:cNvPr>
+          <p:cNvGrpSpPr/>
+          <p:nvPr/>
+        </p:nvGrpSpPr>
+        <p:grpSpPr>
+          <a:xfrm>
+            <a:off x="6950637" y="3227283"/>
+            <a:ext cx="179640" cy="176400"/>
+            <a:chOff x="6950637" y="3227283"/>
+            <a:chExt cx="179640" cy="176400"/>
+          </a:xfrm>
+        </p:grpSpPr>
+        <mc:AlternateContent xmlns:mc="http://schemas.openxmlformats.org/markup-compatibility/2006">
+          <mc:Choice xmlns:p14="http://schemas.microsoft.com/office/powerpoint/2010/main" Requires="p14">
+            <p:contentPart p14:bwMode="auto" r:id="rId51">
+              <p14:nvContentPartPr>
+                <p14:cNvPr id="52" name="Ink 51">
+                  <a:extLst>
+                    <a:ext uri="{FF2B5EF4-FFF2-40B4-BE49-F238E27FC236}">
+                      <a16:creationId xmlns:a16="http://schemas.microsoft.com/office/drawing/2014/main" id="{3C275396-7552-ED53-37C9-D98AAB501705}"/>
+                    </a:ext>
+                  </a:extLst>
+                </p14:cNvPr>
+                <p14:cNvContentPartPr/>
+                <p14:nvPr/>
+              </p14:nvContentPartPr>
+              <p14:xfrm>
+                <a:off x="6950637" y="3227283"/>
+                <a:ext cx="161640" cy="155520"/>
+              </p14:xfrm>
+            </p:contentPart>
+          </mc:Choice>
+          <mc:Fallback>
+            <p:pic>
+              <p:nvPicPr>
+                <p:cNvPr id="52" name="Ink 51">
+                  <a:extLst>
+                    <a:ext uri="{FF2B5EF4-FFF2-40B4-BE49-F238E27FC236}">
+                      <a16:creationId xmlns:a16="http://schemas.microsoft.com/office/drawing/2014/main" id="{3C275396-7552-ED53-37C9-D98AAB501705}"/>
+                    </a:ext>
+                  </a:extLst>
+                </p:cNvPr>
+                <p:cNvPicPr/>
+                <p:nvPr/>
+              </p:nvPicPr>
+              <p:blipFill>
+                <a:blip r:embed="rId52"/>
+                <a:stretch>
+                  <a:fillRect/>
+                </a:stretch>
+              </p:blipFill>
+              <p:spPr>
+                <a:xfrm>
+                  <a:off x="6941277" y="3218283"/>
+                  <a:ext cx="180360" cy="174240"/>
+                </a:xfrm>
+                <a:prstGeom prst="rect">
+                  <a:avLst/>
+                </a:prstGeom>
+              </p:spPr>
+            </p:pic>
+          </mc:Fallback>
+        </mc:AlternateContent>
+        <mc:AlternateContent xmlns:mc="http://schemas.openxmlformats.org/markup-compatibility/2006">
+          <mc:Choice xmlns:p14="http://schemas.microsoft.com/office/powerpoint/2010/main" Requires="p14">
+            <p:contentPart p14:bwMode="auto" r:id="rId53">
+              <p14:nvContentPartPr>
+                <p14:cNvPr id="53" name="Ink 52">
+                  <a:extLst>
+                    <a:ext uri="{FF2B5EF4-FFF2-40B4-BE49-F238E27FC236}">
+                      <a16:creationId xmlns:a16="http://schemas.microsoft.com/office/drawing/2014/main" id="{96468DE0-3DFA-6D15-68CF-A0763A826681}"/>
+                    </a:ext>
+                  </a:extLst>
+                </p14:cNvPr>
+                <p14:cNvContentPartPr/>
+                <p14:nvPr/>
+              </p14:nvContentPartPr>
+              <p14:xfrm>
+                <a:off x="7036677" y="3403323"/>
+                <a:ext cx="93600" cy="360"/>
+              </p14:xfrm>
+            </p:contentPart>
+          </mc:Choice>
+          <mc:Fallback>
+            <p:pic>
+              <p:nvPicPr>
+                <p:cNvPr id="53" name="Ink 52">
+                  <a:extLst>
+                    <a:ext uri="{FF2B5EF4-FFF2-40B4-BE49-F238E27FC236}">
+                      <a16:creationId xmlns:a16="http://schemas.microsoft.com/office/drawing/2014/main" id="{96468DE0-3DFA-6D15-68CF-A0763A826681}"/>
+                    </a:ext>
+                  </a:extLst>
+                </p:cNvPr>
+                <p:cNvPicPr/>
+                <p:nvPr/>
+              </p:nvPicPr>
+              <p:blipFill>
+                <a:blip r:embed="rId54"/>
+                <a:stretch>
+                  <a:fillRect/>
+                </a:stretch>
+              </p:blipFill>
+              <p:spPr>
+                <a:xfrm>
+                  <a:off x="7027317" y="3393963"/>
+                  <a:ext cx="112320" cy="19080"/>
+                </a:xfrm>
+                <a:prstGeom prst="rect">
+                  <a:avLst/>
+                </a:prstGeom>
+              </p:spPr>
+            </p:pic>
+          </mc:Fallback>
+        </mc:AlternateContent>
+      </p:grpSp>
+      <p:sp>
+        <p:nvSpPr>
+          <p:cNvPr id="55" name="TextBox 54">
+            <a:extLst>
+              <a:ext uri="{FF2B5EF4-FFF2-40B4-BE49-F238E27FC236}">
+                <a16:creationId xmlns:a16="http://schemas.microsoft.com/office/drawing/2014/main" id="{B2A1C7A7-ED10-CEDF-0236-72ECEFD7C6CC}"/>
+              </a:ext>
+            </a:extLst>
+          </p:cNvPr>
+          <p:cNvSpPr txBox="1"/>
+          <p:nvPr/>
+        </p:nvSpPr>
+        <p:spPr>
+          <a:xfrm>
+            <a:off x="5864669" y="2917683"/>
+            <a:ext cx="1049982" cy="523220"/>
+          </a:xfrm>
+          <a:prstGeom prst="rect">
+            <a:avLst/>
+          </a:prstGeom>
+          <a:noFill/>
+        </p:spPr>
+        <p:txBody>
+          <a:bodyPr wrap="square" rtlCol="0">
+            <a:spAutoFit/>
+          </a:bodyPr>
+          <a:lstStyle/>
+          <a:p>
+            <a:pPr algn="r"/>
+            <a:r>
+              <a:rPr lang="en-US" sz="1400" dirty="0">
+                <a:latin typeface="Times" pitchFamily="2" charset="0"/>
+              </a:rPr>
+              <a:t>Starting a new branch</a:t>
+            </a:r>
+          </a:p>
+        </p:txBody>
+      </p:sp>
+      <p:sp>
+        <p:nvSpPr>
+          <p:cNvPr id="56" name="TextBox 55">
+            <a:extLst>
+              <a:ext uri="{FF2B5EF4-FFF2-40B4-BE49-F238E27FC236}">
+                <a16:creationId xmlns:a16="http://schemas.microsoft.com/office/drawing/2014/main" id="{EDB07B3D-BF9F-ED0A-0EB9-2D41AB6F7874}"/>
+              </a:ext>
+            </a:extLst>
+          </p:cNvPr>
+          <p:cNvSpPr txBox="1"/>
+          <p:nvPr/>
+        </p:nvSpPr>
+        <p:spPr>
+          <a:xfrm>
+            <a:off x="9445745" y="2650676"/>
+            <a:ext cx="1298310" cy="738664"/>
+          </a:xfrm>
+          <a:prstGeom prst="rect">
+            <a:avLst/>
+          </a:prstGeom>
+          <a:noFill/>
+        </p:spPr>
+        <p:txBody>
+          <a:bodyPr wrap="square" rtlCol="0">
+            <a:spAutoFit/>
+          </a:bodyPr>
+          <a:lstStyle/>
+          <a:p>
+            <a:r>
+              <a:rPr lang="en-US" sz="1400" dirty="0">
+                <a:latin typeface="Times" pitchFamily="2" charset="0"/>
+              </a:rPr>
+              <a:t>Merging the branch back in to main</a:t>
+            </a:r>
+          </a:p>
+        </p:txBody>
+      </p:sp>
+      <mc:AlternateContent xmlns:mc="http://schemas.openxmlformats.org/markup-compatibility/2006">
+        <mc:Choice xmlns:p14="http://schemas.microsoft.com/office/powerpoint/2010/main" Requires="p14">
+          <p:contentPart p14:bwMode="auto" r:id="rId55">
+            <p14:nvContentPartPr>
+              <p14:cNvPr id="57" name="Ink 56">
+                <a:extLst>
+                  <a:ext uri="{FF2B5EF4-FFF2-40B4-BE49-F238E27FC236}">
+                    <a16:creationId xmlns:a16="http://schemas.microsoft.com/office/drawing/2014/main" id="{A8AD94B3-0F48-5936-F7D2-EC883CCF54BC}"/>
+                  </a:ext>
+                </a:extLst>
+              </p14:cNvPr>
+              <p14:cNvContentPartPr/>
+              <p14:nvPr/>
+            </p14:nvContentPartPr>
+            <p14:xfrm>
+              <a:off x="9321237" y="3188403"/>
+              <a:ext cx="104040" cy="354960"/>
+            </p14:xfrm>
+          </p:contentPart>
+        </mc:Choice>
+        <mc:Fallback>
+          <p:pic>
+            <p:nvPicPr>
+              <p:cNvPr id="57" name="Ink 56">
+                <a:extLst>
+                  <a:ext uri="{FF2B5EF4-FFF2-40B4-BE49-F238E27FC236}">
+                    <a16:creationId xmlns:a16="http://schemas.microsoft.com/office/drawing/2014/main" id="{A8AD94B3-0F48-5936-F7D2-EC883CCF54BC}"/>
+                  </a:ext>
+                </a:extLst>
+              </p:cNvPr>
+              <p:cNvPicPr/>
+              <p:nvPr/>
+            </p:nvPicPr>
+            <p:blipFill>
+              <a:blip r:embed="rId56"/>
+              <a:stretch>
+                <a:fillRect/>
+              </a:stretch>
+            </p:blipFill>
+            <p:spPr>
+              <a:xfrm>
+                <a:off x="9311877" y="3179043"/>
+                <a:ext cx="122760" cy="373680"/>
+              </a:xfrm>
+              <a:prstGeom prst="rect">
+                <a:avLst/>
+              </a:prstGeom>
+            </p:spPr>
+          </p:pic>
+        </mc:Fallback>
+      </mc:AlternateContent>
+      <p:grpSp>
+        <p:nvGrpSpPr>
+          <p:cNvPr id="60" name="Group 59">
+            <a:extLst>
+              <a:ext uri="{FF2B5EF4-FFF2-40B4-BE49-F238E27FC236}">
+                <a16:creationId xmlns:a16="http://schemas.microsoft.com/office/drawing/2014/main" id="{8C5E0B4B-7991-F940-73A3-EB1378287C3C}"/>
+              </a:ext>
+            </a:extLst>
+          </p:cNvPr>
+          <p:cNvGrpSpPr/>
+          <p:nvPr/>
+        </p:nvGrpSpPr>
+        <p:grpSpPr>
+          <a:xfrm>
+            <a:off x="7493157" y="4219083"/>
+            <a:ext cx="284040" cy="833040"/>
+            <a:chOff x="7493157" y="4219083"/>
+            <a:chExt cx="284040" cy="833040"/>
+          </a:xfrm>
+        </p:grpSpPr>
+        <mc:AlternateContent xmlns:mc="http://schemas.openxmlformats.org/markup-compatibility/2006">
+          <mc:Choice xmlns:p14="http://schemas.microsoft.com/office/powerpoint/2010/main" Requires="p14">
+            <p:contentPart p14:bwMode="auto" r:id="rId57">
+              <p14:nvContentPartPr>
+                <p14:cNvPr id="58" name="Ink 57">
+                  <a:extLst>
+                    <a:ext uri="{FF2B5EF4-FFF2-40B4-BE49-F238E27FC236}">
+                      <a16:creationId xmlns:a16="http://schemas.microsoft.com/office/drawing/2014/main" id="{CA971BFD-1402-FBBD-AD9D-029B4F3B5F24}"/>
+                    </a:ext>
+                  </a:extLst>
+                </p14:cNvPr>
+                <p14:cNvContentPartPr/>
+                <p14:nvPr/>
+              </p14:nvContentPartPr>
+              <p14:xfrm>
+                <a:off x="7493157" y="4281723"/>
+                <a:ext cx="213120" cy="770400"/>
+              </p14:xfrm>
+            </p:contentPart>
+          </mc:Choice>
+          <mc:Fallback>
+            <p:pic>
+              <p:nvPicPr>
+                <p:cNvPr id="58" name="Ink 57">
+                  <a:extLst>
+                    <a:ext uri="{FF2B5EF4-FFF2-40B4-BE49-F238E27FC236}">
+                      <a16:creationId xmlns:a16="http://schemas.microsoft.com/office/drawing/2014/main" id="{CA971BFD-1402-FBBD-AD9D-029B4F3B5F24}"/>
+                    </a:ext>
+                  </a:extLst>
+                </p:cNvPr>
+                <p:cNvPicPr/>
+                <p:nvPr/>
+              </p:nvPicPr>
+              <p:blipFill>
+                <a:blip r:embed="rId58"/>
+                <a:stretch>
+                  <a:fillRect/>
+                </a:stretch>
+              </p:blipFill>
+              <p:spPr>
+                <a:xfrm>
+                  <a:off x="7483797" y="4272363"/>
+                  <a:ext cx="231840" cy="788760"/>
+                </a:xfrm>
+                <a:prstGeom prst="rect">
+                  <a:avLst/>
+                </a:prstGeom>
+              </p:spPr>
+            </p:pic>
+          </mc:Fallback>
+        </mc:AlternateContent>
+        <mc:AlternateContent xmlns:mc="http://schemas.openxmlformats.org/markup-compatibility/2006">
+          <mc:Choice xmlns:p14="http://schemas.microsoft.com/office/powerpoint/2010/main" Requires="p14">
+            <p:contentPart p14:bwMode="auto" r:id="rId59">
+              <p14:nvContentPartPr>
+                <p14:cNvPr id="59" name="Ink 58">
+                  <a:extLst>
+                    <a:ext uri="{FF2B5EF4-FFF2-40B4-BE49-F238E27FC236}">
+                      <a16:creationId xmlns:a16="http://schemas.microsoft.com/office/drawing/2014/main" id="{BCC25604-9C20-149D-3405-2188624AD9E8}"/>
+                    </a:ext>
+                  </a:extLst>
+                </p14:cNvPr>
+                <p14:cNvContentPartPr/>
+                <p14:nvPr/>
+              </p14:nvContentPartPr>
+              <p14:xfrm>
+                <a:off x="7615917" y="4219083"/>
+                <a:ext cx="161280" cy="130680"/>
+              </p14:xfrm>
+            </p:contentPart>
+          </mc:Choice>
+          <mc:Fallback>
+            <p:pic>
+              <p:nvPicPr>
+                <p:cNvPr id="59" name="Ink 58">
+                  <a:extLst>
+                    <a:ext uri="{FF2B5EF4-FFF2-40B4-BE49-F238E27FC236}">
+                      <a16:creationId xmlns:a16="http://schemas.microsoft.com/office/drawing/2014/main" id="{BCC25604-9C20-149D-3405-2188624AD9E8}"/>
+                    </a:ext>
+                  </a:extLst>
+                </p:cNvPr>
+                <p:cNvPicPr/>
+                <p:nvPr/>
+              </p:nvPicPr>
+              <p:blipFill>
+                <a:blip r:embed="rId60"/>
+                <a:stretch>
+                  <a:fillRect/>
+                </a:stretch>
+              </p:blipFill>
+              <p:spPr>
+                <a:xfrm>
+                  <a:off x="7606557" y="4209723"/>
+                  <a:ext cx="180000" cy="149400"/>
+                </a:xfrm>
+                <a:prstGeom prst="rect">
+                  <a:avLst/>
+                </a:prstGeom>
+              </p:spPr>
+            </p:pic>
+          </mc:Fallback>
+        </mc:AlternateContent>
+      </p:grpSp>
+      <p:sp>
+        <p:nvSpPr>
+          <p:cNvPr id="61" name="TextBox 60">
+            <a:extLst>
+              <a:ext uri="{FF2B5EF4-FFF2-40B4-BE49-F238E27FC236}">
+                <a16:creationId xmlns:a16="http://schemas.microsoft.com/office/drawing/2014/main" id="{21B1D19A-DEC3-4800-D15F-8C7C581FC72D}"/>
+              </a:ext>
+            </a:extLst>
+          </p:cNvPr>
+          <p:cNvSpPr txBox="1"/>
+          <p:nvPr/>
+        </p:nvSpPr>
+        <p:spPr>
+          <a:xfrm>
+            <a:off x="6747849" y="5048689"/>
+            <a:ext cx="1513084" cy="738664"/>
+          </a:xfrm>
+          <a:prstGeom prst="rect">
+            <a:avLst/>
+          </a:prstGeom>
+          <a:noFill/>
+        </p:spPr>
+        <p:txBody>
+          <a:bodyPr wrap="square" rtlCol="0">
+            <a:spAutoFit/>
+          </a:bodyPr>
+          <a:lstStyle/>
+          <a:p>
+            <a:pPr algn="ctr"/>
+            <a:r>
+              <a:rPr lang="en-US" sz="1400" dirty="0">
+                <a:latin typeface="Times" pitchFamily="2" charset="0"/>
+              </a:rPr>
+              <a:t>A single commit on the main branch</a:t>
+            </a:r>
+          </a:p>
+        </p:txBody>
+      </p:sp>
     </p:spTree>
     <p:extLst>
       <p:ext uri="{BB962C8B-B14F-4D97-AF65-F5344CB8AC3E}">
         <p14:creationId xmlns:p14="http://schemas.microsoft.com/office/powerpoint/2010/main" val="2051926272"/>
+      </p:ext>
+    </p:extLst>
+  </p:cSld>
+  <p:clrMapOvr>
+    <a:masterClrMapping/>
+  </p:clrMapOvr>
+</p:sld>
+</file>
+
+<file path=ppt/slides/slide3.xml><?xml version="1.0" encoding="utf-8"?>
+<p:sld xmlns:a="http://schemas.openxmlformats.org/drawingml/2006/main" xmlns:r="http://schemas.openxmlformats.org/officeDocument/2006/relationships" xmlns:p="http://schemas.openxmlformats.org/presentationml/2006/main">
+  <p:cSld>
+    <p:spTree>
+      <p:nvGrpSpPr>
+        <p:cNvPr id="1" name=""/>
+        <p:cNvGrpSpPr/>
+        <p:nvPr/>
+      </p:nvGrpSpPr>
+      <p:grpSpPr>
+        <a:xfrm>
+          <a:off x="0" y="0"/>
+          <a:ext cx="0" cy="0"/>
+          <a:chOff x="0" y="0"/>
+          <a:chExt cx="0" cy="0"/>
+        </a:xfrm>
+      </p:grpSpPr>
+      <p:pic>
+        <p:nvPicPr>
+          <p:cNvPr id="5" name="Picture 4" descr="Diagram, text&#10;&#10;Description automatically generated">
+            <a:extLst>
+              <a:ext uri="{FF2B5EF4-FFF2-40B4-BE49-F238E27FC236}">
+                <a16:creationId xmlns:a16="http://schemas.microsoft.com/office/drawing/2014/main" id="{0A67FE65-ABEE-54BB-E286-4E76D9E06FEF}"/>
+              </a:ext>
+            </a:extLst>
+          </p:cNvPr>
+          <p:cNvPicPr>
+            <a:picLocks noChangeAspect="1"/>
+          </p:cNvPicPr>
+          <p:nvPr/>
+        </p:nvPicPr>
+        <p:blipFill>
+          <a:blip r:embed="rId2"/>
+          <a:stretch>
+            <a:fillRect/>
+          </a:stretch>
+        </p:blipFill>
+        <p:spPr>
+          <a:xfrm>
+            <a:off x="-282265" y="0"/>
+            <a:ext cx="3914959" cy="3201240"/>
+          </a:xfrm>
+          <a:prstGeom prst="rect">
+            <a:avLst/>
+          </a:prstGeom>
+        </p:spPr>
+      </p:pic>
+      <p:sp>
+        <p:nvSpPr>
+          <p:cNvPr id="9" name="TextBox 8">
+            <a:extLst>
+              <a:ext uri="{FF2B5EF4-FFF2-40B4-BE49-F238E27FC236}">
+                <a16:creationId xmlns:a16="http://schemas.microsoft.com/office/drawing/2014/main" id="{5029FC7F-814C-A8FC-4F89-8C023B26A8F8}"/>
+              </a:ext>
+            </a:extLst>
+          </p:cNvPr>
+          <p:cNvSpPr txBox="1"/>
+          <p:nvPr/>
+        </p:nvSpPr>
+        <p:spPr>
+          <a:xfrm>
+            <a:off x="7471760" y="3521385"/>
+            <a:ext cx="2286000" cy="2308324"/>
+          </a:xfrm>
+          <a:prstGeom prst="rect">
+            <a:avLst/>
+          </a:prstGeom>
+          <a:noFill/>
+        </p:spPr>
+        <p:txBody>
+          <a:bodyPr wrap="square" rtlCol="0">
+            <a:spAutoFit/>
+          </a:bodyPr>
+          <a:lstStyle/>
+          <a:p>
+            <a:r>
+              <a:rPr lang="en-US" sz="1600" b="1" dirty="0"/>
+              <a:t>How to share?</a:t>
+            </a:r>
+          </a:p>
+          <a:p>
+            <a:endParaRPr lang="en-US" sz="1600" b="1" dirty="0"/>
+          </a:p>
+          <a:p>
+            <a:pPr marL="285750" indent="-285750">
+              <a:buFont typeface="Arial" panose="020B0604020202020204" pitchFamily="34" charset="0"/>
+              <a:buChar char="•"/>
+            </a:pPr>
+            <a:r>
+              <a:rPr lang="en-US" sz="1600" dirty="0"/>
+              <a:t>Select a FAIR repository</a:t>
+            </a:r>
+          </a:p>
+          <a:p>
+            <a:pPr marL="285750" indent="-285750">
+              <a:buFont typeface="Arial" panose="020B0604020202020204" pitchFamily="34" charset="0"/>
+              <a:buChar char="•"/>
+            </a:pPr>
+            <a:endParaRPr lang="en-US" sz="1600" dirty="0"/>
+          </a:p>
+          <a:p>
+            <a:r>
+              <a:rPr lang="en-US" sz="1600" dirty="0"/>
+              <a:t>Check for…</a:t>
+            </a:r>
+          </a:p>
+          <a:p>
+            <a:pPr marL="285750" indent="-285750">
+              <a:buFont typeface="Arial" panose="020B0604020202020204" pitchFamily="34" charset="0"/>
+              <a:buChar char="•"/>
+            </a:pPr>
+            <a:r>
+              <a:rPr lang="en-US" sz="1600" dirty="0"/>
+              <a:t>Access controls for sensitive data</a:t>
+            </a:r>
+          </a:p>
+          <a:p>
+            <a:pPr marL="285750" indent="-285750">
+              <a:buFont typeface="Arial" panose="020B0604020202020204" pitchFamily="34" charset="0"/>
+              <a:buChar char="•"/>
+            </a:pPr>
+            <a:r>
+              <a:rPr lang="en-US" sz="1600" dirty="0"/>
+              <a:t>Size restrictions</a:t>
+            </a:r>
+          </a:p>
+        </p:txBody>
+      </p:sp>
+      <p:sp>
+        <p:nvSpPr>
+          <p:cNvPr id="10" name="TextBox 9">
+            <a:extLst>
+              <a:ext uri="{FF2B5EF4-FFF2-40B4-BE49-F238E27FC236}">
+                <a16:creationId xmlns:a16="http://schemas.microsoft.com/office/drawing/2014/main" id="{F3253DF5-D673-ED76-554E-17FB5B095FFC}"/>
+              </a:ext>
+            </a:extLst>
+          </p:cNvPr>
+          <p:cNvSpPr txBox="1"/>
+          <p:nvPr/>
+        </p:nvSpPr>
+        <p:spPr>
+          <a:xfrm>
+            <a:off x="361978" y="3521385"/>
+            <a:ext cx="2286000" cy="2554545"/>
+          </a:xfrm>
+          <a:prstGeom prst="rect">
+            <a:avLst/>
+          </a:prstGeom>
+          <a:noFill/>
+        </p:spPr>
+        <p:txBody>
+          <a:bodyPr wrap="square" rtlCol="0">
+            <a:spAutoFit/>
+          </a:bodyPr>
+          <a:lstStyle/>
+          <a:p>
+            <a:r>
+              <a:rPr lang="en-US" sz="1600" b="1" dirty="0"/>
+              <a:t>Can you share / must you share? </a:t>
+            </a:r>
+          </a:p>
+          <a:p>
+            <a:endParaRPr lang="en-US" sz="1600" dirty="0"/>
+          </a:p>
+          <a:p>
+            <a:r>
+              <a:rPr lang="en-US" sz="1600" dirty="0"/>
+              <a:t>Check with…</a:t>
+            </a:r>
+          </a:p>
+          <a:p>
+            <a:pPr marL="342900" indent="-342900">
+              <a:buFont typeface="Arial" panose="020B0604020202020204" pitchFamily="34" charset="0"/>
+              <a:buChar char="•"/>
+            </a:pPr>
+            <a:r>
+              <a:rPr lang="en-US" sz="1600" dirty="0"/>
+              <a:t>Collaborators</a:t>
+            </a:r>
+          </a:p>
+          <a:p>
+            <a:pPr marL="342900" indent="-342900">
+              <a:buFont typeface="Arial" panose="020B0604020202020204" pitchFamily="34" charset="0"/>
+              <a:buChar char="•"/>
+            </a:pPr>
+            <a:r>
+              <a:rPr lang="en-US" sz="1600" dirty="0"/>
+              <a:t>Ethics Review Board</a:t>
+            </a:r>
+          </a:p>
+          <a:p>
+            <a:pPr marL="342900" indent="-342900">
+              <a:buFont typeface="Arial" panose="020B0604020202020204" pitchFamily="34" charset="0"/>
+              <a:buChar char="•"/>
+            </a:pPr>
+            <a:r>
+              <a:rPr lang="en-US" sz="1600" dirty="0"/>
+              <a:t>Contracts or data use agreements</a:t>
+            </a:r>
+          </a:p>
+          <a:p>
+            <a:pPr marL="342900" indent="-342900">
+              <a:buFont typeface="Arial" panose="020B0604020202020204" pitchFamily="34" charset="0"/>
+              <a:buChar char="•"/>
+            </a:pPr>
+            <a:r>
+              <a:rPr lang="en-US" sz="1600" dirty="0"/>
+              <a:t>Journal</a:t>
+            </a:r>
+          </a:p>
+          <a:p>
+            <a:pPr marL="342900" indent="-342900">
+              <a:buFont typeface="Arial" panose="020B0604020202020204" pitchFamily="34" charset="0"/>
+              <a:buChar char="•"/>
+            </a:pPr>
+            <a:r>
+              <a:rPr lang="en-US" sz="1600" dirty="0"/>
+              <a:t>Funders</a:t>
+            </a:r>
+          </a:p>
+        </p:txBody>
+      </p:sp>
+      <p:sp>
+        <p:nvSpPr>
+          <p:cNvPr id="15" name="TextBox 14">
+            <a:extLst>
+              <a:ext uri="{FF2B5EF4-FFF2-40B4-BE49-F238E27FC236}">
+                <a16:creationId xmlns:a16="http://schemas.microsoft.com/office/drawing/2014/main" id="{09361420-25F7-7E5E-8258-82B18B1FF788}"/>
+              </a:ext>
+            </a:extLst>
+          </p:cNvPr>
+          <p:cNvSpPr txBox="1"/>
+          <p:nvPr/>
+        </p:nvSpPr>
+        <p:spPr>
+          <a:xfrm>
+            <a:off x="2731905" y="3521385"/>
+            <a:ext cx="2286000" cy="2062103"/>
+          </a:xfrm>
+          <a:prstGeom prst="rect">
+            <a:avLst/>
+          </a:prstGeom>
+          <a:noFill/>
+        </p:spPr>
+        <p:txBody>
+          <a:bodyPr wrap="square" rtlCol="0">
+            <a:spAutoFit/>
+          </a:bodyPr>
+          <a:lstStyle/>
+          <a:p>
+            <a:r>
+              <a:rPr lang="en-US" sz="1600" b="1" dirty="0"/>
+              <a:t>What can you share?</a:t>
+            </a:r>
+          </a:p>
+          <a:p>
+            <a:endParaRPr lang="en-US" sz="1600" b="1" dirty="0"/>
+          </a:p>
+          <a:p>
+            <a:pPr marL="342900" indent="-342900">
+              <a:buFont typeface="Arial" panose="020B0604020202020204" pitchFamily="34" charset="0"/>
+              <a:buChar char="•"/>
+            </a:pPr>
+            <a:r>
+              <a:rPr lang="en-US" sz="1600" dirty="0"/>
+              <a:t>Study protocol</a:t>
+            </a:r>
+          </a:p>
+          <a:p>
+            <a:pPr marL="342900" indent="-342900">
+              <a:buFont typeface="Arial" panose="020B0604020202020204" pitchFamily="34" charset="0"/>
+              <a:buChar char="•"/>
+            </a:pPr>
+            <a:r>
+              <a:rPr lang="en-US" sz="1600" dirty="0"/>
+              <a:t>Materials</a:t>
+            </a:r>
+          </a:p>
+          <a:p>
+            <a:pPr marL="342900" indent="-342900">
+              <a:buFont typeface="Arial" panose="020B0604020202020204" pitchFamily="34" charset="0"/>
+              <a:buChar char="•"/>
+            </a:pPr>
+            <a:r>
+              <a:rPr lang="en-US" sz="1600" dirty="0"/>
+              <a:t>Raw data</a:t>
+            </a:r>
+          </a:p>
+          <a:p>
+            <a:pPr marL="342900" indent="-342900">
+              <a:buFont typeface="Arial" panose="020B0604020202020204" pitchFamily="34" charset="0"/>
+              <a:buChar char="•"/>
+            </a:pPr>
+            <a:r>
+              <a:rPr lang="en-US" sz="1600" dirty="0"/>
+              <a:t>Documentation</a:t>
+            </a:r>
+          </a:p>
+          <a:p>
+            <a:pPr marL="342900" indent="-342900">
+              <a:buFont typeface="Arial" panose="020B0604020202020204" pitchFamily="34" charset="0"/>
+              <a:buChar char="•"/>
+            </a:pPr>
+            <a:r>
+              <a:rPr lang="en-US" sz="1600" dirty="0"/>
+              <a:t>Analysis scripts</a:t>
+            </a:r>
+          </a:p>
+          <a:p>
+            <a:pPr marL="342900" indent="-342900">
+              <a:buFont typeface="Arial" panose="020B0604020202020204" pitchFamily="34" charset="0"/>
+              <a:buChar char="•"/>
+            </a:pPr>
+            <a:r>
+              <a:rPr lang="en-US" sz="1600" dirty="0"/>
+              <a:t>Research reports</a:t>
+            </a:r>
+          </a:p>
+        </p:txBody>
+      </p:sp>
+      <p:sp>
+        <p:nvSpPr>
+          <p:cNvPr id="16" name="TextBox 15">
+            <a:extLst>
+              <a:ext uri="{FF2B5EF4-FFF2-40B4-BE49-F238E27FC236}">
+                <a16:creationId xmlns:a16="http://schemas.microsoft.com/office/drawing/2014/main" id="{38605D29-20B0-2D15-48BE-80A26DFD8784}"/>
+              </a:ext>
+            </a:extLst>
+          </p:cNvPr>
+          <p:cNvSpPr txBox="1"/>
+          <p:nvPr/>
+        </p:nvSpPr>
+        <p:spPr>
+          <a:xfrm>
+            <a:off x="5101832" y="3525847"/>
+            <a:ext cx="2286000" cy="2554545"/>
+          </a:xfrm>
+          <a:prstGeom prst="rect">
+            <a:avLst/>
+          </a:prstGeom>
+          <a:noFill/>
+        </p:spPr>
+        <p:txBody>
+          <a:bodyPr wrap="square" rtlCol="0">
+            <a:spAutoFit/>
+          </a:bodyPr>
+          <a:lstStyle/>
+          <a:p>
+            <a:r>
+              <a:rPr lang="en-US" sz="1600" b="1" dirty="0"/>
+              <a:t>When to share?</a:t>
+            </a:r>
+          </a:p>
+          <a:p>
+            <a:endParaRPr lang="en-US" sz="1600" b="1" dirty="0"/>
+          </a:p>
+          <a:p>
+            <a:pPr marL="342900" indent="-342900">
+              <a:buFont typeface="Arial" panose="020B0604020202020204" pitchFamily="34" charset="0"/>
+              <a:buChar char="•"/>
+            </a:pPr>
+            <a:r>
+              <a:rPr lang="en-US" sz="1600" dirty="0"/>
+              <a:t>As data are being collected</a:t>
+            </a:r>
+          </a:p>
+          <a:p>
+            <a:pPr marL="342900" indent="-342900">
+              <a:buFont typeface="Arial" panose="020B0604020202020204" pitchFamily="34" charset="0"/>
+              <a:buChar char="•"/>
+            </a:pPr>
+            <a:r>
+              <a:rPr lang="en-US" sz="1600" dirty="0"/>
+              <a:t>When submitting a paper</a:t>
+            </a:r>
+          </a:p>
+          <a:p>
+            <a:pPr marL="342900" indent="-342900">
+              <a:buFont typeface="Arial" panose="020B0604020202020204" pitchFamily="34" charset="0"/>
+              <a:buChar char="•"/>
+            </a:pPr>
+            <a:r>
+              <a:rPr lang="en-US" sz="1600" dirty="0"/>
+              <a:t>When the paper is published</a:t>
+            </a:r>
+          </a:p>
+          <a:p>
+            <a:pPr marL="342900" indent="-342900">
+              <a:buFont typeface="Arial" panose="020B0604020202020204" pitchFamily="34" charset="0"/>
+              <a:buChar char="•"/>
+            </a:pPr>
+            <a:r>
+              <a:rPr lang="en-US" sz="1600" dirty="0"/>
+              <a:t>After an embargo period</a:t>
+            </a:r>
+          </a:p>
+        </p:txBody>
+      </p:sp>
+      <p:grpSp>
+        <p:nvGrpSpPr>
+          <p:cNvPr id="22" name="Group 21">
+            <a:extLst>
+              <a:ext uri="{FF2B5EF4-FFF2-40B4-BE49-F238E27FC236}">
+                <a16:creationId xmlns:a16="http://schemas.microsoft.com/office/drawing/2014/main" id="{AE3A4838-85E7-FB35-83DC-BFF523077E54}"/>
+              </a:ext>
+            </a:extLst>
+          </p:cNvPr>
+          <p:cNvGrpSpPr/>
+          <p:nvPr/>
+        </p:nvGrpSpPr>
+        <p:grpSpPr>
+          <a:xfrm>
+            <a:off x="2386816" y="3682879"/>
+            <a:ext cx="326160" cy="183600"/>
+            <a:chOff x="2386816" y="3682879"/>
+            <a:chExt cx="326160" cy="183600"/>
+          </a:xfrm>
+        </p:grpSpPr>
+        <mc:AlternateContent xmlns:mc="http://schemas.openxmlformats.org/markup-compatibility/2006">
+          <mc:Choice xmlns:p14="http://schemas.microsoft.com/office/powerpoint/2010/main" Requires="p14">
+            <p:contentPart p14:bwMode="auto" r:id="rId3">
+              <p14:nvContentPartPr>
+                <p14:cNvPr id="18" name="Ink 17">
+                  <a:extLst>
+                    <a:ext uri="{FF2B5EF4-FFF2-40B4-BE49-F238E27FC236}">
+                      <a16:creationId xmlns:a16="http://schemas.microsoft.com/office/drawing/2014/main" id="{E9EA7948-B791-D7A3-1F68-20F082CB0061}"/>
+                    </a:ext>
+                  </a:extLst>
+                </p14:cNvPr>
+                <p14:cNvContentPartPr/>
+                <p14:nvPr/>
+              </p14:nvContentPartPr>
+              <p14:xfrm>
+                <a:off x="2386816" y="3682879"/>
+                <a:ext cx="312480" cy="76680"/>
+              </p14:xfrm>
+            </p:contentPart>
+          </mc:Choice>
+          <mc:Fallback>
+            <p:pic>
+              <p:nvPicPr>
+                <p:cNvPr id="18" name="Ink 17">
+                  <a:extLst>
+                    <a:ext uri="{FF2B5EF4-FFF2-40B4-BE49-F238E27FC236}">
+                      <a16:creationId xmlns:a16="http://schemas.microsoft.com/office/drawing/2014/main" id="{E9EA7948-B791-D7A3-1F68-20F082CB0061}"/>
+                    </a:ext>
+                  </a:extLst>
+                </p:cNvPr>
+                <p:cNvPicPr/>
+                <p:nvPr/>
+              </p:nvPicPr>
+              <p:blipFill>
+                <a:blip r:embed="rId4"/>
+                <a:stretch>
+                  <a:fillRect/>
+                </a:stretch>
+              </p:blipFill>
+              <p:spPr>
+                <a:xfrm>
+                  <a:off x="2368816" y="3664879"/>
+                  <a:ext cx="348120" cy="112320"/>
+                </a:xfrm>
+                <a:prstGeom prst="rect">
+                  <a:avLst/>
+                </a:prstGeom>
+              </p:spPr>
+            </p:pic>
+          </mc:Fallback>
+        </mc:AlternateContent>
+        <mc:AlternateContent xmlns:mc="http://schemas.openxmlformats.org/markup-compatibility/2006">
+          <mc:Choice xmlns:p14="http://schemas.microsoft.com/office/powerpoint/2010/main" Requires="p14">
+            <p:contentPart p14:bwMode="auto" r:id="rId5">
+              <p14:nvContentPartPr>
+                <p14:cNvPr id="19" name="Ink 18">
+                  <a:extLst>
+                    <a:ext uri="{FF2B5EF4-FFF2-40B4-BE49-F238E27FC236}">
+                      <a16:creationId xmlns:a16="http://schemas.microsoft.com/office/drawing/2014/main" id="{F212D75A-1FE8-6A61-D064-59F428C1C346}"/>
+                    </a:ext>
+                  </a:extLst>
+                </p14:cNvPr>
+                <p14:cNvContentPartPr/>
+                <p14:nvPr/>
+              </p14:nvContentPartPr>
+              <p14:xfrm>
+                <a:off x="2593096" y="3682879"/>
+                <a:ext cx="360" cy="360"/>
+              </p14:xfrm>
+            </p:contentPart>
+          </mc:Choice>
+          <mc:Fallback>
+            <p:pic>
+              <p:nvPicPr>
+                <p:cNvPr id="19" name="Ink 18">
+                  <a:extLst>
+                    <a:ext uri="{FF2B5EF4-FFF2-40B4-BE49-F238E27FC236}">
+                      <a16:creationId xmlns:a16="http://schemas.microsoft.com/office/drawing/2014/main" id="{F212D75A-1FE8-6A61-D064-59F428C1C346}"/>
+                    </a:ext>
+                  </a:extLst>
+                </p:cNvPr>
+                <p:cNvPicPr/>
+                <p:nvPr/>
+              </p:nvPicPr>
+              <p:blipFill>
+                <a:blip r:embed="rId6"/>
+                <a:stretch>
+                  <a:fillRect/>
+                </a:stretch>
+              </p:blipFill>
+              <p:spPr>
+                <a:xfrm>
+                  <a:off x="2575456" y="3664879"/>
+                  <a:ext cx="36000" cy="36000"/>
+                </a:xfrm>
+                <a:prstGeom prst="rect">
+                  <a:avLst/>
+                </a:prstGeom>
+              </p:spPr>
+            </p:pic>
+          </mc:Fallback>
+        </mc:AlternateContent>
+        <mc:AlternateContent xmlns:mc="http://schemas.openxmlformats.org/markup-compatibility/2006">
+          <mc:Choice xmlns:p14="http://schemas.microsoft.com/office/powerpoint/2010/main" Requires="p14">
+            <p:contentPart p14:bwMode="auto" r:id="rId7">
+              <p14:nvContentPartPr>
+                <p14:cNvPr id="21" name="Ink 20">
+                  <a:extLst>
+                    <a:ext uri="{FF2B5EF4-FFF2-40B4-BE49-F238E27FC236}">
+                      <a16:creationId xmlns:a16="http://schemas.microsoft.com/office/drawing/2014/main" id="{1E1EFF04-FB7F-A2C7-0699-1CE9C5FF8C0E}"/>
+                    </a:ext>
+                  </a:extLst>
+                </p14:cNvPr>
+                <p14:cNvContentPartPr/>
+                <p14:nvPr/>
+              </p14:nvContentPartPr>
+              <p14:xfrm>
+                <a:off x="2616496" y="3771439"/>
+                <a:ext cx="96480" cy="95040"/>
+              </p14:xfrm>
+            </p:contentPart>
+          </mc:Choice>
+          <mc:Fallback>
+            <p:pic>
+              <p:nvPicPr>
+                <p:cNvPr id="21" name="Ink 20">
+                  <a:extLst>
+                    <a:ext uri="{FF2B5EF4-FFF2-40B4-BE49-F238E27FC236}">
+                      <a16:creationId xmlns:a16="http://schemas.microsoft.com/office/drawing/2014/main" id="{1E1EFF04-FB7F-A2C7-0699-1CE9C5FF8C0E}"/>
+                    </a:ext>
+                  </a:extLst>
+                </p:cNvPr>
+                <p:cNvPicPr/>
+                <p:nvPr/>
+              </p:nvPicPr>
+              <p:blipFill>
+                <a:blip r:embed="rId8"/>
+                <a:stretch>
+                  <a:fillRect/>
+                </a:stretch>
+              </p:blipFill>
+              <p:spPr>
+                <a:xfrm>
+                  <a:off x="2598856" y="3753799"/>
+                  <a:ext cx="132120" cy="130680"/>
+                </a:xfrm>
+                <a:prstGeom prst="rect">
+                  <a:avLst/>
+                </a:prstGeom>
+              </p:spPr>
+            </p:pic>
+          </mc:Fallback>
+        </mc:AlternateContent>
+      </p:grpSp>
+      <p:grpSp>
+        <p:nvGrpSpPr>
+          <p:cNvPr id="23" name="Group 22">
+            <a:extLst>
+              <a:ext uri="{FF2B5EF4-FFF2-40B4-BE49-F238E27FC236}">
+                <a16:creationId xmlns:a16="http://schemas.microsoft.com/office/drawing/2014/main" id="{4DE80E9C-50E7-FA84-96E2-1EFBD8C09EE7}"/>
+              </a:ext>
+            </a:extLst>
+          </p:cNvPr>
+          <p:cNvGrpSpPr/>
+          <p:nvPr/>
+        </p:nvGrpSpPr>
+        <p:grpSpPr>
+          <a:xfrm>
+            <a:off x="4733708" y="3667759"/>
+            <a:ext cx="326160" cy="183600"/>
+            <a:chOff x="2386816" y="3682879"/>
+            <a:chExt cx="326160" cy="183600"/>
+          </a:xfrm>
+        </p:grpSpPr>
+        <mc:AlternateContent xmlns:mc="http://schemas.openxmlformats.org/markup-compatibility/2006">
+          <mc:Choice xmlns:p14="http://schemas.microsoft.com/office/powerpoint/2010/main" Requires="p14">
+            <p:contentPart p14:bwMode="auto" r:id="rId9">
+              <p14:nvContentPartPr>
+                <p14:cNvPr id="24" name="Ink 23">
+                  <a:extLst>
+                    <a:ext uri="{FF2B5EF4-FFF2-40B4-BE49-F238E27FC236}">
+                      <a16:creationId xmlns:a16="http://schemas.microsoft.com/office/drawing/2014/main" id="{E2CED40C-3BCE-E8D8-2EDC-53712A7E5701}"/>
+                    </a:ext>
+                  </a:extLst>
+                </p14:cNvPr>
+                <p14:cNvContentPartPr/>
+                <p14:nvPr/>
+              </p14:nvContentPartPr>
+              <p14:xfrm>
+                <a:off x="2386816" y="3682879"/>
+                <a:ext cx="312480" cy="76680"/>
+              </p14:xfrm>
+            </p:contentPart>
+          </mc:Choice>
+          <mc:Fallback>
+            <p:pic>
+              <p:nvPicPr>
+                <p:cNvPr id="24" name="Ink 23">
+                  <a:extLst>
+                    <a:ext uri="{FF2B5EF4-FFF2-40B4-BE49-F238E27FC236}">
+                      <a16:creationId xmlns:a16="http://schemas.microsoft.com/office/drawing/2014/main" id="{E2CED40C-3BCE-E8D8-2EDC-53712A7E5701}"/>
+                    </a:ext>
+                  </a:extLst>
+                </p:cNvPr>
+                <p:cNvPicPr/>
+                <p:nvPr/>
+              </p:nvPicPr>
+              <p:blipFill>
+                <a:blip r:embed="rId4"/>
+                <a:stretch>
+                  <a:fillRect/>
+                </a:stretch>
+              </p:blipFill>
+              <p:spPr>
+                <a:xfrm>
+                  <a:off x="2368816" y="3664879"/>
+                  <a:ext cx="348120" cy="112320"/>
+                </a:xfrm>
+                <a:prstGeom prst="rect">
+                  <a:avLst/>
+                </a:prstGeom>
+              </p:spPr>
+            </p:pic>
+          </mc:Fallback>
+        </mc:AlternateContent>
+        <mc:AlternateContent xmlns:mc="http://schemas.openxmlformats.org/markup-compatibility/2006">
+          <mc:Choice xmlns:p14="http://schemas.microsoft.com/office/powerpoint/2010/main" Requires="p14">
+            <p:contentPart p14:bwMode="auto" r:id="rId10">
+              <p14:nvContentPartPr>
+                <p14:cNvPr id="25" name="Ink 24">
+                  <a:extLst>
+                    <a:ext uri="{FF2B5EF4-FFF2-40B4-BE49-F238E27FC236}">
+                      <a16:creationId xmlns:a16="http://schemas.microsoft.com/office/drawing/2014/main" id="{BE53EB31-445A-6045-BCC1-85CA043C4E72}"/>
+                    </a:ext>
+                  </a:extLst>
+                </p14:cNvPr>
+                <p14:cNvContentPartPr/>
+                <p14:nvPr/>
+              </p14:nvContentPartPr>
+              <p14:xfrm>
+                <a:off x="2593096" y="3682879"/>
+                <a:ext cx="360" cy="360"/>
+              </p14:xfrm>
+            </p:contentPart>
+          </mc:Choice>
+          <mc:Fallback>
+            <p:pic>
+              <p:nvPicPr>
+                <p:cNvPr id="25" name="Ink 24">
+                  <a:extLst>
+                    <a:ext uri="{FF2B5EF4-FFF2-40B4-BE49-F238E27FC236}">
+                      <a16:creationId xmlns:a16="http://schemas.microsoft.com/office/drawing/2014/main" id="{BE53EB31-445A-6045-BCC1-85CA043C4E72}"/>
+                    </a:ext>
+                  </a:extLst>
+                </p:cNvPr>
+                <p:cNvPicPr/>
+                <p:nvPr/>
+              </p:nvPicPr>
+              <p:blipFill>
+                <a:blip r:embed="rId6"/>
+                <a:stretch>
+                  <a:fillRect/>
+                </a:stretch>
+              </p:blipFill>
+              <p:spPr>
+                <a:xfrm>
+                  <a:off x="2575456" y="3664879"/>
+                  <a:ext cx="36000" cy="36000"/>
+                </a:xfrm>
+                <a:prstGeom prst="rect">
+                  <a:avLst/>
+                </a:prstGeom>
+              </p:spPr>
+            </p:pic>
+          </mc:Fallback>
+        </mc:AlternateContent>
+        <mc:AlternateContent xmlns:mc="http://schemas.openxmlformats.org/markup-compatibility/2006">
+          <mc:Choice xmlns:p14="http://schemas.microsoft.com/office/powerpoint/2010/main" Requires="p14">
+            <p:contentPart p14:bwMode="auto" r:id="rId11">
+              <p14:nvContentPartPr>
+                <p14:cNvPr id="26" name="Ink 25">
+                  <a:extLst>
+                    <a:ext uri="{FF2B5EF4-FFF2-40B4-BE49-F238E27FC236}">
+                      <a16:creationId xmlns:a16="http://schemas.microsoft.com/office/drawing/2014/main" id="{A939C875-FEE1-C9B0-12AD-68923D083EAA}"/>
+                    </a:ext>
+                  </a:extLst>
+                </p14:cNvPr>
+                <p14:cNvContentPartPr/>
+                <p14:nvPr/>
+              </p14:nvContentPartPr>
+              <p14:xfrm>
+                <a:off x="2616496" y="3771439"/>
+                <a:ext cx="96480" cy="95040"/>
+              </p14:xfrm>
+            </p:contentPart>
+          </mc:Choice>
+          <mc:Fallback>
+            <p:pic>
+              <p:nvPicPr>
+                <p:cNvPr id="26" name="Ink 25">
+                  <a:extLst>
+                    <a:ext uri="{FF2B5EF4-FFF2-40B4-BE49-F238E27FC236}">
+                      <a16:creationId xmlns:a16="http://schemas.microsoft.com/office/drawing/2014/main" id="{A939C875-FEE1-C9B0-12AD-68923D083EAA}"/>
+                    </a:ext>
+                  </a:extLst>
+                </p:cNvPr>
+                <p:cNvPicPr/>
+                <p:nvPr/>
+              </p:nvPicPr>
+              <p:blipFill>
+                <a:blip r:embed="rId8"/>
+                <a:stretch>
+                  <a:fillRect/>
+                </a:stretch>
+              </p:blipFill>
+              <p:spPr>
+                <a:xfrm>
+                  <a:off x="2598856" y="3753799"/>
+                  <a:ext cx="132120" cy="130680"/>
+                </a:xfrm>
+                <a:prstGeom prst="rect">
+                  <a:avLst/>
+                </a:prstGeom>
+              </p:spPr>
+            </p:pic>
+          </mc:Fallback>
+        </mc:AlternateContent>
+      </p:grpSp>
+      <p:grpSp>
+        <p:nvGrpSpPr>
+          <p:cNvPr id="27" name="Group 26">
+            <a:extLst>
+              <a:ext uri="{FF2B5EF4-FFF2-40B4-BE49-F238E27FC236}">
+                <a16:creationId xmlns:a16="http://schemas.microsoft.com/office/drawing/2014/main" id="{96955D2A-B3F2-9F20-14B9-40428986E433}"/>
+              </a:ext>
+            </a:extLst>
+          </p:cNvPr>
+          <p:cNvGrpSpPr/>
+          <p:nvPr/>
+        </p:nvGrpSpPr>
+        <p:grpSpPr>
+          <a:xfrm>
+            <a:off x="7074289" y="3662383"/>
+            <a:ext cx="326160" cy="183600"/>
+            <a:chOff x="2386816" y="3682879"/>
+            <a:chExt cx="326160" cy="183600"/>
+          </a:xfrm>
+        </p:grpSpPr>
+        <mc:AlternateContent xmlns:mc="http://schemas.openxmlformats.org/markup-compatibility/2006">
+          <mc:Choice xmlns:p14="http://schemas.microsoft.com/office/powerpoint/2010/main" Requires="p14">
+            <p:contentPart p14:bwMode="auto" r:id="rId12">
+              <p14:nvContentPartPr>
+                <p14:cNvPr id="28" name="Ink 27">
+                  <a:extLst>
+                    <a:ext uri="{FF2B5EF4-FFF2-40B4-BE49-F238E27FC236}">
+                      <a16:creationId xmlns:a16="http://schemas.microsoft.com/office/drawing/2014/main" id="{D3B736C9-D8B2-DAF1-075D-2615CA8BEFD0}"/>
+                    </a:ext>
+                  </a:extLst>
+                </p14:cNvPr>
+                <p14:cNvContentPartPr/>
+                <p14:nvPr/>
+              </p14:nvContentPartPr>
+              <p14:xfrm>
+                <a:off x="2386816" y="3682879"/>
+                <a:ext cx="312480" cy="76680"/>
+              </p14:xfrm>
+            </p:contentPart>
+          </mc:Choice>
+          <mc:Fallback>
+            <p:pic>
+              <p:nvPicPr>
+                <p:cNvPr id="28" name="Ink 27">
+                  <a:extLst>
+                    <a:ext uri="{FF2B5EF4-FFF2-40B4-BE49-F238E27FC236}">
+                      <a16:creationId xmlns:a16="http://schemas.microsoft.com/office/drawing/2014/main" id="{D3B736C9-D8B2-DAF1-075D-2615CA8BEFD0}"/>
+                    </a:ext>
+                  </a:extLst>
+                </p:cNvPr>
+                <p:cNvPicPr/>
+                <p:nvPr/>
+              </p:nvPicPr>
+              <p:blipFill>
+                <a:blip r:embed="rId4"/>
+                <a:stretch>
+                  <a:fillRect/>
+                </a:stretch>
+              </p:blipFill>
+              <p:spPr>
+                <a:xfrm>
+                  <a:off x="2368816" y="3664879"/>
+                  <a:ext cx="348120" cy="112320"/>
+                </a:xfrm>
+                <a:prstGeom prst="rect">
+                  <a:avLst/>
+                </a:prstGeom>
+              </p:spPr>
+            </p:pic>
+          </mc:Fallback>
+        </mc:AlternateContent>
+        <mc:AlternateContent xmlns:mc="http://schemas.openxmlformats.org/markup-compatibility/2006">
+          <mc:Choice xmlns:p14="http://schemas.microsoft.com/office/powerpoint/2010/main" Requires="p14">
+            <p:contentPart p14:bwMode="auto" r:id="rId13">
+              <p14:nvContentPartPr>
+                <p14:cNvPr id="29" name="Ink 28">
+                  <a:extLst>
+                    <a:ext uri="{FF2B5EF4-FFF2-40B4-BE49-F238E27FC236}">
+                      <a16:creationId xmlns:a16="http://schemas.microsoft.com/office/drawing/2014/main" id="{061F28F7-8E69-BE13-F87A-06E50341F8BF}"/>
+                    </a:ext>
+                  </a:extLst>
+                </p14:cNvPr>
+                <p14:cNvContentPartPr/>
+                <p14:nvPr/>
+              </p14:nvContentPartPr>
+              <p14:xfrm>
+                <a:off x="2593096" y="3682879"/>
+                <a:ext cx="360" cy="360"/>
+              </p14:xfrm>
+            </p:contentPart>
+          </mc:Choice>
+          <mc:Fallback>
+            <p:pic>
+              <p:nvPicPr>
+                <p:cNvPr id="29" name="Ink 28">
+                  <a:extLst>
+                    <a:ext uri="{FF2B5EF4-FFF2-40B4-BE49-F238E27FC236}">
+                      <a16:creationId xmlns:a16="http://schemas.microsoft.com/office/drawing/2014/main" id="{061F28F7-8E69-BE13-F87A-06E50341F8BF}"/>
+                    </a:ext>
+                  </a:extLst>
+                </p:cNvPr>
+                <p:cNvPicPr/>
+                <p:nvPr/>
+              </p:nvPicPr>
+              <p:blipFill>
+                <a:blip r:embed="rId6"/>
+                <a:stretch>
+                  <a:fillRect/>
+                </a:stretch>
+              </p:blipFill>
+              <p:spPr>
+                <a:xfrm>
+                  <a:off x="2575456" y="3664879"/>
+                  <a:ext cx="36000" cy="36000"/>
+                </a:xfrm>
+                <a:prstGeom prst="rect">
+                  <a:avLst/>
+                </a:prstGeom>
+              </p:spPr>
+            </p:pic>
+          </mc:Fallback>
+        </mc:AlternateContent>
+        <mc:AlternateContent xmlns:mc="http://schemas.openxmlformats.org/markup-compatibility/2006">
+          <mc:Choice xmlns:p14="http://schemas.microsoft.com/office/powerpoint/2010/main" Requires="p14">
+            <p:contentPart p14:bwMode="auto" r:id="rId14">
+              <p14:nvContentPartPr>
+                <p14:cNvPr id="30" name="Ink 29">
+                  <a:extLst>
+                    <a:ext uri="{FF2B5EF4-FFF2-40B4-BE49-F238E27FC236}">
+                      <a16:creationId xmlns:a16="http://schemas.microsoft.com/office/drawing/2014/main" id="{5032AD31-8A81-7491-4240-6FB41F813E46}"/>
+                    </a:ext>
+                  </a:extLst>
+                </p14:cNvPr>
+                <p14:cNvContentPartPr/>
+                <p14:nvPr/>
+              </p14:nvContentPartPr>
+              <p14:xfrm>
+                <a:off x="2616496" y="3771439"/>
+                <a:ext cx="96480" cy="95040"/>
+              </p14:xfrm>
+            </p:contentPart>
+          </mc:Choice>
+          <mc:Fallback>
+            <p:pic>
+              <p:nvPicPr>
+                <p:cNvPr id="30" name="Ink 29">
+                  <a:extLst>
+                    <a:ext uri="{FF2B5EF4-FFF2-40B4-BE49-F238E27FC236}">
+                      <a16:creationId xmlns:a16="http://schemas.microsoft.com/office/drawing/2014/main" id="{5032AD31-8A81-7491-4240-6FB41F813E46}"/>
+                    </a:ext>
+                  </a:extLst>
+                </p:cNvPr>
+                <p:cNvPicPr/>
+                <p:nvPr/>
+              </p:nvPicPr>
+              <p:blipFill>
+                <a:blip r:embed="rId8"/>
+                <a:stretch>
+                  <a:fillRect/>
+                </a:stretch>
+              </p:blipFill>
+              <p:spPr>
+                <a:xfrm>
+                  <a:off x="2598856" y="3753799"/>
+                  <a:ext cx="132120" cy="130680"/>
+                </a:xfrm>
+                <a:prstGeom prst="rect">
+                  <a:avLst/>
+                </a:prstGeom>
+              </p:spPr>
+            </p:pic>
+          </mc:Fallback>
+        </mc:AlternateContent>
+      </p:grpSp>
+    </p:spTree>
+    <p:extLst>
+      <p:ext uri="{BB962C8B-B14F-4D97-AF65-F5344CB8AC3E}">
+        <p14:creationId xmlns:p14="http://schemas.microsoft.com/office/powerpoint/2010/main" val="661688182"/>
       </p:ext>
     </p:extLst>
   </p:cSld>
